--- a/2019-12-2/ppt/深入函数.pptx
+++ b/2019-12-2/ppt/深入函数.pptx
@@ -47,6 +47,11 @@
     <p:sldId id="292" r:id="rId44"/>
     <p:sldId id="293" r:id="rId45"/>
     <p:sldId id="294" r:id="rId46"/>
+    <p:sldId id="295" r:id="rId47"/>
+    <p:sldId id="296" r:id="rId48"/>
+    <p:sldId id="297" r:id="rId49"/>
+    <p:sldId id="298" r:id="rId50"/>
+    <p:sldId id="299" r:id="rId51"/>
   </p:sldIdLst>
   <p:sldSz cx="24384000" cy="13716000"/>
   <p:notesSz cx="6858000" cy="9144000"/>
@@ -5380,6 +5385,90 @@
           </a:p>
         </p:txBody>
       </p:sp>
+      <p:sp>
+        <p:nvSpPr>
+          <p:cNvPr id="259" name="严格模式下，当一个函数声明在一个代码块内时，它在该代码块内的任何位置都是可见的。但在代码块外不可见"/>
+          <p:cNvSpPr txBox="1"/>
+          <p:nvPr/>
+        </p:nvSpPr>
+        <p:spPr>
+          <a:xfrm>
+            <a:off x="3310541" y="8052462"/>
+            <a:ext cx="18417987" cy="1538736"/>
+          </a:xfrm>
+          <a:prstGeom prst="rect">
+            <a:avLst/>
+          </a:prstGeom>
+          <a:ln w="12700">
+            <a:miter lim="400000"/>
+          </a:ln>
+          <a:extLst>
+            <a:ext uri="{C572A759-6A51-4108-AA02-DFA0A04FC94B}">
+              <ma14:wrappingTextBoxFlag xmlns:ma14="http://schemas.microsoft.com/office/mac/drawingml/2011/main" val="1"/>
+            </a:ext>
+          </a:extLst>
+        </p:spPr>
+        <p:txBody>
+          <a:bodyPr lIns="50800" tIns="50800" rIns="50800" bIns="50800" anchor="ctr">
+            <a:spAutoFit/>
+          </a:bodyPr>
+          <a:lstStyle>
+            <a:lvl1pPr algn="l">
+              <a:defRPr sz="4000">
+                <a:solidFill>
+                  <a:srgbClr val="FFFFFF">
+                    <a:alpha val="50000"/>
+                  </a:srgbClr>
+                </a:solidFill>
+              </a:defRPr>
+            </a:lvl1pPr>
+          </a:lstStyle>
+          <a:p>
+            <a:pPr/>
+            <a:r>
+              <a:t> 严格模式下，当一个函数声明在一个代码块内时，它在该代码块内的任何位置都是可见的。但在代码块外不可见</a:t>
+            </a:r>
+          </a:p>
+        </p:txBody>
+      </p:sp>
+      <p:sp>
+        <p:nvSpPr>
+          <p:cNvPr id="260" name="圆形"/>
+          <p:cNvSpPr/>
+          <p:nvPr/>
+        </p:nvSpPr>
+        <p:spPr>
+          <a:xfrm>
+            <a:off x="2612859" y="8679945"/>
+            <a:ext cx="283770" cy="283770"/>
+          </a:xfrm>
+          <a:prstGeom prst="ellipse">
+            <a:avLst/>
+          </a:prstGeom>
+          <a:solidFill>
+            <a:srgbClr val="FFFFFF">
+              <a:alpha val="60876"/>
+            </a:srgbClr>
+          </a:solidFill>
+          <a:ln w="12700">
+            <a:miter lim="400000"/>
+          </a:ln>
+        </p:spPr>
+        <p:txBody>
+          <a:bodyPr lIns="50800" tIns="50800" rIns="50800" bIns="50800" anchor="ctr"/>
+          <a:lstStyle/>
+          <a:p>
+            <a:pPr>
+              <a:defRPr b="0" sz="3200">
+                <a:latin typeface="+mn-lt"/>
+                <a:ea typeface="+mn-ea"/>
+                <a:cs typeface="+mn-cs"/>
+                <a:sym typeface="Helvetica Neue Medium"/>
+              </a:defRPr>
+            </a:pPr>
+          </a:p>
+        </p:txBody>
+      </p:sp>
     </p:spTree>
   </p:cSld>
   <p:clrMapOvr>
@@ -5419,7 +5508,7 @@
       </p:grpSpPr>
       <p:sp>
         <p:nvSpPr>
-          <p:cNvPr id="260" name="追梦课堂   临汾首家专业的web前端培训机构                                                          www.zmclass.com"/>
+          <p:cNvPr id="262" name="追梦课堂   临汾首家专业的web前端培训机构                                                          www.zmclass.com"/>
           <p:cNvSpPr txBox="1"/>
           <p:nvPr/>
         </p:nvSpPr>
@@ -5490,7 +5579,7 @@
       </p:sp>
       <p:sp>
         <p:nvSpPr>
-          <p:cNvPr id="261" name="幻灯片编号"/>
+          <p:cNvPr id="263" name="幻灯片编号"/>
           <p:cNvSpPr txBox="1"/>
           <p:nvPr>
             <p:ph type="sldNum" sz="quarter" idx="2"/>
@@ -5517,7 +5606,7 @@
       </p:sp>
       <p:sp>
         <p:nvSpPr>
-          <p:cNvPr id="262" name="立即函数"/>
+          <p:cNvPr id="264" name="函数声明块级作用域"/>
           <p:cNvSpPr txBox="1"/>
           <p:nvPr/>
         </p:nvSpPr>
@@ -5550,14 +5639,14 @@
           <a:p>
             <a:pPr/>
             <a:r>
-              <a:t>立即函数</a:t>
-            </a:r>
-          </a:p>
-        </p:txBody>
-      </p:sp>
-      <p:sp>
-        <p:nvSpPr>
-          <p:cNvPr id="263" name="矩形"/>
+              <a:t>函数声明块级作用域</a:t>
+            </a:r>
+          </a:p>
+        </p:txBody>
+      </p:sp>
+      <p:sp>
+        <p:nvSpPr>
+          <p:cNvPr id="265" name="矩形"/>
           <p:cNvSpPr/>
           <p:nvPr/>
         </p:nvSpPr>
@@ -5595,45 +5684,16 @@
           </a:p>
         </p:txBody>
       </p:sp>
-      <p:pic>
-        <p:nvPicPr>
-          <p:cNvPr id="264" name="1.png" descr="1.png"/>
-          <p:cNvPicPr>
-            <a:picLocks noChangeAspect="1"/>
-          </p:cNvPicPr>
-          <p:nvPr/>
-        </p:nvPicPr>
-        <p:blipFill>
-          <a:blip r:embed="rId4">
-            <a:extLst/>
-          </a:blip>
-          <a:stretch>
-            <a:fillRect/>
-          </a:stretch>
-        </p:blipFill>
-        <p:spPr>
-          <a:xfrm>
-            <a:off x="3685268" y="8906692"/>
-            <a:ext cx="4285185" cy="1481794"/>
-          </a:xfrm>
-          <a:prstGeom prst="rect">
-            <a:avLst/>
-          </a:prstGeom>
-          <a:ln w="12700">
-            <a:miter lim="400000"/>
-          </a:ln>
-        </p:spPr>
-      </p:pic>
-      <p:sp>
-        <p:nvSpPr>
-          <p:cNvPr id="265" name="标准函数调用"/>
-          <p:cNvSpPr txBox="1"/>
-          <p:nvPr/>
-        </p:nvSpPr>
-        <p:spPr>
-          <a:xfrm>
-            <a:off x="2960939" y="5899112"/>
-            <a:ext cx="5733843" cy="812801"/>
+      <p:sp>
+        <p:nvSpPr>
+          <p:cNvPr id="266" name="严格模式下，当一个函数声明在一个代码块内时，它在该代码块内的任何位置都是可见的。但在代码块外不可见"/>
+          <p:cNvSpPr txBox="1"/>
+          <p:nvPr/>
+        </p:nvSpPr>
+        <p:spPr>
+          <a:xfrm>
+            <a:off x="3216937" y="5275092"/>
+            <a:ext cx="18417986" cy="1524001"/>
           </a:xfrm>
           <a:prstGeom prst="rect">
             <a:avLst/>
@@ -5652,7 +5712,7 @@
             <a:spAutoFit/>
           </a:bodyPr>
           <a:lstStyle>
-            <a:lvl1pPr>
+            <a:lvl1pPr algn="l">
               <a:defRPr sz="4000">
                 <a:solidFill>
                   <a:srgbClr val="FFFFFF">
@@ -5665,21 +5725,97 @@
           <a:p>
             <a:pPr/>
             <a:r>
-              <a:t>标准函数调用</a:t>
-            </a:r>
-          </a:p>
-        </p:txBody>
-      </p:sp>
-      <p:sp>
-        <p:nvSpPr>
-          <p:cNvPr id="266" name="函数表达式立即调用(IIfe)"/>
-          <p:cNvSpPr txBox="1"/>
-          <p:nvPr/>
-        </p:nvSpPr>
-        <p:spPr>
-          <a:xfrm>
-            <a:off x="14114431" y="5899112"/>
-            <a:ext cx="6191705" cy="812801"/>
+              <a:t>严格模式下，当一个函数声明在一个代码块内时，它在该代码块内的任何位置都是可见的。但在代码块外不可见</a:t>
+            </a:r>
+          </a:p>
+        </p:txBody>
+      </p:sp>
+      <p:sp>
+        <p:nvSpPr>
+          <p:cNvPr id="267" name="圆形"/>
+          <p:cNvSpPr/>
+          <p:nvPr/>
+        </p:nvSpPr>
+        <p:spPr>
+          <a:xfrm>
+            <a:off x="2566057" y="5895208"/>
+            <a:ext cx="283770" cy="283770"/>
+          </a:xfrm>
+          <a:prstGeom prst="ellipse">
+            <a:avLst/>
+          </a:prstGeom>
+          <a:solidFill>
+            <a:srgbClr val="FFFFFF">
+              <a:alpha val="60876"/>
+            </a:srgbClr>
+          </a:solidFill>
+          <a:ln w="12700">
+            <a:miter lim="400000"/>
+          </a:ln>
+        </p:spPr>
+        <p:txBody>
+          <a:bodyPr lIns="50800" tIns="50800" rIns="50800" bIns="50800" anchor="ctr"/>
+          <a:lstStyle/>
+          <a:p>
+            <a:pPr>
+              <a:defRPr b="0" sz="3200">
+                <a:latin typeface="+mn-lt"/>
+                <a:ea typeface="+mn-ea"/>
+                <a:cs typeface="+mn-cs"/>
+                <a:sym typeface="Helvetica Neue Medium"/>
+              </a:defRPr>
+            </a:pPr>
+          </a:p>
+        </p:txBody>
+      </p:sp>
+      <p:sp>
+        <p:nvSpPr>
+          <p:cNvPr id="268" name="圆形"/>
+          <p:cNvSpPr/>
+          <p:nvPr/>
+        </p:nvSpPr>
+        <p:spPr>
+          <a:xfrm>
+            <a:off x="2566057" y="7732115"/>
+            <a:ext cx="283770" cy="283770"/>
+          </a:xfrm>
+          <a:prstGeom prst="ellipse">
+            <a:avLst/>
+          </a:prstGeom>
+          <a:solidFill>
+            <a:srgbClr val="FFFFFF">
+              <a:alpha val="60876"/>
+            </a:srgbClr>
+          </a:solidFill>
+          <a:ln w="12700">
+            <a:miter lim="400000"/>
+          </a:ln>
+        </p:spPr>
+        <p:txBody>
+          <a:bodyPr lIns="50800" tIns="50800" rIns="50800" bIns="50800" anchor="ctr"/>
+          <a:lstStyle/>
+          <a:p>
+            <a:pPr>
+              <a:defRPr b="0" sz="3200">
+                <a:latin typeface="+mn-lt"/>
+                <a:ea typeface="+mn-ea"/>
+                <a:cs typeface="+mn-cs"/>
+                <a:sym typeface="Helvetica Neue Medium"/>
+              </a:defRPr>
+            </a:pPr>
+          </a:p>
+        </p:txBody>
+      </p:sp>
+      <p:sp>
+        <p:nvSpPr>
+          <p:cNvPr id="269" name="Es6 非严格模式下 ，函数声明会提升到 全局的最顶部, 或者函数外部的最顶部"/>
+          <p:cNvSpPr txBox="1"/>
+          <p:nvPr/>
+        </p:nvSpPr>
+        <p:spPr>
+          <a:xfrm>
+            <a:off x="3216937" y="7467600"/>
+            <a:ext cx="18417986" cy="812801"/>
           </a:xfrm>
           <a:prstGeom prst="rect">
             <a:avLst/>
@@ -5698,7 +5834,7 @@
             <a:spAutoFit/>
           </a:bodyPr>
           <a:lstStyle>
-            <a:lvl1pPr>
+            <a:lvl1pPr algn="l">
               <a:defRPr sz="4000">
                 <a:solidFill>
                   <a:srgbClr val="FFFFFF">
@@ -5711,82 +5847,7 @@
           <a:p>
             <a:pPr/>
             <a:r>
-              <a:t>函数表达式立即调用(IIfe)</a:t>
-            </a:r>
-          </a:p>
-        </p:txBody>
-      </p:sp>
-      <p:pic>
-        <p:nvPicPr>
-          <p:cNvPr id="267" name="1.png" descr="1.png"/>
-          <p:cNvPicPr>
-            <a:picLocks noChangeAspect="1"/>
-          </p:cNvPicPr>
-          <p:nvPr/>
-        </p:nvPicPr>
-        <p:blipFill>
-          <a:blip r:embed="rId5">
-            <a:extLst/>
-          </a:blip>
-          <a:stretch>
-            <a:fillRect/>
-          </a:stretch>
-        </p:blipFill>
-        <p:spPr>
-          <a:xfrm>
-            <a:off x="12042583" y="8877434"/>
-            <a:ext cx="9877539" cy="1540311"/>
-          </a:xfrm>
-          <a:prstGeom prst="rect">
-            <a:avLst/>
-          </a:prstGeom>
-          <a:ln w="12700">
-            <a:miter lim="400000"/>
-          </a:ln>
-        </p:spPr>
-      </p:pic>
-      <p:sp>
-        <p:nvSpPr>
-          <p:cNvPr id="268" name="加括号区分函数表达式和函数声明"/>
-          <p:cNvSpPr txBox="1"/>
-          <p:nvPr/>
-        </p:nvSpPr>
-        <p:spPr>
-          <a:xfrm>
-            <a:off x="12989528" y="11356220"/>
-            <a:ext cx="8441512" cy="812801"/>
-          </a:xfrm>
-          <a:prstGeom prst="rect">
-            <a:avLst/>
-          </a:prstGeom>
-          <a:ln w="12700">
-            <a:miter lim="400000"/>
-          </a:ln>
-          <a:extLst>
-            <a:ext uri="{C572A759-6A51-4108-AA02-DFA0A04FC94B}">
-              <ma14:wrappingTextBoxFlag xmlns:ma14="http://schemas.microsoft.com/office/mac/drawingml/2011/main" val="1"/>
-            </a:ext>
-          </a:extLst>
-        </p:spPr>
-        <p:txBody>
-          <a:bodyPr lIns="50800" tIns="50800" rIns="50800" bIns="50800" anchor="ctr">
-            <a:spAutoFit/>
-          </a:bodyPr>
-          <a:lstStyle>
-            <a:lvl1pPr>
-              <a:defRPr sz="4000">
-                <a:solidFill>
-                  <a:srgbClr val="FFFFFF">
-                    <a:alpha val="50000"/>
-                  </a:srgbClr>
-                </a:solidFill>
-              </a:defRPr>
-            </a:lvl1pPr>
-          </a:lstStyle>
-          <a:p>
-            <a:pPr/>
-            <a:r>
-              <a:t>加括号区分函数表达式和函数声明</a:t>
+              <a:t>Es6 非严格模式下 ，函数声明会提升到 全局的最顶部, 或者函数外部的最顶部</a:t>
             </a:r>
           </a:p>
         </p:txBody>
@@ -5830,7 +5891,7 @@
       </p:grpSpPr>
       <p:sp>
         <p:nvSpPr>
-          <p:cNvPr id="270" name="追梦课堂   临汾首家专业的web前端培训机构                                                          www.zmclass.com"/>
+          <p:cNvPr id="271" name="追梦课堂   临汾首家专业的web前端培训机构                                                          www.zmclass.com"/>
           <p:cNvSpPr txBox="1"/>
           <p:nvPr/>
         </p:nvSpPr>
@@ -5901,7 +5962,7 @@
       </p:sp>
       <p:sp>
         <p:nvSpPr>
-          <p:cNvPr id="271" name="幻灯片编号"/>
+          <p:cNvPr id="272" name="幻灯片编号"/>
           <p:cNvSpPr txBox="1"/>
           <p:nvPr>
             <p:ph type="sldNum" sz="quarter" idx="2"/>
@@ -5928,14 +5989,14 @@
       </p:sp>
       <p:sp>
         <p:nvSpPr>
-          <p:cNvPr id="272" name="常见的立即执行函数表达式"/>
-          <p:cNvSpPr txBox="1"/>
-          <p:nvPr/>
-        </p:nvSpPr>
-        <p:spPr>
-          <a:xfrm>
-            <a:off x="2276759" y="3470381"/>
-            <a:ext cx="11064323" cy="1168401"/>
+          <p:cNvPr id="273" name="eg"/>
+          <p:cNvSpPr txBox="1"/>
+          <p:nvPr/>
+        </p:nvSpPr>
+        <p:spPr>
+          <a:xfrm>
+            <a:off x="2276759" y="3544932"/>
+            <a:ext cx="11064323" cy="1019298"/>
           </a:xfrm>
           <a:prstGeom prst="rect">
             <a:avLst/>
@@ -5961,14 +6022,14 @@
           <a:p>
             <a:pPr/>
             <a:r>
-              <a:t>常见的立即执行函数表达式</a:t>
-            </a:r>
-          </a:p>
-        </p:txBody>
-      </p:sp>
-      <p:sp>
-        <p:nvSpPr>
-          <p:cNvPr id="273" name="矩形"/>
+              <a:t>eg</a:t>
+            </a:r>
+          </a:p>
+        </p:txBody>
+      </p:sp>
+      <p:sp>
+        <p:nvSpPr>
+          <p:cNvPr id="274" name="矩形"/>
           <p:cNvSpPr/>
           <p:nvPr/>
         </p:nvSpPr>
@@ -6006,342 +6067,93 @@
           </a:p>
         </p:txBody>
       </p:sp>
-      <p:sp>
-        <p:nvSpPr>
-          <p:cNvPr id="274" name="圆形"/>
-          <p:cNvSpPr/>
-          <p:nvPr/>
-        </p:nvSpPr>
-        <p:spPr>
-          <a:xfrm>
-            <a:off x="2612859" y="5620313"/>
-            <a:ext cx="283770" cy="283769"/>
-          </a:xfrm>
-          <a:prstGeom prst="ellipse">
-            <a:avLst/>
-          </a:prstGeom>
-          <a:solidFill>
-            <a:srgbClr val="FFFFFF">
-              <a:alpha val="60876"/>
-            </a:srgbClr>
-          </a:solidFill>
-          <a:ln w="12700">
-            <a:miter lim="400000"/>
-          </a:ln>
-        </p:spPr>
-        <p:txBody>
-          <a:bodyPr lIns="50800" tIns="50800" rIns="50800" bIns="50800" anchor="ctr"/>
-          <a:lstStyle/>
-          <a:p>
-            <a:pPr>
-              <a:defRPr b="0" sz="3200">
-                <a:latin typeface="+mn-lt"/>
-                <a:ea typeface="+mn-ea"/>
-                <a:cs typeface="+mn-cs"/>
-                <a:sym typeface="Helvetica Neue Medium"/>
-              </a:defRPr>
-            </a:pPr>
-          </a:p>
-        </p:txBody>
-      </p:sp>
-      <p:sp>
-        <p:nvSpPr>
-          <p:cNvPr id="275" name="+ function(){}()"/>
-          <p:cNvSpPr txBox="1"/>
-          <p:nvPr/>
-        </p:nvSpPr>
-        <p:spPr>
-          <a:xfrm>
-            <a:off x="3335448" y="5407615"/>
-            <a:ext cx="14490811" cy="709165"/>
-          </a:xfrm>
-          <a:prstGeom prst="rect">
-            <a:avLst/>
-          </a:prstGeom>
-          <a:ln w="12700">
-            <a:miter lim="400000"/>
-          </a:ln>
-          <a:extLst>
-            <a:ext uri="{C572A759-6A51-4108-AA02-DFA0A04FC94B}">
-              <ma14:wrappingTextBoxFlag xmlns:ma14="http://schemas.microsoft.com/office/mac/drawingml/2011/main" val="1"/>
-            </a:ext>
-          </a:extLst>
-        </p:spPr>
-        <p:txBody>
-          <a:bodyPr lIns="50800" tIns="50800" rIns="50800" bIns="50800" anchor="ctr">
-            <a:spAutoFit/>
-          </a:bodyPr>
-          <a:lstStyle>
-            <a:lvl1pPr algn="l">
-              <a:defRPr sz="4000">
-                <a:solidFill>
-                  <a:srgbClr val="FFFFFF">
-                    <a:alpha val="50000"/>
-                  </a:srgbClr>
-                </a:solidFill>
-              </a:defRPr>
-            </a:lvl1pPr>
-          </a:lstStyle>
-          <a:p>
-            <a:pPr/>
-            <a:r>
-              <a:t> + function(){}()</a:t>
-            </a:r>
-          </a:p>
-        </p:txBody>
-      </p:sp>
-      <p:sp>
-        <p:nvSpPr>
-          <p:cNvPr id="276" name="- function(){}()"/>
-          <p:cNvSpPr txBox="1"/>
-          <p:nvPr/>
-        </p:nvSpPr>
-        <p:spPr>
-          <a:xfrm>
-            <a:off x="3335448" y="6655817"/>
-            <a:ext cx="14490811" cy="709166"/>
-          </a:xfrm>
-          <a:prstGeom prst="rect">
-            <a:avLst/>
-          </a:prstGeom>
-          <a:ln w="12700">
-            <a:miter lim="400000"/>
-          </a:ln>
-          <a:extLst>
-            <a:ext uri="{C572A759-6A51-4108-AA02-DFA0A04FC94B}">
-              <ma14:wrappingTextBoxFlag xmlns:ma14="http://schemas.microsoft.com/office/mac/drawingml/2011/main" val="1"/>
-            </a:ext>
-          </a:extLst>
-        </p:spPr>
-        <p:txBody>
-          <a:bodyPr lIns="50800" tIns="50800" rIns="50800" bIns="50800" anchor="ctr">
-            <a:spAutoFit/>
-          </a:bodyPr>
-          <a:lstStyle>
-            <a:lvl1pPr algn="l">
-              <a:defRPr sz="4000">
-                <a:solidFill>
-                  <a:srgbClr val="FFFFFF">
-                    <a:alpha val="50000"/>
-                  </a:srgbClr>
-                </a:solidFill>
-              </a:defRPr>
-            </a:lvl1pPr>
-          </a:lstStyle>
-          <a:p>
-            <a:pPr/>
-            <a:r>
-              <a:t> - function(){}()</a:t>
-            </a:r>
-          </a:p>
-        </p:txBody>
-      </p:sp>
-      <p:sp>
-        <p:nvSpPr>
-          <p:cNvPr id="277" name="圆形"/>
-          <p:cNvSpPr/>
-          <p:nvPr/>
-        </p:nvSpPr>
-        <p:spPr>
-          <a:xfrm>
-            <a:off x="2612859" y="6885613"/>
-            <a:ext cx="283770" cy="283770"/>
-          </a:xfrm>
-          <a:prstGeom prst="ellipse">
-            <a:avLst/>
-          </a:prstGeom>
-          <a:solidFill>
-            <a:srgbClr val="FFFFFF">
-              <a:alpha val="60876"/>
-            </a:srgbClr>
-          </a:solidFill>
-          <a:ln w="12700">
-            <a:miter lim="400000"/>
-          </a:ln>
-        </p:spPr>
-        <p:txBody>
-          <a:bodyPr lIns="50800" tIns="50800" rIns="50800" bIns="50800" anchor="ctr"/>
-          <a:lstStyle/>
-          <a:p>
-            <a:pPr>
-              <a:defRPr b="0" sz="3200">
-                <a:latin typeface="+mn-lt"/>
-                <a:ea typeface="+mn-ea"/>
-                <a:cs typeface="+mn-cs"/>
-                <a:sym typeface="Helvetica Neue Medium"/>
-              </a:defRPr>
-            </a:pPr>
-          </a:p>
-        </p:txBody>
-      </p:sp>
-      <p:sp>
-        <p:nvSpPr>
-          <p:cNvPr id="278" name="圆形"/>
-          <p:cNvSpPr/>
-          <p:nvPr/>
-        </p:nvSpPr>
-        <p:spPr>
-          <a:xfrm>
-            <a:off x="2612859" y="8150914"/>
-            <a:ext cx="283770" cy="283770"/>
-          </a:xfrm>
-          <a:prstGeom prst="ellipse">
-            <a:avLst/>
-          </a:prstGeom>
-          <a:solidFill>
-            <a:srgbClr val="FFFFFF">
-              <a:alpha val="60876"/>
-            </a:srgbClr>
-          </a:solidFill>
-          <a:ln w="12700">
-            <a:miter lim="400000"/>
-          </a:ln>
-        </p:spPr>
-        <p:txBody>
-          <a:bodyPr lIns="50800" tIns="50800" rIns="50800" bIns="50800" anchor="ctr"/>
-          <a:lstStyle/>
-          <a:p>
-            <a:pPr>
-              <a:defRPr b="0" sz="3200">
-                <a:latin typeface="+mn-lt"/>
-                <a:ea typeface="+mn-ea"/>
-                <a:cs typeface="+mn-cs"/>
-                <a:sym typeface="Helvetica Neue Medium"/>
-              </a:defRPr>
-            </a:pPr>
-          </a:p>
-        </p:txBody>
-      </p:sp>
-      <p:sp>
-        <p:nvSpPr>
-          <p:cNvPr id="279" name="! function(){}()"/>
-          <p:cNvSpPr txBox="1"/>
-          <p:nvPr/>
-        </p:nvSpPr>
-        <p:spPr>
-          <a:xfrm>
-            <a:off x="3335448" y="7938216"/>
-            <a:ext cx="14490811" cy="709166"/>
-          </a:xfrm>
-          <a:prstGeom prst="rect">
-            <a:avLst/>
-          </a:prstGeom>
-          <a:ln w="12700">
-            <a:miter lim="400000"/>
-          </a:ln>
-          <a:extLst>
-            <a:ext uri="{C572A759-6A51-4108-AA02-DFA0A04FC94B}">
-              <ma14:wrappingTextBoxFlag xmlns:ma14="http://schemas.microsoft.com/office/mac/drawingml/2011/main" val="1"/>
-            </a:ext>
-          </a:extLst>
-        </p:spPr>
-        <p:txBody>
-          <a:bodyPr lIns="50800" tIns="50800" rIns="50800" bIns="50800" anchor="ctr">
-            <a:spAutoFit/>
-          </a:bodyPr>
-          <a:lstStyle>
-            <a:lvl1pPr algn="l">
-              <a:defRPr sz="4000">
-                <a:solidFill>
-                  <a:srgbClr val="FFFFFF">
-                    <a:alpha val="50000"/>
-                  </a:srgbClr>
-                </a:solidFill>
-              </a:defRPr>
-            </a:lvl1pPr>
-          </a:lstStyle>
-          <a:p>
-            <a:pPr/>
-            <a:r>
-              <a:t> ! function(){}()</a:t>
-            </a:r>
-          </a:p>
-        </p:txBody>
-      </p:sp>
-      <p:sp>
-        <p:nvSpPr>
-          <p:cNvPr id="280" name="圆形"/>
-          <p:cNvSpPr/>
-          <p:nvPr/>
-        </p:nvSpPr>
-        <p:spPr>
-          <a:xfrm>
-            <a:off x="2612859" y="9493139"/>
-            <a:ext cx="283770" cy="283770"/>
-          </a:xfrm>
-          <a:prstGeom prst="ellipse">
-            <a:avLst/>
-          </a:prstGeom>
-          <a:solidFill>
-            <a:srgbClr val="FFFFFF">
-              <a:alpha val="60876"/>
-            </a:srgbClr>
-          </a:solidFill>
-          <a:ln w="12700">
-            <a:miter lim="400000"/>
-          </a:ln>
-        </p:spPr>
-        <p:txBody>
-          <a:bodyPr lIns="50800" tIns="50800" rIns="50800" bIns="50800" anchor="ctr"/>
-          <a:lstStyle/>
-          <a:p>
-            <a:pPr>
-              <a:defRPr b="0" sz="3200">
-                <a:latin typeface="+mn-lt"/>
-                <a:ea typeface="+mn-ea"/>
-                <a:cs typeface="+mn-cs"/>
-                <a:sym typeface="Helvetica Neue Medium"/>
-              </a:defRPr>
-            </a:pPr>
-          </a:p>
-        </p:txBody>
-      </p:sp>
-      <p:sp>
-        <p:nvSpPr>
-          <p:cNvPr id="281" name="~ function(){}()"/>
-          <p:cNvSpPr txBox="1"/>
-          <p:nvPr/>
-        </p:nvSpPr>
-        <p:spPr>
-          <a:xfrm>
-            <a:off x="3335448" y="9258715"/>
-            <a:ext cx="14490811" cy="709165"/>
-          </a:xfrm>
-          <a:prstGeom prst="rect">
-            <a:avLst/>
-          </a:prstGeom>
-          <a:ln w="12700">
-            <a:miter lim="400000"/>
-          </a:ln>
-          <a:extLst>
-            <a:ext uri="{C572A759-6A51-4108-AA02-DFA0A04FC94B}">
-              <ma14:wrappingTextBoxFlag xmlns:ma14="http://schemas.microsoft.com/office/mac/drawingml/2011/main" val="1"/>
-            </a:ext>
-          </a:extLst>
-        </p:spPr>
-        <p:txBody>
-          <a:bodyPr lIns="50800" tIns="50800" rIns="50800" bIns="50800" anchor="ctr">
-            <a:spAutoFit/>
-          </a:bodyPr>
-          <a:lstStyle>
-            <a:lvl1pPr algn="l">
-              <a:defRPr sz="4000">
-                <a:solidFill>
-                  <a:srgbClr val="FFFFFF">
-                    <a:alpha val="50000"/>
-                  </a:srgbClr>
-                </a:solidFill>
-              </a:defRPr>
-            </a:lvl1pPr>
-          </a:lstStyle>
-          <a:p>
-            <a:pPr/>
-            <a:r>
-              <a:t> ~ function(){}()</a:t>
-            </a:r>
-          </a:p>
-        </p:txBody>
-      </p:sp>
+      <p:pic>
+        <p:nvPicPr>
+          <p:cNvPr id="275" name="1.png" descr="1.png"/>
+          <p:cNvPicPr>
+            <a:picLocks noChangeAspect="1"/>
+          </p:cNvPicPr>
+          <p:nvPr/>
+        </p:nvPicPr>
+        <p:blipFill>
+          <a:blip r:embed="rId4">
+            <a:extLst/>
+          </a:blip>
+          <a:stretch>
+            <a:fillRect/>
+          </a:stretch>
+        </p:blipFill>
+        <p:spPr>
+          <a:xfrm>
+            <a:off x="1658356" y="6171534"/>
+            <a:ext cx="6745783" cy="5659959"/>
+          </a:xfrm>
+          <a:prstGeom prst="rect">
+            <a:avLst/>
+          </a:prstGeom>
+          <a:ln w="12700">
+            <a:miter lim="400000"/>
+          </a:ln>
+        </p:spPr>
+      </p:pic>
+      <p:pic>
+        <p:nvPicPr>
+          <p:cNvPr id="276" name="1.png" descr="1.png"/>
+          <p:cNvPicPr>
+            <a:picLocks noChangeAspect="1"/>
+          </p:cNvPicPr>
+          <p:nvPr/>
+        </p:nvPicPr>
+        <p:blipFill>
+          <a:blip r:embed="rId5">
+            <a:extLst/>
+          </a:blip>
+          <a:stretch>
+            <a:fillRect/>
+          </a:stretch>
+        </p:blipFill>
+        <p:spPr>
+          <a:xfrm>
+            <a:off x="9210272" y="6045530"/>
+            <a:ext cx="6645751" cy="5911967"/>
+          </a:xfrm>
+          <a:prstGeom prst="rect">
+            <a:avLst/>
+          </a:prstGeom>
+          <a:ln w="12700">
+            <a:miter lim="400000"/>
+          </a:ln>
+        </p:spPr>
+      </p:pic>
+      <p:pic>
+        <p:nvPicPr>
+          <p:cNvPr id="277" name="2.png" descr="2.png"/>
+          <p:cNvPicPr>
+            <a:picLocks noChangeAspect="1"/>
+          </p:cNvPicPr>
+          <p:nvPr/>
+        </p:nvPicPr>
+        <p:blipFill>
+          <a:blip r:embed="rId6">
+            <a:extLst/>
+          </a:blip>
+          <a:stretch>
+            <a:fillRect/>
+          </a:stretch>
+        </p:blipFill>
+        <p:spPr>
+          <a:xfrm>
+            <a:off x="16662156" y="7842432"/>
+            <a:ext cx="7106388" cy="2318163"/>
+          </a:xfrm>
+          <a:prstGeom prst="rect">
+            <a:avLst/>
+          </a:prstGeom>
+          <a:ln w="12700">
+            <a:miter lim="400000"/>
+          </a:ln>
+        </p:spPr>
+      </p:pic>
     </p:spTree>
   </p:cSld>
   <p:clrMapOvr>
@@ -6381,7 +6193,7 @@
       </p:grpSpPr>
       <p:sp>
         <p:nvSpPr>
-          <p:cNvPr id="283" name="追梦课堂   临汾首家专业的web前端培训机构                                                          www.zmclass.com"/>
+          <p:cNvPr id="279" name="追梦课堂   临汾首家专业的web前端培训机构                                                          www.zmclass.com"/>
           <p:cNvSpPr txBox="1"/>
           <p:nvPr/>
         </p:nvSpPr>
@@ -6452,7 +6264,7 @@
       </p:sp>
       <p:sp>
         <p:nvSpPr>
-          <p:cNvPr id="284" name="幻灯片编号"/>
+          <p:cNvPr id="280" name="幻灯片编号"/>
           <p:cNvSpPr txBox="1"/>
           <p:nvPr>
             <p:ph type="sldNum" sz="quarter" idx="2"/>
@@ -6479,7 +6291,7 @@
       </p:sp>
       <p:sp>
         <p:nvSpPr>
-          <p:cNvPr id="285" name="构造函数"/>
+          <p:cNvPr id="281" name="立即函数"/>
           <p:cNvSpPr txBox="1"/>
           <p:nvPr/>
         </p:nvSpPr>
@@ -6512,14 +6324,14 @@
           <a:p>
             <a:pPr/>
             <a:r>
-              <a:t>构造函数</a:t>
-            </a:r>
-          </a:p>
-        </p:txBody>
-      </p:sp>
-      <p:sp>
-        <p:nvSpPr>
-          <p:cNvPr id="286" name="矩形"/>
+              <a:t>立即函数</a:t>
+            </a:r>
+          </a:p>
+        </p:txBody>
+      </p:sp>
+      <p:sp>
+        <p:nvSpPr>
+          <p:cNvPr id="282" name="矩形"/>
           <p:cNvSpPr/>
           <p:nvPr/>
         </p:nvSpPr>
@@ -6557,54 +6369,45 @@
           </a:p>
         </p:txBody>
       </p:sp>
-      <p:sp>
-        <p:nvSpPr>
-          <p:cNvPr id="287" name="圆形"/>
-          <p:cNvSpPr/>
-          <p:nvPr/>
-        </p:nvSpPr>
-        <p:spPr>
-          <a:xfrm>
-            <a:off x="2612859" y="5620313"/>
-            <a:ext cx="283770" cy="283769"/>
-          </a:xfrm>
-          <a:prstGeom prst="ellipse">
-            <a:avLst/>
-          </a:prstGeom>
-          <a:solidFill>
-            <a:srgbClr val="FFFFFF">
-              <a:alpha val="60876"/>
-            </a:srgbClr>
-          </a:solidFill>
-          <a:ln w="12700">
-            <a:miter lim="400000"/>
-          </a:ln>
-        </p:spPr>
-        <p:txBody>
-          <a:bodyPr lIns="50800" tIns="50800" rIns="50800" bIns="50800" anchor="ctr"/>
-          <a:lstStyle/>
-          <a:p>
-            <a:pPr>
-              <a:defRPr b="0" sz="3200">
-                <a:latin typeface="+mn-lt"/>
-                <a:ea typeface="+mn-ea"/>
-                <a:cs typeface="+mn-cs"/>
-                <a:sym typeface="Helvetica Neue Medium"/>
-              </a:defRPr>
-            </a:pPr>
-          </a:p>
-        </p:txBody>
-      </p:sp>
-      <p:sp>
-        <p:nvSpPr>
-          <p:cNvPr id="288" name="通常用来动态创建新的函数"/>
-          <p:cNvSpPr txBox="1"/>
-          <p:nvPr/>
-        </p:nvSpPr>
-        <p:spPr>
-          <a:xfrm>
-            <a:off x="3335448" y="5355797"/>
-            <a:ext cx="14490811" cy="812801"/>
+      <p:pic>
+        <p:nvPicPr>
+          <p:cNvPr id="283" name="1.png" descr="1.png"/>
+          <p:cNvPicPr>
+            <a:picLocks noChangeAspect="1"/>
+          </p:cNvPicPr>
+          <p:nvPr/>
+        </p:nvPicPr>
+        <p:blipFill>
+          <a:blip r:embed="rId4">
+            <a:extLst/>
+          </a:blip>
+          <a:stretch>
+            <a:fillRect/>
+          </a:stretch>
+        </p:blipFill>
+        <p:spPr>
+          <a:xfrm>
+            <a:off x="3685268" y="8906692"/>
+            <a:ext cx="4285185" cy="1481794"/>
+          </a:xfrm>
+          <a:prstGeom prst="rect">
+            <a:avLst/>
+          </a:prstGeom>
+          <a:ln w="12700">
+            <a:miter lim="400000"/>
+          </a:ln>
+        </p:spPr>
+      </p:pic>
+      <p:sp>
+        <p:nvSpPr>
+          <p:cNvPr id="284" name="标准函数调用"/>
+          <p:cNvSpPr txBox="1"/>
+          <p:nvPr/>
+        </p:nvSpPr>
+        <p:spPr>
+          <a:xfrm>
+            <a:off x="2960939" y="5899112"/>
+            <a:ext cx="5733843" cy="812801"/>
           </a:xfrm>
           <a:prstGeom prst="rect">
             <a:avLst/>
@@ -6623,7 +6426,7 @@
             <a:spAutoFit/>
           </a:bodyPr>
           <a:lstStyle>
-            <a:lvl1pPr algn="l">
+            <a:lvl1pPr>
               <a:defRPr sz="4000">
                 <a:solidFill>
                   <a:srgbClr val="FFFFFF">
@@ -6636,21 +6439,21 @@
           <a:p>
             <a:pPr/>
             <a:r>
-              <a:t>通常用来动态创建新的函数</a:t>
-            </a:r>
-          </a:p>
-        </p:txBody>
-      </p:sp>
-      <p:sp>
-        <p:nvSpPr>
-          <p:cNvPr id="289" name="接受字符串形式的参数"/>
-          <p:cNvSpPr txBox="1"/>
-          <p:nvPr/>
-        </p:nvSpPr>
-        <p:spPr>
-          <a:xfrm>
-            <a:off x="3335448" y="6604000"/>
-            <a:ext cx="14490811" cy="812801"/>
+              <a:t>标准函数调用</a:t>
+            </a:r>
+          </a:p>
+        </p:txBody>
+      </p:sp>
+      <p:sp>
+        <p:nvSpPr>
+          <p:cNvPr id="285" name="函数表达式立即调用(IIfe)"/>
+          <p:cNvSpPr txBox="1"/>
+          <p:nvPr/>
+        </p:nvSpPr>
+        <p:spPr>
+          <a:xfrm>
+            <a:off x="14114431" y="5899112"/>
+            <a:ext cx="6191705" cy="812801"/>
           </a:xfrm>
           <a:prstGeom prst="rect">
             <a:avLst/>
@@ -6669,7 +6472,7 @@
             <a:spAutoFit/>
           </a:bodyPr>
           <a:lstStyle>
-            <a:lvl1pPr algn="l">
+            <a:lvl1pPr>
               <a:defRPr sz="4000">
                 <a:solidFill>
                   <a:srgbClr val="FFFFFF">
@@ -6682,59 +6485,21 @@
           <a:p>
             <a:pPr/>
             <a:r>
-              <a:t>接受字符串形式的参数</a:t>
-            </a:r>
-          </a:p>
-        </p:txBody>
-      </p:sp>
-      <p:sp>
-        <p:nvSpPr>
-          <p:cNvPr id="290" name="圆形"/>
-          <p:cNvSpPr/>
-          <p:nvPr/>
-        </p:nvSpPr>
-        <p:spPr>
-          <a:xfrm>
-            <a:off x="2612859" y="6885613"/>
-            <a:ext cx="283770" cy="283770"/>
-          </a:xfrm>
-          <a:prstGeom prst="ellipse">
-            <a:avLst/>
-          </a:prstGeom>
-          <a:solidFill>
-            <a:srgbClr val="FFFFFF">
-              <a:alpha val="60876"/>
-            </a:srgbClr>
-          </a:solidFill>
-          <a:ln w="12700">
-            <a:miter lim="400000"/>
-          </a:ln>
-        </p:spPr>
-        <p:txBody>
-          <a:bodyPr lIns="50800" tIns="50800" rIns="50800" bIns="50800" anchor="ctr"/>
-          <a:lstStyle/>
-          <a:p>
-            <a:pPr>
-              <a:defRPr b="0" sz="3200">
-                <a:latin typeface="+mn-lt"/>
-                <a:ea typeface="+mn-ea"/>
-                <a:cs typeface="+mn-cs"/>
-                <a:sym typeface="Helvetica Neue Medium"/>
-              </a:defRPr>
-            </a:pPr>
+              <a:t>函数表达式立即调用(IIfe)</a:t>
+            </a:r>
           </a:p>
         </p:txBody>
       </p:sp>
       <p:pic>
         <p:nvPicPr>
-          <p:cNvPr id="291" name="1.png" descr="1.png"/>
+          <p:cNvPr id="286" name="1.png" descr="1.png"/>
           <p:cNvPicPr>
             <a:picLocks noChangeAspect="1"/>
           </p:cNvPicPr>
           <p:nvPr/>
         </p:nvPicPr>
         <p:blipFill>
-          <a:blip r:embed="rId4">
+          <a:blip r:embed="rId5">
             <a:extLst/>
           </a:blip>
           <a:stretch>
@@ -6743,8 +6508,8 @@
         </p:blipFill>
         <p:spPr>
           <a:xfrm>
-            <a:off x="2533857" y="9025424"/>
-            <a:ext cx="11595101" cy="1701801"/>
+            <a:off x="12042583" y="8877434"/>
+            <a:ext cx="9877539" cy="1540311"/>
           </a:xfrm>
           <a:prstGeom prst="rect">
             <a:avLst/>
@@ -6754,6 +6519,52 @@
           </a:ln>
         </p:spPr>
       </p:pic>
+      <p:sp>
+        <p:nvSpPr>
+          <p:cNvPr id="287" name="加括号区分函数表达式和函数声明"/>
+          <p:cNvSpPr txBox="1"/>
+          <p:nvPr/>
+        </p:nvSpPr>
+        <p:spPr>
+          <a:xfrm>
+            <a:off x="12989528" y="11356220"/>
+            <a:ext cx="8441512" cy="812801"/>
+          </a:xfrm>
+          <a:prstGeom prst="rect">
+            <a:avLst/>
+          </a:prstGeom>
+          <a:ln w="12700">
+            <a:miter lim="400000"/>
+          </a:ln>
+          <a:extLst>
+            <a:ext uri="{C572A759-6A51-4108-AA02-DFA0A04FC94B}">
+              <ma14:wrappingTextBoxFlag xmlns:ma14="http://schemas.microsoft.com/office/mac/drawingml/2011/main" val="1"/>
+            </a:ext>
+          </a:extLst>
+        </p:spPr>
+        <p:txBody>
+          <a:bodyPr lIns="50800" tIns="50800" rIns="50800" bIns="50800" anchor="ctr">
+            <a:spAutoFit/>
+          </a:bodyPr>
+          <a:lstStyle>
+            <a:lvl1pPr>
+              <a:defRPr sz="4000">
+                <a:solidFill>
+                  <a:srgbClr val="FFFFFF">
+                    <a:alpha val="50000"/>
+                  </a:srgbClr>
+                </a:solidFill>
+              </a:defRPr>
+            </a:lvl1pPr>
+          </a:lstStyle>
+          <a:p>
+            <a:pPr/>
+            <a:r>
+              <a:t>加括号区分函数表达式和函数声明</a:t>
+            </a:r>
+          </a:p>
+        </p:txBody>
+      </p:sp>
     </p:spTree>
   </p:cSld>
   <p:clrMapOvr>
@@ -6793,7 +6604,7 @@
       </p:grpSpPr>
       <p:sp>
         <p:nvSpPr>
-          <p:cNvPr id="293" name="追梦课堂   临汾首家专业的web前端培训机构                                                          www.zmclass.com"/>
+          <p:cNvPr id="289" name="追梦课堂   临汾首家专业的web前端培训机构                                                          www.zmclass.com"/>
           <p:cNvSpPr txBox="1"/>
           <p:nvPr/>
         </p:nvSpPr>
@@ -6864,7 +6675,7 @@
       </p:sp>
       <p:sp>
         <p:nvSpPr>
-          <p:cNvPr id="294" name="幻灯片编号"/>
+          <p:cNvPr id="290" name="幻灯片编号"/>
           <p:cNvSpPr txBox="1"/>
           <p:nvPr>
             <p:ph type="sldNum" sz="quarter" idx="2"/>
@@ -6891,7 +6702,7 @@
       </p:sp>
       <p:sp>
         <p:nvSpPr>
-          <p:cNvPr id="295" name="箭头函数表达式"/>
+          <p:cNvPr id="291" name="常见的立即执行函数表达式"/>
           <p:cNvSpPr txBox="1"/>
           <p:nvPr/>
         </p:nvSpPr>
@@ -6924,14 +6735,14 @@
           <a:p>
             <a:pPr/>
             <a:r>
-              <a:t>箭头函数表达式</a:t>
-            </a:r>
-          </a:p>
-        </p:txBody>
-      </p:sp>
-      <p:sp>
-        <p:nvSpPr>
-          <p:cNvPr id="296" name="矩形"/>
+              <a:t>常见的立即执行函数表达式</a:t>
+            </a:r>
+          </a:p>
+        </p:txBody>
+      </p:sp>
+      <p:sp>
+        <p:nvSpPr>
+          <p:cNvPr id="292" name="矩形"/>
           <p:cNvSpPr/>
           <p:nvPr/>
         </p:nvSpPr>
@@ -6971,14 +6782,14 @@
       </p:sp>
       <p:sp>
         <p:nvSpPr>
-          <p:cNvPr id="297" name="圆形"/>
+          <p:cNvPr id="293" name="圆形"/>
           <p:cNvSpPr/>
           <p:nvPr/>
         </p:nvSpPr>
         <p:spPr>
           <a:xfrm>
-            <a:off x="2687580" y="5296521"/>
-            <a:ext cx="283770" cy="283770"/>
+            <a:off x="2612859" y="5620313"/>
+            <a:ext cx="283770" cy="283769"/>
           </a:xfrm>
           <a:prstGeom prst="ellipse">
             <a:avLst/>
@@ -7009,14 +6820,14 @@
       </p:sp>
       <p:sp>
         <p:nvSpPr>
-          <p:cNvPr id="298" name="创建函数还有另外一种非常简单的语法，并且这种方法通常比函数表达式更好"/>
-          <p:cNvSpPr txBox="1"/>
-          <p:nvPr/>
-        </p:nvSpPr>
-        <p:spPr>
-          <a:xfrm>
-            <a:off x="3459984" y="5032006"/>
-            <a:ext cx="19471733" cy="812801"/>
+          <p:cNvPr id="294" name="+ function(){}()"/>
+          <p:cNvSpPr txBox="1"/>
+          <p:nvPr/>
+        </p:nvSpPr>
+        <p:spPr>
+          <a:xfrm>
+            <a:off x="3335448" y="5407615"/>
+            <a:ext cx="14490811" cy="709165"/>
           </a:xfrm>
           <a:prstGeom prst="rect">
             <a:avLst/>
@@ -7048,117 +6859,21 @@
           <a:p>
             <a:pPr/>
             <a:r>
-              <a:t> 创建函数还有另外一种非常简单的语法，并且这种方法通常比函数表达式更好</a:t>
-            </a:r>
-          </a:p>
-        </p:txBody>
-      </p:sp>
-      <p:pic>
-        <p:nvPicPr>
-          <p:cNvPr id="299" name="1.png" descr="1.png"/>
-          <p:cNvPicPr>
-            <a:picLocks noChangeAspect="1"/>
-          </p:cNvPicPr>
-          <p:nvPr/>
-        </p:nvPicPr>
-        <p:blipFill>
-          <a:blip r:embed="rId4">
-            <a:extLst/>
-          </a:blip>
-          <a:stretch>
-            <a:fillRect/>
-          </a:stretch>
-        </p:blipFill>
-        <p:spPr>
-          <a:xfrm>
-            <a:off x="2250254" y="10198307"/>
-            <a:ext cx="8810072" cy="1987571"/>
-          </a:xfrm>
-          <a:prstGeom prst="rect">
-            <a:avLst/>
-          </a:prstGeom>
-          <a:ln w="12700">
-            <a:miter lim="400000"/>
-          </a:ln>
-        </p:spPr>
-      </p:pic>
-      <p:pic>
-        <p:nvPicPr>
-          <p:cNvPr id="300" name="2.png" descr="2.png"/>
-          <p:cNvPicPr>
-            <a:picLocks noChangeAspect="1"/>
-          </p:cNvPicPr>
-          <p:nvPr/>
-        </p:nvPicPr>
-        <p:blipFill>
-          <a:blip r:embed="rId5">
-            <a:extLst/>
-          </a:blip>
-          <a:stretch>
-            <a:fillRect/>
-          </a:stretch>
-        </p:blipFill>
-        <p:spPr>
-          <a:xfrm>
-            <a:off x="12500503" y="10388153"/>
-            <a:ext cx="10825642" cy="1607879"/>
-          </a:xfrm>
-          <a:prstGeom prst="rect">
-            <a:avLst/>
-          </a:prstGeom>
-          <a:ln w="12700">
-            <a:miter lim="400000"/>
-          </a:ln>
-        </p:spPr>
-      </p:pic>
-      <p:sp>
-        <p:nvSpPr>
-          <p:cNvPr id="301" name="圆形"/>
-          <p:cNvSpPr/>
-          <p:nvPr/>
-        </p:nvSpPr>
-        <p:spPr>
-          <a:xfrm>
-            <a:off x="2687580" y="6238030"/>
-            <a:ext cx="283770" cy="283770"/>
-          </a:xfrm>
-          <a:prstGeom prst="ellipse">
-            <a:avLst/>
-          </a:prstGeom>
-          <a:solidFill>
-            <a:srgbClr val="FFFFFF">
-              <a:alpha val="60876"/>
-            </a:srgbClr>
-          </a:solidFill>
-          <a:ln w="12700">
-            <a:miter lim="400000"/>
-          </a:ln>
-        </p:spPr>
-        <p:txBody>
-          <a:bodyPr lIns="50800" tIns="50800" rIns="50800" bIns="50800" anchor="ctr"/>
-          <a:lstStyle/>
-          <a:p>
-            <a:pPr>
-              <a:defRPr b="0" sz="3200">
-                <a:latin typeface="+mn-lt"/>
-                <a:ea typeface="+mn-ea"/>
-                <a:cs typeface="+mn-cs"/>
-                <a:sym typeface="Helvetica Neue Medium"/>
-              </a:defRPr>
-            </a:pPr>
-          </a:p>
-        </p:txBody>
-      </p:sp>
-      <p:sp>
-        <p:nvSpPr>
-          <p:cNvPr id="302" name="但是箭头函数始终是表达式 没有箭头函数声明"/>
-          <p:cNvSpPr txBox="1"/>
-          <p:nvPr/>
-        </p:nvSpPr>
-        <p:spPr>
-          <a:xfrm>
-            <a:off x="3459984" y="5973514"/>
-            <a:ext cx="19471733" cy="812801"/>
+              <a:t> + function(){}()</a:t>
+            </a:r>
+          </a:p>
+        </p:txBody>
+      </p:sp>
+      <p:sp>
+        <p:nvSpPr>
+          <p:cNvPr id="295" name="- function(){}()"/>
+          <p:cNvSpPr txBox="1"/>
+          <p:nvPr/>
+        </p:nvSpPr>
+        <p:spPr>
+          <a:xfrm>
+            <a:off x="3335448" y="6655817"/>
+            <a:ext cx="14490811" cy="709166"/>
           </a:xfrm>
           <a:prstGeom prst="rect">
             <a:avLst/>
@@ -7190,21 +6905,97 @@
           <a:p>
             <a:pPr/>
             <a:r>
-              <a:t> 但是箭头函数始终是表达式 没有箭头函数声明</a:t>
-            </a:r>
-          </a:p>
-        </p:txBody>
-      </p:sp>
-      <p:sp>
-        <p:nvSpPr>
-          <p:cNvPr id="303" name="- 存储在变量中"/>
-          <p:cNvSpPr txBox="1"/>
-          <p:nvPr/>
-        </p:nvSpPr>
-        <p:spPr>
-          <a:xfrm>
-            <a:off x="3459984" y="7107067"/>
-            <a:ext cx="19471733" cy="812801"/>
+              <a:t> - function(){}()</a:t>
+            </a:r>
+          </a:p>
+        </p:txBody>
+      </p:sp>
+      <p:sp>
+        <p:nvSpPr>
+          <p:cNvPr id="296" name="圆形"/>
+          <p:cNvSpPr/>
+          <p:nvPr/>
+        </p:nvSpPr>
+        <p:spPr>
+          <a:xfrm>
+            <a:off x="2612859" y="6885613"/>
+            <a:ext cx="283770" cy="283770"/>
+          </a:xfrm>
+          <a:prstGeom prst="ellipse">
+            <a:avLst/>
+          </a:prstGeom>
+          <a:solidFill>
+            <a:srgbClr val="FFFFFF">
+              <a:alpha val="60876"/>
+            </a:srgbClr>
+          </a:solidFill>
+          <a:ln w="12700">
+            <a:miter lim="400000"/>
+          </a:ln>
+        </p:spPr>
+        <p:txBody>
+          <a:bodyPr lIns="50800" tIns="50800" rIns="50800" bIns="50800" anchor="ctr"/>
+          <a:lstStyle/>
+          <a:p>
+            <a:pPr>
+              <a:defRPr b="0" sz="3200">
+                <a:latin typeface="+mn-lt"/>
+                <a:ea typeface="+mn-ea"/>
+                <a:cs typeface="+mn-cs"/>
+                <a:sym typeface="Helvetica Neue Medium"/>
+              </a:defRPr>
+            </a:pPr>
+          </a:p>
+        </p:txBody>
+      </p:sp>
+      <p:sp>
+        <p:nvSpPr>
+          <p:cNvPr id="297" name="圆形"/>
+          <p:cNvSpPr/>
+          <p:nvPr/>
+        </p:nvSpPr>
+        <p:spPr>
+          <a:xfrm>
+            <a:off x="2612859" y="8150914"/>
+            <a:ext cx="283770" cy="283770"/>
+          </a:xfrm>
+          <a:prstGeom prst="ellipse">
+            <a:avLst/>
+          </a:prstGeom>
+          <a:solidFill>
+            <a:srgbClr val="FFFFFF">
+              <a:alpha val="60876"/>
+            </a:srgbClr>
+          </a:solidFill>
+          <a:ln w="12700">
+            <a:miter lim="400000"/>
+          </a:ln>
+        </p:spPr>
+        <p:txBody>
+          <a:bodyPr lIns="50800" tIns="50800" rIns="50800" bIns="50800" anchor="ctr"/>
+          <a:lstStyle/>
+          <a:p>
+            <a:pPr>
+              <a:defRPr b="0" sz="3200">
+                <a:latin typeface="+mn-lt"/>
+                <a:ea typeface="+mn-ea"/>
+                <a:cs typeface="+mn-cs"/>
+                <a:sym typeface="Helvetica Neue Medium"/>
+              </a:defRPr>
+            </a:pPr>
+          </a:p>
+        </p:txBody>
+      </p:sp>
+      <p:sp>
+        <p:nvSpPr>
+          <p:cNvPr id="298" name="! function(){}()"/>
+          <p:cNvSpPr txBox="1"/>
+          <p:nvPr/>
+        </p:nvSpPr>
+        <p:spPr>
+          <a:xfrm>
+            <a:off x="3335448" y="7938216"/>
+            <a:ext cx="14490811" cy="709166"/>
           </a:xfrm>
           <a:prstGeom prst="rect">
             <a:avLst/>
@@ -7236,21 +7027,59 @@
           <a:p>
             <a:pPr/>
             <a:r>
-              <a:t>- 存储在变量中</a:t>
-            </a:r>
-          </a:p>
-        </p:txBody>
-      </p:sp>
-      <p:sp>
-        <p:nvSpPr>
-          <p:cNvPr id="304" name="- 函数参数"/>
-          <p:cNvSpPr txBox="1"/>
-          <p:nvPr/>
-        </p:nvSpPr>
-        <p:spPr>
-          <a:xfrm>
-            <a:off x="3459984" y="8085911"/>
-            <a:ext cx="19471733" cy="812801"/>
+              <a:t> ! function(){}()</a:t>
+            </a:r>
+          </a:p>
+        </p:txBody>
+      </p:sp>
+      <p:sp>
+        <p:nvSpPr>
+          <p:cNvPr id="299" name="圆形"/>
+          <p:cNvSpPr/>
+          <p:nvPr/>
+        </p:nvSpPr>
+        <p:spPr>
+          <a:xfrm>
+            <a:off x="2612859" y="9493139"/>
+            <a:ext cx="283770" cy="283770"/>
+          </a:xfrm>
+          <a:prstGeom prst="ellipse">
+            <a:avLst/>
+          </a:prstGeom>
+          <a:solidFill>
+            <a:srgbClr val="FFFFFF">
+              <a:alpha val="60876"/>
+            </a:srgbClr>
+          </a:solidFill>
+          <a:ln w="12700">
+            <a:miter lim="400000"/>
+          </a:ln>
+        </p:spPr>
+        <p:txBody>
+          <a:bodyPr lIns="50800" tIns="50800" rIns="50800" bIns="50800" anchor="ctr"/>
+          <a:lstStyle/>
+          <a:p>
+            <a:pPr>
+              <a:defRPr b="0" sz="3200">
+                <a:latin typeface="+mn-lt"/>
+                <a:ea typeface="+mn-ea"/>
+                <a:cs typeface="+mn-cs"/>
+                <a:sym typeface="Helvetica Neue Medium"/>
+              </a:defRPr>
+            </a:pPr>
+          </a:p>
+        </p:txBody>
+      </p:sp>
+      <p:sp>
+        <p:nvSpPr>
+          <p:cNvPr id="300" name="~ function(){}()"/>
+          <p:cNvSpPr txBox="1"/>
+          <p:nvPr/>
+        </p:nvSpPr>
+        <p:spPr>
+          <a:xfrm>
+            <a:off x="3335448" y="9258715"/>
+            <a:ext cx="14490811" cy="709165"/>
           </a:xfrm>
           <a:prstGeom prst="rect">
             <a:avLst/>
@@ -7282,53 +7111,7 @@
           <a:p>
             <a:pPr/>
             <a:r>
-              <a:t>- 函数参数</a:t>
-            </a:r>
-          </a:p>
-        </p:txBody>
-      </p:sp>
-      <p:sp>
-        <p:nvSpPr>
-          <p:cNvPr id="305" name="- 存储在对象的属性中"/>
-          <p:cNvSpPr txBox="1"/>
-          <p:nvPr/>
-        </p:nvSpPr>
-        <p:spPr>
-          <a:xfrm>
-            <a:off x="3459984" y="9182128"/>
-            <a:ext cx="19471733" cy="812801"/>
-          </a:xfrm>
-          <a:prstGeom prst="rect">
-            <a:avLst/>
-          </a:prstGeom>
-          <a:ln w="12700">
-            <a:miter lim="400000"/>
-          </a:ln>
-          <a:extLst>
-            <a:ext uri="{C572A759-6A51-4108-AA02-DFA0A04FC94B}">
-              <ma14:wrappingTextBoxFlag xmlns:ma14="http://schemas.microsoft.com/office/mac/drawingml/2011/main" val="1"/>
-            </a:ext>
-          </a:extLst>
-        </p:spPr>
-        <p:txBody>
-          <a:bodyPr lIns="50800" tIns="50800" rIns="50800" bIns="50800" anchor="ctr">
-            <a:spAutoFit/>
-          </a:bodyPr>
-          <a:lstStyle>
-            <a:lvl1pPr algn="l">
-              <a:defRPr sz="4000">
-                <a:solidFill>
-                  <a:srgbClr val="FFFFFF">
-                    <a:alpha val="50000"/>
-                  </a:srgbClr>
-                </a:solidFill>
-              </a:defRPr>
-            </a:lvl1pPr>
-          </a:lstStyle>
-          <a:p>
-            <a:pPr/>
-            <a:r>
-              <a:t>- 存储在对象的属性中</a:t>
+              <a:t> ~ function(){}()</a:t>
             </a:r>
           </a:p>
         </p:txBody>
@@ -8003,7 +7786,7 @@
       </p:grpSpPr>
       <p:sp>
         <p:nvSpPr>
-          <p:cNvPr id="307" name="追梦课堂   临汾首家专业的web前端培训机构                                                          www.zmclass.com"/>
+          <p:cNvPr id="302" name="追梦课堂   临汾首家专业的web前端培训机构                                                          www.zmclass.com"/>
           <p:cNvSpPr txBox="1"/>
           <p:nvPr/>
         </p:nvSpPr>
@@ -8074,7 +7857,7 @@
       </p:sp>
       <p:sp>
         <p:nvSpPr>
-          <p:cNvPr id="308" name="幻灯片编号"/>
+          <p:cNvPr id="303" name="幻灯片编号"/>
           <p:cNvSpPr txBox="1"/>
           <p:nvPr>
             <p:ph type="sldNum" sz="quarter" idx="2"/>
@@ -8101,7 +7884,7 @@
       </p:sp>
       <p:sp>
         <p:nvSpPr>
-          <p:cNvPr id="309" name="四种使用语法"/>
+          <p:cNvPr id="304" name="构造函数"/>
           <p:cNvSpPr txBox="1"/>
           <p:nvPr/>
         </p:nvSpPr>
@@ -8134,14 +7917,14 @@
           <a:p>
             <a:pPr/>
             <a:r>
-              <a:t>四种使用语法</a:t>
-            </a:r>
-          </a:p>
-        </p:txBody>
-      </p:sp>
-      <p:sp>
-        <p:nvSpPr>
-          <p:cNvPr id="310" name="矩形"/>
+              <a:t>构造函数</a:t>
+            </a:r>
+          </a:p>
+        </p:txBody>
+      </p:sp>
+      <p:sp>
+        <p:nvSpPr>
+          <p:cNvPr id="305" name="矩形"/>
           <p:cNvSpPr/>
           <p:nvPr/>
         </p:nvSpPr>
@@ -8181,7 +7964,7 @@
       </p:sp>
       <p:sp>
         <p:nvSpPr>
-          <p:cNvPr id="311" name="圆形"/>
+          <p:cNvPr id="306" name="圆形"/>
           <p:cNvSpPr/>
           <p:nvPr/>
         </p:nvSpPr>
@@ -8219,14 +8002,14 @@
       </p:sp>
       <p:sp>
         <p:nvSpPr>
-          <p:cNvPr id="312" name="单一参数的单行箭头函数"/>
-          <p:cNvSpPr txBox="1"/>
-          <p:nvPr/>
-        </p:nvSpPr>
-        <p:spPr>
-          <a:xfrm>
-            <a:off x="3161099" y="5355797"/>
-            <a:ext cx="19471733" cy="812801"/>
+          <p:cNvPr id="307" name="通常用来动态创建新的函数"/>
+          <p:cNvSpPr txBox="1"/>
+          <p:nvPr/>
+        </p:nvSpPr>
+        <p:spPr>
+          <a:xfrm>
+            <a:off x="3335448" y="5355797"/>
+            <a:ext cx="14490811" cy="812801"/>
           </a:xfrm>
           <a:prstGeom prst="rect">
             <a:avLst/>
@@ -8258,135 +8041,21 @@
           <a:p>
             <a:pPr/>
             <a:r>
-              <a:t> 单一参数的单行箭头函数</a:t>
-            </a:r>
-          </a:p>
-        </p:txBody>
-      </p:sp>
-      <p:sp>
-        <p:nvSpPr>
-          <p:cNvPr id="313" name="圆形"/>
-          <p:cNvSpPr/>
-          <p:nvPr/>
-        </p:nvSpPr>
-        <p:spPr>
-          <a:xfrm>
-            <a:off x="2612859" y="6885613"/>
-            <a:ext cx="283770" cy="283770"/>
-          </a:xfrm>
-          <a:prstGeom prst="ellipse">
-            <a:avLst/>
-          </a:prstGeom>
-          <a:solidFill>
-            <a:srgbClr val="FFFFFF">
-              <a:alpha val="60876"/>
-            </a:srgbClr>
-          </a:solidFill>
-          <a:ln w="12700">
-            <a:miter lim="400000"/>
-          </a:ln>
-        </p:spPr>
-        <p:txBody>
-          <a:bodyPr lIns="50800" tIns="50800" rIns="50800" bIns="50800" anchor="ctr"/>
-          <a:lstStyle/>
-          <a:p>
-            <a:pPr>
-              <a:defRPr b="0" sz="3200">
-                <a:latin typeface="+mn-lt"/>
-                <a:ea typeface="+mn-ea"/>
-                <a:cs typeface="+mn-cs"/>
-                <a:sym typeface="Helvetica Neue Medium"/>
-              </a:defRPr>
-            </a:pPr>
-          </a:p>
-        </p:txBody>
-      </p:sp>
-      <p:sp>
-        <p:nvSpPr>
-          <p:cNvPr id="314" name="圆形"/>
-          <p:cNvSpPr/>
-          <p:nvPr/>
-        </p:nvSpPr>
-        <p:spPr>
-          <a:xfrm>
-            <a:off x="2612859" y="8150914"/>
-            <a:ext cx="283770" cy="283770"/>
-          </a:xfrm>
-          <a:prstGeom prst="ellipse">
-            <a:avLst/>
-          </a:prstGeom>
-          <a:solidFill>
-            <a:srgbClr val="FFFFFF">
-              <a:alpha val="60876"/>
-            </a:srgbClr>
-          </a:solidFill>
-          <a:ln w="12700">
-            <a:miter lim="400000"/>
-          </a:ln>
-        </p:spPr>
-        <p:txBody>
-          <a:bodyPr lIns="50800" tIns="50800" rIns="50800" bIns="50800" anchor="ctr"/>
-          <a:lstStyle/>
-          <a:p>
-            <a:pPr>
-              <a:defRPr b="0" sz="3200">
-                <a:latin typeface="+mn-lt"/>
-                <a:ea typeface="+mn-ea"/>
-                <a:cs typeface="+mn-cs"/>
-                <a:sym typeface="Helvetica Neue Medium"/>
-              </a:defRPr>
-            </a:pPr>
-          </a:p>
-        </p:txBody>
-      </p:sp>
-      <p:sp>
-        <p:nvSpPr>
-          <p:cNvPr id="315" name="圆形"/>
-          <p:cNvSpPr/>
-          <p:nvPr/>
-        </p:nvSpPr>
-        <p:spPr>
-          <a:xfrm>
-            <a:off x="2612859" y="9416215"/>
-            <a:ext cx="283770" cy="283769"/>
-          </a:xfrm>
-          <a:prstGeom prst="ellipse">
-            <a:avLst/>
-          </a:prstGeom>
-          <a:solidFill>
-            <a:srgbClr val="FFFFFF">
-              <a:alpha val="60876"/>
-            </a:srgbClr>
-          </a:solidFill>
-          <a:ln w="12700">
-            <a:miter lim="400000"/>
-          </a:ln>
-        </p:spPr>
-        <p:txBody>
-          <a:bodyPr lIns="50800" tIns="50800" rIns="50800" bIns="50800" anchor="ctr"/>
-          <a:lstStyle/>
-          <a:p>
-            <a:pPr>
-              <a:defRPr b="0" sz="3200">
-                <a:latin typeface="+mn-lt"/>
-                <a:ea typeface="+mn-ea"/>
-                <a:cs typeface="+mn-cs"/>
-                <a:sym typeface="Helvetica Neue Medium"/>
-              </a:defRPr>
-            </a:pPr>
-          </a:p>
-        </p:txBody>
-      </p:sp>
-      <p:sp>
-        <p:nvSpPr>
-          <p:cNvPr id="316" name="多参数的单行箭头函数"/>
-          <p:cNvSpPr txBox="1"/>
-          <p:nvPr/>
-        </p:nvSpPr>
-        <p:spPr>
-          <a:xfrm>
-            <a:off x="3335448" y="6621098"/>
-            <a:ext cx="19471734" cy="812801"/>
+              <a:t>通常用来动态创建新的函数</a:t>
+            </a:r>
+          </a:p>
+        </p:txBody>
+      </p:sp>
+      <p:sp>
+        <p:nvSpPr>
+          <p:cNvPr id="308" name="接受字符串形式的参数"/>
+          <p:cNvSpPr txBox="1"/>
+          <p:nvPr/>
+        </p:nvSpPr>
+        <p:spPr>
+          <a:xfrm>
+            <a:off x="3335448" y="6604000"/>
+            <a:ext cx="14490811" cy="812801"/>
           </a:xfrm>
           <a:prstGeom prst="rect">
             <a:avLst/>
@@ -8418,103 +8087,78 @@
           <a:p>
             <a:pPr/>
             <a:r>
-              <a:t>多参数的单行箭头函数</a:t>
-            </a:r>
-          </a:p>
-        </p:txBody>
-      </p:sp>
-      <p:sp>
-        <p:nvSpPr>
-          <p:cNvPr id="317" name="多行箭头函数"/>
-          <p:cNvSpPr txBox="1"/>
-          <p:nvPr/>
-        </p:nvSpPr>
-        <p:spPr>
-          <a:xfrm>
-            <a:off x="3335448" y="7886399"/>
-            <a:ext cx="19471734" cy="812801"/>
-          </a:xfrm>
-          <a:prstGeom prst="rect">
-            <a:avLst/>
-          </a:prstGeom>
-          <a:ln w="12700">
-            <a:miter lim="400000"/>
-          </a:ln>
-          <a:extLst>
-            <a:ext uri="{C572A759-6A51-4108-AA02-DFA0A04FC94B}">
-              <ma14:wrappingTextBoxFlag xmlns:ma14="http://schemas.microsoft.com/office/mac/drawingml/2011/main" val="1"/>
-            </a:ext>
-          </a:extLst>
-        </p:spPr>
-        <p:txBody>
-          <a:bodyPr lIns="50800" tIns="50800" rIns="50800" bIns="50800" anchor="ctr">
-            <a:spAutoFit/>
-          </a:bodyPr>
-          <a:lstStyle>
-            <a:lvl1pPr algn="l">
-              <a:defRPr sz="4000">
-                <a:solidFill>
-                  <a:srgbClr val="FFFFFF">
-                    <a:alpha val="50000"/>
-                  </a:srgbClr>
-                </a:solidFill>
+              <a:t>接受字符串形式的参数</a:t>
+            </a:r>
+          </a:p>
+        </p:txBody>
+      </p:sp>
+      <p:sp>
+        <p:nvSpPr>
+          <p:cNvPr id="309" name="圆形"/>
+          <p:cNvSpPr/>
+          <p:nvPr/>
+        </p:nvSpPr>
+        <p:spPr>
+          <a:xfrm>
+            <a:off x="2612859" y="6885613"/>
+            <a:ext cx="283770" cy="283770"/>
+          </a:xfrm>
+          <a:prstGeom prst="ellipse">
+            <a:avLst/>
+          </a:prstGeom>
+          <a:solidFill>
+            <a:srgbClr val="FFFFFF">
+              <a:alpha val="60876"/>
+            </a:srgbClr>
+          </a:solidFill>
+          <a:ln w="12700">
+            <a:miter lim="400000"/>
+          </a:ln>
+        </p:spPr>
+        <p:txBody>
+          <a:bodyPr lIns="50800" tIns="50800" rIns="50800" bIns="50800" anchor="ctr"/>
+          <a:lstStyle/>
+          <a:p>
+            <a:pPr>
+              <a:defRPr b="0" sz="3200">
+                <a:latin typeface="+mn-lt"/>
+                <a:ea typeface="+mn-ea"/>
+                <a:cs typeface="+mn-cs"/>
+                <a:sym typeface="Helvetica Neue Medium"/>
               </a:defRPr>
-            </a:lvl1pPr>
-          </a:lstStyle>
-          <a:p>
-            <a:pPr/>
-            <a:r>
-              <a:t>多行箭头函数</a:t>
-            </a:r>
-          </a:p>
-        </p:txBody>
-      </p:sp>
-      <p:sp>
-        <p:nvSpPr>
-          <p:cNvPr id="318" name="无参数箭头函数"/>
-          <p:cNvSpPr txBox="1"/>
-          <p:nvPr/>
-        </p:nvSpPr>
-        <p:spPr>
-          <a:xfrm>
-            <a:off x="3335448" y="9151699"/>
-            <a:ext cx="19471734" cy="812801"/>
-          </a:xfrm>
-          <a:prstGeom prst="rect">
-            <a:avLst/>
-          </a:prstGeom>
-          <a:ln w="12700">
-            <a:miter lim="400000"/>
-          </a:ln>
-          <a:extLst>
-            <a:ext uri="{C572A759-6A51-4108-AA02-DFA0A04FC94B}">
-              <ma14:wrappingTextBoxFlag xmlns:ma14="http://schemas.microsoft.com/office/mac/drawingml/2011/main" val="1"/>
-            </a:ext>
-          </a:extLst>
-        </p:spPr>
-        <p:txBody>
-          <a:bodyPr lIns="50800" tIns="50800" rIns="50800" bIns="50800" anchor="ctr">
-            <a:spAutoFit/>
-          </a:bodyPr>
-          <a:lstStyle>
-            <a:lvl1pPr algn="l">
-              <a:defRPr sz="4000">
-                <a:solidFill>
-                  <a:srgbClr val="FFFFFF">
-                    <a:alpha val="50000"/>
-                  </a:srgbClr>
-                </a:solidFill>
-              </a:defRPr>
-            </a:lvl1pPr>
-          </a:lstStyle>
-          <a:p>
-            <a:pPr/>
-            <a:r>
-              <a:t>无参数箭头函数</a:t>
-            </a:r>
-          </a:p>
-        </p:txBody>
-      </p:sp>
+            </a:pPr>
+          </a:p>
+        </p:txBody>
+      </p:sp>
+      <p:pic>
+        <p:nvPicPr>
+          <p:cNvPr id="310" name="1.png" descr="1.png"/>
+          <p:cNvPicPr>
+            <a:picLocks noChangeAspect="1"/>
+          </p:cNvPicPr>
+          <p:nvPr/>
+        </p:nvPicPr>
+        <p:blipFill>
+          <a:blip r:embed="rId4">
+            <a:extLst/>
+          </a:blip>
+          <a:stretch>
+            <a:fillRect/>
+          </a:stretch>
+        </p:blipFill>
+        <p:spPr>
+          <a:xfrm>
+            <a:off x="2533857" y="9025424"/>
+            <a:ext cx="11595101" cy="1701801"/>
+          </a:xfrm>
+          <a:prstGeom prst="rect">
+            <a:avLst/>
+          </a:prstGeom>
+          <a:ln w="12700">
+            <a:miter lim="400000"/>
+          </a:ln>
+        </p:spPr>
+      </p:pic>
     </p:spTree>
   </p:cSld>
   <p:clrMapOvr>
@@ -8554,7 +8198,7 @@
       </p:grpSpPr>
       <p:sp>
         <p:nvSpPr>
-          <p:cNvPr id="320" name="追梦课堂   临汾首家专业的web前端培训机构                                                          www.zmclass.com"/>
+          <p:cNvPr id="312" name="追梦课堂   临汾首家专业的web前端培训机构                                                          www.zmclass.com"/>
           <p:cNvSpPr txBox="1"/>
           <p:nvPr/>
         </p:nvSpPr>
@@ -8625,7 +8269,7 @@
       </p:sp>
       <p:sp>
         <p:nvSpPr>
-          <p:cNvPr id="321" name="幻灯片编号"/>
+          <p:cNvPr id="313" name="幻灯片编号"/>
           <p:cNvSpPr txBox="1"/>
           <p:nvPr>
             <p:ph type="sldNum" sz="quarter" idx="2"/>
@@ -8652,7 +8296,7 @@
       </p:sp>
       <p:sp>
         <p:nvSpPr>
-          <p:cNvPr id="322" name="四种使用语法"/>
+          <p:cNvPr id="314" name="箭头函数表达式"/>
           <p:cNvSpPr txBox="1"/>
           <p:nvPr/>
         </p:nvSpPr>
@@ -8685,14 +8329,14 @@
           <a:p>
             <a:pPr/>
             <a:r>
-              <a:t>四种使用语法</a:t>
-            </a:r>
-          </a:p>
-        </p:txBody>
-      </p:sp>
-      <p:sp>
-        <p:nvSpPr>
-          <p:cNvPr id="323" name="矩形"/>
+              <a:t>箭头函数表达式</a:t>
+            </a:r>
+          </a:p>
+        </p:txBody>
+      </p:sp>
+      <p:sp>
+        <p:nvSpPr>
+          <p:cNvPr id="315" name="矩形"/>
           <p:cNvSpPr/>
           <p:nvPr/>
         </p:nvSpPr>
@@ -8732,14 +8376,14 @@
       </p:sp>
       <p:sp>
         <p:nvSpPr>
-          <p:cNvPr id="324" name="圆形"/>
+          <p:cNvPr id="316" name="圆形"/>
           <p:cNvSpPr/>
           <p:nvPr/>
         </p:nvSpPr>
         <p:spPr>
           <a:xfrm>
-            <a:off x="2612859" y="5620313"/>
-            <a:ext cx="283770" cy="283769"/>
+            <a:off x="2687580" y="5296521"/>
+            <a:ext cx="283770" cy="283770"/>
           </a:xfrm>
           <a:prstGeom prst="ellipse">
             <a:avLst/>
@@ -8770,13 +8414,13 @@
       </p:sp>
       <p:sp>
         <p:nvSpPr>
-          <p:cNvPr id="325" name="单一参数的单行箭头函数"/>
-          <p:cNvSpPr txBox="1"/>
-          <p:nvPr/>
-        </p:nvSpPr>
-        <p:spPr>
-          <a:xfrm>
-            <a:off x="3161099" y="5355797"/>
+          <p:cNvPr id="317" name="创建函数还有另外一种非常简单的语法，并且这种方法通常比函数表达式更好"/>
+          <p:cNvSpPr txBox="1"/>
+          <p:nvPr/>
+        </p:nvSpPr>
+        <p:spPr>
+          <a:xfrm>
+            <a:off x="3459984" y="5032006"/>
             <a:ext cx="19471733" cy="812801"/>
           </a:xfrm>
           <a:prstGeom prst="rect">
@@ -8809,20 +8453,78 @@
           <a:p>
             <a:pPr/>
             <a:r>
-              <a:t> 单一参数的单行箭头函数</a:t>
-            </a:r>
-          </a:p>
-        </p:txBody>
-      </p:sp>
-      <p:sp>
-        <p:nvSpPr>
-          <p:cNvPr id="326" name="圆形"/>
+              <a:t> 创建函数还有另外一种非常简单的语法，并且这种方法通常比函数表达式更好</a:t>
+            </a:r>
+          </a:p>
+        </p:txBody>
+      </p:sp>
+      <p:pic>
+        <p:nvPicPr>
+          <p:cNvPr id="318" name="1.png" descr="1.png"/>
+          <p:cNvPicPr>
+            <a:picLocks noChangeAspect="1"/>
+          </p:cNvPicPr>
+          <p:nvPr/>
+        </p:nvPicPr>
+        <p:blipFill>
+          <a:blip r:embed="rId4">
+            <a:extLst/>
+          </a:blip>
+          <a:stretch>
+            <a:fillRect/>
+          </a:stretch>
+        </p:blipFill>
+        <p:spPr>
+          <a:xfrm>
+            <a:off x="2250254" y="10198307"/>
+            <a:ext cx="8810072" cy="1987571"/>
+          </a:xfrm>
+          <a:prstGeom prst="rect">
+            <a:avLst/>
+          </a:prstGeom>
+          <a:ln w="12700">
+            <a:miter lim="400000"/>
+          </a:ln>
+        </p:spPr>
+      </p:pic>
+      <p:pic>
+        <p:nvPicPr>
+          <p:cNvPr id="319" name="2.png" descr="2.png"/>
+          <p:cNvPicPr>
+            <a:picLocks noChangeAspect="1"/>
+          </p:cNvPicPr>
+          <p:nvPr/>
+        </p:nvPicPr>
+        <p:blipFill>
+          <a:blip r:embed="rId5">
+            <a:extLst/>
+          </a:blip>
+          <a:stretch>
+            <a:fillRect/>
+          </a:stretch>
+        </p:blipFill>
+        <p:spPr>
+          <a:xfrm>
+            <a:off x="12500503" y="10388153"/>
+            <a:ext cx="10825642" cy="1607879"/>
+          </a:xfrm>
+          <a:prstGeom prst="rect">
+            <a:avLst/>
+          </a:prstGeom>
+          <a:ln w="12700">
+            <a:miter lim="400000"/>
+          </a:ln>
+        </p:spPr>
+      </p:pic>
+      <p:sp>
+        <p:nvSpPr>
+          <p:cNvPr id="320" name="圆形"/>
           <p:cNvSpPr/>
           <p:nvPr/>
         </p:nvSpPr>
         <p:spPr>
           <a:xfrm>
-            <a:off x="2612859" y="6885613"/>
+            <a:off x="2687580" y="6238030"/>
             <a:ext cx="283770" cy="283770"/>
           </a:xfrm>
           <a:prstGeom prst="ellipse">
@@ -8854,90 +8556,14 @@
       </p:sp>
       <p:sp>
         <p:nvSpPr>
-          <p:cNvPr id="327" name="圆形"/>
-          <p:cNvSpPr/>
-          <p:nvPr/>
-        </p:nvSpPr>
-        <p:spPr>
-          <a:xfrm>
-            <a:off x="2612859" y="8150914"/>
-            <a:ext cx="283770" cy="283770"/>
-          </a:xfrm>
-          <a:prstGeom prst="ellipse">
-            <a:avLst/>
-          </a:prstGeom>
-          <a:solidFill>
-            <a:srgbClr val="FFFFFF">
-              <a:alpha val="60876"/>
-            </a:srgbClr>
-          </a:solidFill>
-          <a:ln w="12700">
-            <a:miter lim="400000"/>
-          </a:ln>
-        </p:spPr>
-        <p:txBody>
-          <a:bodyPr lIns="50800" tIns="50800" rIns="50800" bIns="50800" anchor="ctr"/>
-          <a:lstStyle/>
-          <a:p>
-            <a:pPr>
-              <a:defRPr b="0" sz="3200">
-                <a:latin typeface="+mn-lt"/>
-                <a:ea typeface="+mn-ea"/>
-                <a:cs typeface="+mn-cs"/>
-                <a:sym typeface="Helvetica Neue Medium"/>
-              </a:defRPr>
-            </a:pPr>
-          </a:p>
-        </p:txBody>
-      </p:sp>
-      <p:sp>
-        <p:nvSpPr>
-          <p:cNvPr id="328" name="圆形"/>
-          <p:cNvSpPr/>
-          <p:nvPr/>
-        </p:nvSpPr>
-        <p:spPr>
-          <a:xfrm>
-            <a:off x="2612859" y="9416215"/>
-            <a:ext cx="283770" cy="283769"/>
-          </a:xfrm>
-          <a:prstGeom prst="ellipse">
-            <a:avLst/>
-          </a:prstGeom>
-          <a:solidFill>
-            <a:srgbClr val="FFFFFF">
-              <a:alpha val="60876"/>
-            </a:srgbClr>
-          </a:solidFill>
-          <a:ln w="12700">
-            <a:miter lim="400000"/>
-          </a:ln>
-        </p:spPr>
-        <p:txBody>
-          <a:bodyPr lIns="50800" tIns="50800" rIns="50800" bIns="50800" anchor="ctr"/>
-          <a:lstStyle/>
-          <a:p>
-            <a:pPr>
-              <a:defRPr b="0" sz="3200">
-                <a:latin typeface="+mn-lt"/>
-                <a:ea typeface="+mn-ea"/>
-                <a:cs typeface="+mn-cs"/>
-                <a:sym typeface="Helvetica Neue Medium"/>
-              </a:defRPr>
-            </a:pPr>
-          </a:p>
-        </p:txBody>
-      </p:sp>
-      <p:sp>
-        <p:nvSpPr>
-          <p:cNvPr id="329" name="多参数的单行箭头函数"/>
-          <p:cNvSpPr txBox="1"/>
-          <p:nvPr/>
-        </p:nvSpPr>
-        <p:spPr>
-          <a:xfrm>
-            <a:off x="3335448" y="6621098"/>
-            <a:ext cx="19471734" cy="812801"/>
+          <p:cNvPr id="321" name="但是箭头函数始终是表达式 没有箭头函数声明"/>
+          <p:cNvSpPr txBox="1"/>
+          <p:nvPr/>
+        </p:nvSpPr>
+        <p:spPr>
+          <a:xfrm>
+            <a:off x="3459984" y="5973514"/>
+            <a:ext cx="19471733" cy="812801"/>
           </a:xfrm>
           <a:prstGeom prst="rect">
             <a:avLst/>
@@ -8969,21 +8595,21 @@
           <a:p>
             <a:pPr/>
             <a:r>
-              <a:t>多参数的单行箭头函数</a:t>
-            </a:r>
-          </a:p>
-        </p:txBody>
-      </p:sp>
-      <p:sp>
-        <p:nvSpPr>
-          <p:cNvPr id="330" name="多行箭头函数"/>
-          <p:cNvSpPr txBox="1"/>
-          <p:nvPr/>
-        </p:nvSpPr>
-        <p:spPr>
-          <a:xfrm>
-            <a:off x="3335448" y="7886399"/>
-            <a:ext cx="19471734" cy="812801"/>
+              <a:t> 但是箭头函数始终是表达式 没有箭头函数声明</a:t>
+            </a:r>
+          </a:p>
+        </p:txBody>
+      </p:sp>
+      <p:sp>
+        <p:nvSpPr>
+          <p:cNvPr id="322" name="- 存储在变量中"/>
+          <p:cNvSpPr txBox="1"/>
+          <p:nvPr/>
+        </p:nvSpPr>
+        <p:spPr>
+          <a:xfrm>
+            <a:off x="3459984" y="7107067"/>
+            <a:ext cx="19471733" cy="812801"/>
           </a:xfrm>
           <a:prstGeom prst="rect">
             <a:avLst/>
@@ -9015,21 +8641,21 @@
           <a:p>
             <a:pPr/>
             <a:r>
-              <a:t>多行箭头函数</a:t>
-            </a:r>
-          </a:p>
-        </p:txBody>
-      </p:sp>
-      <p:sp>
-        <p:nvSpPr>
-          <p:cNvPr id="331" name="无参数箭头函数"/>
-          <p:cNvSpPr txBox="1"/>
-          <p:nvPr/>
-        </p:nvSpPr>
-        <p:spPr>
-          <a:xfrm>
-            <a:off x="3335448" y="9151699"/>
-            <a:ext cx="19471734" cy="812801"/>
+              <a:t>- 存储在变量中</a:t>
+            </a:r>
+          </a:p>
+        </p:txBody>
+      </p:sp>
+      <p:sp>
+        <p:nvSpPr>
+          <p:cNvPr id="323" name="- 函数参数"/>
+          <p:cNvSpPr txBox="1"/>
+          <p:nvPr/>
+        </p:nvSpPr>
+        <p:spPr>
+          <a:xfrm>
+            <a:off x="3459984" y="8085911"/>
+            <a:ext cx="19471733" cy="812801"/>
           </a:xfrm>
           <a:prstGeom prst="rect">
             <a:avLst/>
@@ -9061,7 +8687,53 @@
           <a:p>
             <a:pPr/>
             <a:r>
-              <a:t>无参数箭头函数</a:t>
+              <a:t>- 函数参数</a:t>
+            </a:r>
+          </a:p>
+        </p:txBody>
+      </p:sp>
+      <p:sp>
+        <p:nvSpPr>
+          <p:cNvPr id="324" name="- 存储在对象的属性中"/>
+          <p:cNvSpPr txBox="1"/>
+          <p:nvPr/>
+        </p:nvSpPr>
+        <p:spPr>
+          <a:xfrm>
+            <a:off x="3459984" y="9182128"/>
+            <a:ext cx="19471733" cy="812801"/>
+          </a:xfrm>
+          <a:prstGeom prst="rect">
+            <a:avLst/>
+          </a:prstGeom>
+          <a:ln w="12700">
+            <a:miter lim="400000"/>
+          </a:ln>
+          <a:extLst>
+            <a:ext uri="{C572A759-6A51-4108-AA02-DFA0A04FC94B}">
+              <ma14:wrappingTextBoxFlag xmlns:ma14="http://schemas.microsoft.com/office/mac/drawingml/2011/main" val="1"/>
+            </a:ext>
+          </a:extLst>
+        </p:spPr>
+        <p:txBody>
+          <a:bodyPr lIns="50800" tIns="50800" rIns="50800" bIns="50800" anchor="ctr">
+            <a:spAutoFit/>
+          </a:bodyPr>
+          <a:lstStyle>
+            <a:lvl1pPr algn="l">
+              <a:defRPr sz="4000">
+                <a:solidFill>
+                  <a:srgbClr val="FFFFFF">
+                    <a:alpha val="50000"/>
+                  </a:srgbClr>
+                </a:solidFill>
+              </a:defRPr>
+            </a:lvl1pPr>
+          </a:lstStyle>
+          <a:p>
+            <a:pPr/>
+            <a:r>
+              <a:t>- 存储在对象的属性中</a:t>
             </a:r>
           </a:p>
         </p:txBody>
@@ -9105,7 +8777,7 @@
       </p:grpSpPr>
       <p:sp>
         <p:nvSpPr>
-          <p:cNvPr id="333" name="追梦课堂   临汾首家专业的web前端培训机构                                                          www.zmclass.com"/>
+          <p:cNvPr id="326" name="追梦课堂   临汾首家专业的web前端培训机构                                                          www.zmclass.com"/>
           <p:cNvSpPr txBox="1"/>
           <p:nvPr/>
         </p:nvSpPr>
@@ -9176,7 +8848,7 @@
       </p:sp>
       <p:sp>
         <p:nvSpPr>
-          <p:cNvPr id="334" name="幻灯片编号"/>
+          <p:cNvPr id="327" name="幻灯片编号"/>
           <p:cNvSpPr txBox="1"/>
           <p:nvPr>
             <p:ph type="sldNum" sz="quarter" idx="2"/>
@@ -9203,14 +8875,14 @@
       </p:sp>
       <p:sp>
         <p:nvSpPr>
-          <p:cNvPr id="335" name="Eg"/>
-          <p:cNvSpPr txBox="1"/>
-          <p:nvPr/>
-        </p:nvSpPr>
-        <p:spPr>
-          <a:xfrm>
-            <a:off x="2276759" y="3544932"/>
-            <a:ext cx="11064323" cy="1019298"/>
+          <p:cNvPr id="328" name="四种使用语法"/>
+          <p:cNvSpPr txBox="1"/>
+          <p:nvPr/>
+        </p:nvSpPr>
+        <p:spPr>
+          <a:xfrm>
+            <a:off x="2276759" y="3470381"/>
+            <a:ext cx="11064323" cy="1168401"/>
           </a:xfrm>
           <a:prstGeom prst="rect">
             <a:avLst/>
@@ -9236,14 +8908,14 @@
           <a:p>
             <a:pPr/>
             <a:r>
-              <a:t>Eg</a:t>
-            </a:r>
-          </a:p>
-        </p:txBody>
-      </p:sp>
-      <p:sp>
-        <p:nvSpPr>
-          <p:cNvPr id="336" name="矩形"/>
+              <a:t>四种使用语法</a:t>
+            </a:r>
+          </a:p>
+        </p:txBody>
+      </p:sp>
+      <p:sp>
+        <p:nvSpPr>
+          <p:cNvPr id="329" name="矩形"/>
           <p:cNvSpPr/>
           <p:nvPr/>
         </p:nvSpPr>
@@ -9281,122 +8953,342 @@
           </a:p>
         </p:txBody>
       </p:sp>
-      <p:pic>
-        <p:nvPicPr>
-          <p:cNvPr id="337" name="2.png" descr="2.png"/>
-          <p:cNvPicPr>
-            <a:picLocks noChangeAspect="1"/>
-          </p:cNvPicPr>
-          <p:nvPr/>
-        </p:nvPicPr>
-        <p:blipFill>
-          <a:blip r:embed="rId4">
-            <a:extLst/>
-          </a:blip>
-          <a:stretch>
-            <a:fillRect/>
-          </a:stretch>
-        </p:blipFill>
-        <p:spPr>
-          <a:xfrm>
-            <a:off x="2582134" y="5292887"/>
-            <a:ext cx="8659144" cy="1038034"/>
-          </a:xfrm>
-          <a:prstGeom prst="rect">
-            <a:avLst/>
-          </a:prstGeom>
-          <a:ln w="12700">
-            <a:miter lim="400000"/>
-          </a:ln>
-        </p:spPr>
-      </p:pic>
-      <p:pic>
-        <p:nvPicPr>
-          <p:cNvPr id="338" name="1.png" descr="1.png"/>
-          <p:cNvPicPr>
-            <a:picLocks noChangeAspect="1"/>
-          </p:cNvPicPr>
-          <p:nvPr/>
-        </p:nvPicPr>
-        <p:blipFill>
-          <a:blip r:embed="rId5">
-            <a:extLst/>
-          </a:blip>
-          <a:stretch>
-            <a:fillRect/>
-          </a:stretch>
-        </p:blipFill>
-        <p:spPr>
-          <a:xfrm>
-            <a:off x="2587356" y="7059578"/>
-            <a:ext cx="8648701" cy="3835401"/>
-          </a:xfrm>
-          <a:prstGeom prst="rect">
-            <a:avLst/>
-          </a:prstGeom>
-          <a:ln w="12700">
-            <a:miter lim="400000"/>
-          </a:ln>
-        </p:spPr>
-      </p:pic>
-      <p:pic>
-        <p:nvPicPr>
-          <p:cNvPr id="339" name="3.png" descr="3.png"/>
-          <p:cNvPicPr>
-            <a:picLocks noChangeAspect="1"/>
-          </p:cNvPicPr>
-          <p:nvPr/>
-        </p:nvPicPr>
-        <p:blipFill>
-          <a:blip r:embed="rId6">
-            <a:extLst/>
-          </a:blip>
-          <a:stretch>
-            <a:fillRect/>
-          </a:stretch>
-        </p:blipFill>
-        <p:spPr>
-          <a:xfrm>
-            <a:off x="12628605" y="5292887"/>
-            <a:ext cx="10833101" cy="1600201"/>
-          </a:xfrm>
-          <a:prstGeom prst="rect">
-            <a:avLst/>
-          </a:prstGeom>
-          <a:ln w="12700">
-            <a:miter lim="400000"/>
-          </a:ln>
-        </p:spPr>
-      </p:pic>
-      <p:pic>
-        <p:nvPicPr>
-          <p:cNvPr id="340" name="4.png" descr="4.png"/>
-          <p:cNvPicPr>
-            <a:picLocks noChangeAspect="1"/>
-          </p:cNvPicPr>
-          <p:nvPr/>
-        </p:nvPicPr>
-        <p:blipFill>
-          <a:blip r:embed="rId7">
-            <a:extLst/>
-          </a:blip>
-          <a:stretch>
-            <a:fillRect/>
-          </a:stretch>
-        </p:blipFill>
-        <p:spPr>
-          <a:xfrm>
-            <a:off x="12234905" y="8060640"/>
-            <a:ext cx="11620501" cy="2476501"/>
-          </a:xfrm>
-          <a:prstGeom prst="rect">
-            <a:avLst/>
-          </a:prstGeom>
-          <a:ln w="12700">
-            <a:miter lim="400000"/>
-          </a:ln>
-        </p:spPr>
-      </p:pic>
+      <p:sp>
+        <p:nvSpPr>
+          <p:cNvPr id="330" name="圆形"/>
+          <p:cNvSpPr/>
+          <p:nvPr/>
+        </p:nvSpPr>
+        <p:spPr>
+          <a:xfrm>
+            <a:off x="2612859" y="5620313"/>
+            <a:ext cx="283770" cy="283769"/>
+          </a:xfrm>
+          <a:prstGeom prst="ellipse">
+            <a:avLst/>
+          </a:prstGeom>
+          <a:solidFill>
+            <a:srgbClr val="FFFFFF">
+              <a:alpha val="60876"/>
+            </a:srgbClr>
+          </a:solidFill>
+          <a:ln w="12700">
+            <a:miter lim="400000"/>
+          </a:ln>
+        </p:spPr>
+        <p:txBody>
+          <a:bodyPr lIns="50800" tIns="50800" rIns="50800" bIns="50800" anchor="ctr"/>
+          <a:lstStyle/>
+          <a:p>
+            <a:pPr>
+              <a:defRPr b="0" sz="3200">
+                <a:latin typeface="+mn-lt"/>
+                <a:ea typeface="+mn-ea"/>
+                <a:cs typeface="+mn-cs"/>
+                <a:sym typeface="Helvetica Neue Medium"/>
+              </a:defRPr>
+            </a:pPr>
+          </a:p>
+        </p:txBody>
+      </p:sp>
+      <p:sp>
+        <p:nvSpPr>
+          <p:cNvPr id="331" name="单一参数的单行箭头函数"/>
+          <p:cNvSpPr txBox="1"/>
+          <p:nvPr/>
+        </p:nvSpPr>
+        <p:spPr>
+          <a:xfrm>
+            <a:off x="3161099" y="5355797"/>
+            <a:ext cx="19471733" cy="812801"/>
+          </a:xfrm>
+          <a:prstGeom prst="rect">
+            <a:avLst/>
+          </a:prstGeom>
+          <a:ln w="12700">
+            <a:miter lim="400000"/>
+          </a:ln>
+          <a:extLst>
+            <a:ext uri="{C572A759-6A51-4108-AA02-DFA0A04FC94B}">
+              <ma14:wrappingTextBoxFlag xmlns:ma14="http://schemas.microsoft.com/office/mac/drawingml/2011/main" val="1"/>
+            </a:ext>
+          </a:extLst>
+        </p:spPr>
+        <p:txBody>
+          <a:bodyPr lIns="50800" tIns="50800" rIns="50800" bIns="50800" anchor="ctr">
+            <a:spAutoFit/>
+          </a:bodyPr>
+          <a:lstStyle>
+            <a:lvl1pPr algn="l">
+              <a:defRPr sz="4000">
+                <a:solidFill>
+                  <a:srgbClr val="FFFFFF">
+                    <a:alpha val="50000"/>
+                  </a:srgbClr>
+                </a:solidFill>
+              </a:defRPr>
+            </a:lvl1pPr>
+          </a:lstStyle>
+          <a:p>
+            <a:pPr/>
+            <a:r>
+              <a:t> 单一参数的单行箭头函数</a:t>
+            </a:r>
+          </a:p>
+        </p:txBody>
+      </p:sp>
+      <p:sp>
+        <p:nvSpPr>
+          <p:cNvPr id="332" name="圆形"/>
+          <p:cNvSpPr/>
+          <p:nvPr/>
+        </p:nvSpPr>
+        <p:spPr>
+          <a:xfrm>
+            <a:off x="2612859" y="6885613"/>
+            <a:ext cx="283770" cy="283770"/>
+          </a:xfrm>
+          <a:prstGeom prst="ellipse">
+            <a:avLst/>
+          </a:prstGeom>
+          <a:solidFill>
+            <a:srgbClr val="FFFFFF">
+              <a:alpha val="60876"/>
+            </a:srgbClr>
+          </a:solidFill>
+          <a:ln w="12700">
+            <a:miter lim="400000"/>
+          </a:ln>
+        </p:spPr>
+        <p:txBody>
+          <a:bodyPr lIns="50800" tIns="50800" rIns="50800" bIns="50800" anchor="ctr"/>
+          <a:lstStyle/>
+          <a:p>
+            <a:pPr>
+              <a:defRPr b="0" sz="3200">
+                <a:latin typeface="+mn-lt"/>
+                <a:ea typeface="+mn-ea"/>
+                <a:cs typeface="+mn-cs"/>
+                <a:sym typeface="Helvetica Neue Medium"/>
+              </a:defRPr>
+            </a:pPr>
+          </a:p>
+        </p:txBody>
+      </p:sp>
+      <p:sp>
+        <p:nvSpPr>
+          <p:cNvPr id="333" name="圆形"/>
+          <p:cNvSpPr/>
+          <p:nvPr/>
+        </p:nvSpPr>
+        <p:spPr>
+          <a:xfrm>
+            <a:off x="2612859" y="8150914"/>
+            <a:ext cx="283770" cy="283770"/>
+          </a:xfrm>
+          <a:prstGeom prst="ellipse">
+            <a:avLst/>
+          </a:prstGeom>
+          <a:solidFill>
+            <a:srgbClr val="FFFFFF">
+              <a:alpha val="60876"/>
+            </a:srgbClr>
+          </a:solidFill>
+          <a:ln w="12700">
+            <a:miter lim="400000"/>
+          </a:ln>
+        </p:spPr>
+        <p:txBody>
+          <a:bodyPr lIns="50800" tIns="50800" rIns="50800" bIns="50800" anchor="ctr"/>
+          <a:lstStyle/>
+          <a:p>
+            <a:pPr>
+              <a:defRPr b="0" sz="3200">
+                <a:latin typeface="+mn-lt"/>
+                <a:ea typeface="+mn-ea"/>
+                <a:cs typeface="+mn-cs"/>
+                <a:sym typeface="Helvetica Neue Medium"/>
+              </a:defRPr>
+            </a:pPr>
+          </a:p>
+        </p:txBody>
+      </p:sp>
+      <p:sp>
+        <p:nvSpPr>
+          <p:cNvPr id="334" name="圆形"/>
+          <p:cNvSpPr/>
+          <p:nvPr/>
+        </p:nvSpPr>
+        <p:spPr>
+          <a:xfrm>
+            <a:off x="2612859" y="9416215"/>
+            <a:ext cx="283770" cy="283769"/>
+          </a:xfrm>
+          <a:prstGeom prst="ellipse">
+            <a:avLst/>
+          </a:prstGeom>
+          <a:solidFill>
+            <a:srgbClr val="FFFFFF">
+              <a:alpha val="60876"/>
+            </a:srgbClr>
+          </a:solidFill>
+          <a:ln w="12700">
+            <a:miter lim="400000"/>
+          </a:ln>
+        </p:spPr>
+        <p:txBody>
+          <a:bodyPr lIns="50800" tIns="50800" rIns="50800" bIns="50800" anchor="ctr"/>
+          <a:lstStyle/>
+          <a:p>
+            <a:pPr>
+              <a:defRPr b="0" sz="3200">
+                <a:latin typeface="+mn-lt"/>
+                <a:ea typeface="+mn-ea"/>
+                <a:cs typeface="+mn-cs"/>
+                <a:sym typeface="Helvetica Neue Medium"/>
+              </a:defRPr>
+            </a:pPr>
+          </a:p>
+        </p:txBody>
+      </p:sp>
+      <p:sp>
+        <p:nvSpPr>
+          <p:cNvPr id="335" name="多参数的单行箭头函数"/>
+          <p:cNvSpPr txBox="1"/>
+          <p:nvPr/>
+        </p:nvSpPr>
+        <p:spPr>
+          <a:xfrm>
+            <a:off x="3335448" y="6621098"/>
+            <a:ext cx="19471734" cy="812801"/>
+          </a:xfrm>
+          <a:prstGeom prst="rect">
+            <a:avLst/>
+          </a:prstGeom>
+          <a:ln w="12700">
+            <a:miter lim="400000"/>
+          </a:ln>
+          <a:extLst>
+            <a:ext uri="{C572A759-6A51-4108-AA02-DFA0A04FC94B}">
+              <ma14:wrappingTextBoxFlag xmlns:ma14="http://schemas.microsoft.com/office/mac/drawingml/2011/main" val="1"/>
+            </a:ext>
+          </a:extLst>
+        </p:spPr>
+        <p:txBody>
+          <a:bodyPr lIns="50800" tIns="50800" rIns="50800" bIns="50800" anchor="ctr">
+            <a:spAutoFit/>
+          </a:bodyPr>
+          <a:lstStyle>
+            <a:lvl1pPr algn="l">
+              <a:defRPr sz="4000">
+                <a:solidFill>
+                  <a:srgbClr val="FFFFFF">
+                    <a:alpha val="50000"/>
+                  </a:srgbClr>
+                </a:solidFill>
+              </a:defRPr>
+            </a:lvl1pPr>
+          </a:lstStyle>
+          <a:p>
+            <a:pPr/>
+            <a:r>
+              <a:t>多参数的单行箭头函数</a:t>
+            </a:r>
+          </a:p>
+        </p:txBody>
+      </p:sp>
+      <p:sp>
+        <p:nvSpPr>
+          <p:cNvPr id="336" name="多行箭头函数"/>
+          <p:cNvSpPr txBox="1"/>
+          <p:nvPr/>
+        </p:nvSpPr>
+        <p:spPr>
+          <a:xfrm>
+            <a:off x="3335448" y="7886399"/>
+            <a:ext cx="19471734" cy="812801"/>
+          </a:xfrm>
+          <a:prstGeom prst="rect">
+            <a:avLst/>
+          </a:prstGeom>
+          <a:ln w="12700">
+            <a:miter lim="400000"/>
+          </a:ln>
+          <a:extLst>
+            <a:ext uri="{C572A759-6A51-4108-AA02-DFA0A04FC94B}">
+              <ma14:wrappingTextBoxFlag xmlns:ma14="http://schemas.microsoft.com/office/mac/drawingml/2011/main" val="1"/>
+            </a:ext>
+          </a:extLst>
+        </p:spPr>
+        <p:txBody>
+          <a:bodyPr lIns="50800" tIns="50800" rIns="50800" bIns="50800" anchor="ctr">
+            <a:spAutoFit/>
+          </a:bodyPr>
+          <a:lstStyle>
+            <a:lvl1pPr algn="l">
+              <a:defRPr sz="4000">
+                <a:solidFill>
+                  <a:srgbClr val="FFFFFF">
+                    <a:alpha val="50000"/>
+                  </a:srgbClr>
+                </a:solidFill>
+              </a:defRPr>
+            </a:lvl1pPr>
+          </a:lstStyle>
+          <a:p>
+            <a:pPr/>
+            <a:r>
+              <a:t>多行箭头函数</a:t>
+            </a:r>
+          </a:p>
+        </p:txBody>
+      </p:sp>
+      <p:sp>
+        <p:nvSpPr>
+          <p:cNvPr id="337" name="无参数箭头函数"/>
+          <p:cNvSpPr txBox="1"/>
+          <p:nvPr/>
+        </p:nvSpPr>
+        <p:spPr>
+          <a:xfrm>
+            <a:off x="3335448" y="9151699"/>
+            <a:ext cx="19471734" cy="812801"/>
+          </a:xfrm>
+          <a:prstGeom prst="rect">
+            <a:avLst/>
+          </a:prstGeom>
+          <a:ln w="12700">
+            <a:miter lim="400000"/>
+          </a:ln>
+          <a:extLst>
+            <a:ext uri="{C572A759-6A51-4108-AA02-DFA0A04FC94B}">
+              <ma14:wrappingTextBoxFlag xmlns:ma14="http://schemas.microsoft.com/office/mac/drawingml/2011/main" val="1"/>
+            </a:ext>
+          </a:extLst>
+        </p:spPr>
+        <p:txBody>
+          <a:bodyPr lIns="50800" tIns="50800" rIns="50800" bIns="50800" anchor="ctr">
+            <a:spAutoFit/>
+          </a:bodyPr>
+          <a:lstStyle>
+            <a:lvl1pPr algn="l">
+              <a:defRPr sz="4000">
+                <a:solidFill>
+                  <a:srgbClr val="FFFFFF">
+                    <a:alpha val="50000"/>
+                  </a:srgbClr>
+                </a:solidFill>
+              </a:defRPr>
+            </a:lvl1pPr>
+          </a:lstStyle>
+          <a:p>
+            <a:pPr/>
+            <a:r>
+              <a:t>无参数箭头函数</a:t>
+            </a:r>
+          </a:p>
+        </p:txBody>
+      </p:sp>
     </p:spTree>
   </p:cSld>
   <p:clrMapOvr>
@@ -9436,7 +9328,7 @@
       </p:grpSpPr>
       <p:sp>
         <p:nvSpPr>
-          <p:cNvPr id="342" name="追梦课堂   临汾首家专业的web前端培训机构                                                          www.zmclass.com"/>
+          <p:cNvPr id="339" name="追梦课堂   临汾首家专业的web前端培训机构                                                          www.zmclass.com"/>
           <p:cNvSpPr txBox="1"/>
           <p:nvPr/>
         </p:nvSpPr>
@@ -9507,7 +9399,7 @@
       </p:sp>
       <p:sp>
         <p:nvSpPr>
-          <p:cNvPr id="343" name="幻灯片编号"/>
+          <p:cNvPr id="340" name="幻灯片编号"/>
           <p:cNvSpPr txBox="1"/>
           <p:nvPr>
             <p:ph type="sldNum" sz="quarter" idx="2"/>
@@ -9534,14 +9426,14 @@
       </p:sp>
       <p:sp>
         <p:nvSpPr>
-          <p:cNvPr id="344" name="函数的实参(argument)和形参(parameter)"/>
+          <p:cNvPr id="341" name="四种使用语法"/>
           <p:cNvSpPr txBox="1"/>
           <p:nvPr/>
         </p:nvSpPr>
         <p:spPr>
           <a:xfrm>
             <a:off x="2276759" y="3470381"/>
-            <a:ext cx="15656269" cy="1168401"/>
+            <a:ext cx="11064323" cy="1168401"/>
           </a:xfrm>
           <a:prstGeom prst="rect">
             <a:avLst/>
@@ -9567,14 +9459,14 @@
           <a:p>
             <a:pPr/>
             <a:r>
-              <a:t>函数的实参(argument)和形参(parameter)</a:t>
-            </a:r>
-          </a:p>
-        </p:txBody>
-      </p:sp>
-      <p:sp>
-        <p:nvSpPr>
-          <p:cNvPr id="345" name="矩形"/>
+              <a:t>四种使用语法</a:t>
+            </a:r>
+          </a:p>
+        </p:txBody>
+      </p:sp>
+      <p:sp>
+        <p:nvSpPr>
+          <p:cNvPr id="342" name="矩形"/>
           <p:cNvSpPr/>
           <p:nvPr/>
         </p:nvSpPr>
@@ -9614,14 +9506,52 @@
       </p:sp>
       <p:sp>
         <p:nvSpPr>
-          <p:cNvPr id="346" name="形参是我们定义函数时所列举的变量"/>
-          <p:cNvSpPr txBox="1"/>
-          <p:nvPr/>
-        </p:nvSpPr>
-        <p:spPr>
-          <a:xfrm>
-            <a:off x="3335448" y="5355797"/>
-            <a:ext cx="14490811" cy="812801"/>
+          <p:cNvPr id="343" name="圆形"/>
+          <p:cNvSpPr/>
+          <p:nvPr/>
+        </p:nvSpPr>
+        <p:spPr>
+          <a:xfrm>
+            <a:off x="2612859" y="5620313"/>
+            <a:ext cx="283770" cy="283769"/>
+          </a:xfrm>
+          <a:prstGeom prst="ellipse">
+            <a:avLst/>
+          </a:prstGeom>
+          <a:solidFill>
+            <a:srgbClr val="FFFFFF">
+              <a:alpha val="60876"/>
+            </a:srgbClr>
+          </a:solidFill>
+          <a:ln w="12700">
+            <a:miter lim="400000"/>
+          </a:ln>
+        </p:spPr>
+        <p:txBody>
+          <a:bodyPr lIns="50800" tIns="50800" rIns="50800" bIns="50800" anchor="ctr"/>
+          <a:lstStyle/>
+          <a:p>
+            <a:pPr>
+              <a:defRPr b="0" sz="3200">
+                <a:latin typeface="+mn-lt"/>
+                <a:ea typeface="+mn-ea"/>
+                <a:cs typeface="+mn-cs"/>
+                <a:sym typeface="Helvetica Neue Medium"/>
+              </a:defRPr>
+            </a:pPr>
+          </a:p>
+        </p:txBody>
+      </p:sp>
+      <p:sp>
+        <p:nvSpPr>
+          <p:cNvPr id="344" name="单一参数的单行箭头函数"/>
+          <p:cNvSpPr txBox="1"/>
+          <p:nvPr/>
+        </p:nvSpPr>
+        <p:spPr>
+          <a:xfrm>
+            <a:off x="3161099" y="5355797"/>
+            <a:ext cx="19471733" cy="812801"/>
           </a:xfrm>
           <a:prstGeom prst="rect">
             <a:avLst/>
@@ -9653,21 +9583,21 @@
           <a:p>
             <a:pPr/>
             <a:r>
-              <a:t>形参是我们定义函数时所列举的变量</a:t>
-            </a:r>
-          </a:p>
-        </p:txBody>
-      </p:sp>
-      <p:sp>
-        <p:nvSpPr>
-          <p:cNvPr id="347" name="圆形"/>
+              <a:t> 单一参数的单行箭头函数</a:t>
+            </a:r>
+          </a:p>
+        </p:txBody>
+      </p:sp>
+      <p:sp>
+        <p:nvSpPr>
+          <p:cNvPr id="345" name="圆形"/>
           <p:cNvSpPr/>
           <p:nvPr/>
         </p:nvSpPr>
         <p:spPr>
           <a:xfrm>
-            <a:off x="2612859" y="5620313"/>
-            <a:ext cx="283770" cy="283769"/>
+            <a:off x="2612859" y="6885613"/>
+            <a:ext cx="283770" cy="283770"/>
           </a:xfrm>
           <a:prstGeom prst="ellipse">
             <a:avLst/>
@@ -9698,13 +9628,13 @@
       </p:sp>
       <p:sp>
         <p:nvSpPr>
-          <p:cNvPr id="348" name="圆形"/>
+          <p:cNvPr id="346" name="圆形"/>
           <p:cNvSpPr/>
           <p:nvPr/>
         </p:nvSpPr>
         <p:spPr>
           <a:xfrm>
-            <a:off x="2612859" y="6716115"/>
+            <a:off x="2612859" y="8150914"/>
             <a:ext cx="283770" cy="283770"/>
           </a:xfrm>
           <a:prstGeom prst="ellipse">
@@ -9736,14 +9666,52 @@
       </p:sp>
       <p:sp>
         <p:nvSpPr>
-          <p:cNvPr id="349" name="实参是我们调用函数时所传递给函数的值"/>
-          <p:cNvSpPr txBox="1"/>
-          <p:nvPr/>
-        </p:nvSpPr>
-        <p:spPr>
-          <a:xfrm>
-            <a:off x="3335448" y="6451600"/>
-            <a:ext cx="14490811" cy="812801"/>
+          <p:cNvPr id="347" name="圆形"/>
+          <p:cNvSpPr/>
+          <p:nvPr/>
+        </p:nvSpPr>
+        <p:spPr>
+          <a:xfrm>
+            <a:off x="2612859" y="9416215"/>
+            <a:ext cx="283770" cy="283769"/>
+          </a:xfrm>
+          <a:prstGeom prst="ellipse">
+            <a:avLst/>
+          </a:prstGeom>
+          <a:solidFill>
+            <a:srgbClr val="FFFFFF">
+              <a:alpha val="60876"/>
+            </a:srgbClr>
+          </a:solidFill>
+          <a:ln w="12700">
+            <a:miter lim="400000"/>
+          </a:ln>
+        </p:spPr>
+        <p:txBody>
+          <a:bodyPr lIns="50800" tIns="50800" rIns="50800" bIns="50800" anchor="ctr"/>
+          <a:lstStyle/>
+          <a:p>
+            <a:pPr>
+              <a:defRPr b="0" sz="3200">
+                <a:latin typeface="+mn-lt"/>
+                <a:ea typeface="+mn-ea"/>
+                <a:cs typeface="+mn-cs"/>
+                <a:sym typeface="Helvetica Neue Medium"/>
+              </a:defRPr>
+            </a:pPr>
+          </a:p>
+        </p:txBody>
+      </p:sp>
+      <p:sp>
+        <p:nvSpPr>
+          <p:cNvPr id="348" name="多参数的单行箭头函数"/>
+          <p:cNvSpPr txBox="1"/>
+          <p:nvPr/>
+        </p:nvSpPr>
+        <p:spPr>
+          <a:xfrm>
+            <a:off x="3335448" y="6621098"/>
+            <a:ext cx="19471734" cy="812801"/>
           </a:xfrm>
           <a:prstGeom prst="rect">
             <a:avLst/>
@@ -9775,220 +9743,21 @@
           <a:p>
             <a:pPr/>
             <a:r>
-              <a:t>实参是我们调用函数时所传递给函数的值</a:t>
-            </a:r>
-          </a:p>
-        </p:txBody>
-      </p:sp>
-      <p:pic>
-        <p:nvPicPr>
-          <p:cNvPr id="350" name="1.png" descr="1.png"/>
-          <p:cNvPicPr>
-            <a:picLocks noChangeAspect="1"/>
-          </p:cNvPicPr>
-          <p:nvPr/>
-        </p:nvPicPr>
-        <p:blipFill>
-          <a:blip r:embed="rId4">
-            <a:extLst/>
-          </a:blip>
-          <a:stretch>
-            <a:fillRect/>
-          </a:stretch>
-        </p:blipFill>
-        <p:spPr>
-          <a:xfrm>
-            <a:off x="16056937" y="7811917"/>
-            <a:ext cx="7143037" cy="4498594"/>
-          </a:xfrm>
-          <a:prstGeom prst="rect">
-            <a:avLst/>
-          </a:prstGeom>
-          <a:ln w="12700">
-            <a:miter lim="400000"/>
-          </a:ln>
-        </p:spPr>
-      </p:pic>
-      <p:sp>
-        <p:nvSpPr>
-          <p:cNvPr id="351" name="线条"/>
-          <p:cNvSpPr/>
-          <p:nvPr/>
-        </p:nvSpPr>
-        <p:spPr>
-          <a:xfrm flipV="1">
-            <a:off x="20976792" y="8305168"/>
-            <a:ext cx="1" cy="1168401"/>
-          </a:xfrm>
-          <a:prstGeom prst="line">
-            <a:avLst/>
-          </a:prstGeom>
-          <a:ln w="101600">
-            <a:solidFill>
-              <a:srgbClr val="FF2C34"/>
-            </a:solidFill>
-            <a:miter lim="400000"/>
-            <a:tailEnd type="triangle"/>
-          </a:ln>
-        </p:spPr>
-        <p:txBody>
-          <a:bodyPr lIns="50800" tIns="50800" rIns="50800" bIns="50800" anchor="ctr"/>
-          <a:lstStyle/>
-          <a:p>
-            <a:pPr>
-              <a:defRPr b="0" sz="3200">
-                <a:latin typeface="+mn-lt"/>
-                <a:ea typeface="+mn-ea"/>
-                <a:cs typeface="+mn-cs"/>
-                <a:sym typeface="Helvetica Neue Medium"/>
-              </a:defRPr>
-            </a:pPr>
-          </a:p>
-        </p:txBody>
-      </p:sp>
-      <p:sp>
-        <p:nvSpPr>
-          <p:cNvPr id="352" name="形参"/>
-          <p:cNvSpPr txBox="1"/>
-          <p:nvPr/>
-        </p:nvSpPr>
-        <p:spPr>
-          <a:xfrm>
-            <a:off x="20487110" y="7737196"/>
-            <a:ext cx="14490811" cy="812801"/>
-          </a:xfrm>
-          <a:prstGeom prst="rect">
-            <a:avLst/>
-          </a:prstGeom>
-          <a:ln w="12700">
-            <a:miter lim="400000"/>
-          </a:ln>
-          <a:extLst>
-            <a:ext uri="{C572A759-6A51-4108-AA02-DFA0A04FC94B}">
-              <ma14:wrappingTextBoxFlag xmlns:ma14="http://schemas.microsoft.com/office/mac/drawingml/2011/main" val="1"/>
-            </a:ext>
-          </a:extLst>
-        </p:spPr>
-        <p:txBody>
-          <a:bodyPr lIns="50800" tIns="50800" rIns="50800" bIns="50800" anchor="ctr">
-            <a:spAutoFit/>
-          </a:bodyPr>
-          <a:lstStyle>
-            <a:lvl1pPr algn="l">
-              <a:defRPr sz="4000">
-                <a:solidFill>
-                  <a:schemeClr val="accent5">
-                    <a:hueOff val="-36178"/>
-                    <a:satOff val="6507"/>
-                    <a:lumOff val="-23518"/>
-                  </a:schemeClr>
-                </a:solidFill>
-              </a:defRPr>
-            </a:lvl1pPr>
-          </a:lstStyle>
-          <a:p>
-            <a:pPr/>
-            <a:r>
-              <a:t>形参</a:t>
-            </a:r>
-          </a:p>
-        </p:txBody>
-      </p:sp>
-      <p:sp>
-        <p:nvSpPr>
-          <p:cNvPr id="353" name="线条"/>
-          <p:cNvSpPr/>
-          <p:nvPr/>
-        </p:nvSpPr>
-        <p:spPr>
-          <a:xfrm>
-            <a:off x="19185951" y="11576168"/>
-            <a:ext cx="1333338" cy="1"/>
-          </a:xfrm>
-          <a:prstGeom prst="line">
-            <a:avLst/>
-          </a:prstGeom>
-          <a:ln w="101600">
-            <a:solidFill>
-              <a:srgbClr val="FF2C34"/>
-            </a:solidFill>
-            <a:miter lim="400000"/>
-            <a:tailEnd type="triangle"/>
-          </a:ln>
-        </p:spPr>
-        <p:txBody>
-          <a:bodyPr lIns="50800" tIns="50800" rIns="50800" bIns="50800" anchor="ctr"/>
-          <a:lstStyle/>
-          <a:p>
-            <a:pPr>
-              <a:defRPr b="0" sz="3200">
-                <a:latin typeface="+mn-lt"/>
-                <a:ea typeface="+mn-ea"/>
-                <a:cs typeface="+mn-cs"/>
-                <a:sym typeface="Helvetica Neue Medium"/>
-              </a:defRPr>
-            </a:pPr>
-          </a:p>
-        </p:txBody>
-      </p:sp>
-      <p:sp>
-        <p:nvSpPr>
-          <p:cNvPr id="354" name="实参"/>
-          <p:cNvSpPr txBox="1"/>
-          <p:nvPr/>
-        </p:nvSpPr>
-        <p:spPr>
-          <a:xfrm>
-            <a:off x="20439760" y="11169768"/>
-            <a:ext cx="1746609" cy="812801"/>
-          </a:xfrm>
-          <a:prstGeom prst="rect">
-            <a:avLst/>
-          </a:prstGeom>
-          <a:ln w="12700">
-            <a:miter lim="400000"/>
-          </a:ln>
-          <a:extLst>
-            <a:ext uri="{C572A759-6A51-4108-AA02-DFA0A04FC94B}">
-              <ma14:wrappingTextBoxFlag xmlns:ma14="http://schemas.microsoft.com/office/mac/drawingml/2011/main" val="1"/>
-            </a:ext>
-          </a:extLst>
-        </p:spPr>
-        <p:txBody>
-          <a:bodyPr lIns="50800" tIns="50800" rIns="50800" bIns="50800" anchor="ctr">
-            <a:spAutoFit/>
-          </a:bodyPr>
-          <a:lstStyle>
-            <a:lvl1pPr algn="l">
-              <a:defRPr sz="4000">
-                <a:solidFill>
-                  <a:schemeClr val="accent5">
-                    <a:hueOff val="-36178"/>
-                    <a:satOff val="6507"/>
-                    <a:lumOff val="-23518"/>
-                  </a:schemeClr>
-                </a:solidFill>
-              </a:defRPr>
-            </a:lvl1pPr>
-          </a:lstStyle>
-          <a:p>
-            <a:pPr/>
-            <a:r>
-              <a:t>实参</a:t>
-            </a:r>
-          </a:p>
-        </p:txBody>
-      </p:sp>
-      <p:sp>
-        <p:nvSpPr>
-          <p:cNvPr id="355" name="实参的数量大于或小于形参的数量并不会报错"/>
-          <p:cNvSpPr txBox="1"/>
-          <p:nvPr/>
-        </p:nvSpPr>
-        <p:spPr>
-          <a:xfrm>
-            <a:off x="3335448" y="7467600"/>
-            <a:ext cx="14490811" cy="812801"/>
+              <a:t>多参数的单行箭头函数</a:t>
+            </a:r>
+          </a:p>
+        </p:txBody>
+      </p:sp>
+      <p:sp>
+        <p:nvSpPr>
+          <p:cNvPr id="349" name="多行箭头函数"/>
+          <p:cNvSpPr txBox="1"/>
+          <p:nvPr/>
+        </p:nvSpPr>
+        <p:spPr>
+          <a:xfrm>
+            <a:off x="3335448" y="7886399"/>
+            <a:ext cx="19471734" cy="812801"/>
           </a:xfrm>
           <a:prstGeom prst="rect">
             <a:avLst/>
@@ -10020,46 +9789,54 @@
           <a:p>
             <a:pPr/>
             <a:r>
-              <a:t>实参的数量大于或小于形参的数量并不会报错</a:t>
-            </a:r>
-          </a:p>
-        </p:txBody>
-      </p:sp>
-      <p:sp>
-        <p:nvSpPr>
-          <p:cNvPr id="356" name="圆形"/>
-          <p:cNvSpPr/>
-          <p:nvPr/>
-        </p:nvSpPr>
-        <p:spPr>
-          <a:xfrm>
-            <a:off x="2612859" y="7732115"/>
-            <a:ext cx="283770" cy="283770"/>
-          </a:xfrm>
-          <a:prstGeom prst="ellipse">
-            <a:avLst/>
-          </a:prstGeom>
-          <a:solidFill>
-            <a:srgbClr val="FFFFFF">
-              <a:alpha val="60876"/>
-            </a:srgbClr>
-          </a:solidFill>
-          <a:ln w="12700">
-            <a:miter lim="400000"/>
-          </a:ln>
-        </p:spPr>
-        <p:txBody>
-          <a:bodyPr lIns="50800" tIns="50800" rIns="50800" bIns="50800" anchor="ctr"/>
-          <a:lstStyle/>
-          <a:p>
-            <a:pPr>
-              <a:defRPr b="0" sz="3200">
-                <a:latin typeface="+mn-lt"/>
-                <a:ea typeface="+mn-ea"/>
-                <a:cs typeface="+mn-cs"/>
-                <a:sym typeface="Helvetica Neue Medium"/>
+              <a:t>多行箭头函数</a:t>
+            </a:r>
+          </a:p>
+        </p:txBody>
+      </p:sp>
+      <p:sp>
+        <p:nvSpPr>
+          <p:cNvPr id="350" name="无参数箭头函数"/>
+          <p:cNvSpPr txBox="1"/>
+          <p:nvPr/>
+        </p:nvSpPr>
+        <p:spPr>
+          <a:xfrm>
+            <a:off x="3335448" y="9151699"/>
+            <a:ext cx="19471734" cy="812801"/>
+          </a:xfrm>
+          <a:prstGeom prst="rect">
+            <a:avLst/>
+          </a:prstGeom>
+          <a:ln w="12700">
+            <a:miter lim="400000"/>
+          </a:ln>
+          <a:extLst>
+            <a:ext uri="{C572A759-6A51-4108-AA02-DFA0A04FC94B}">
+              <ma14:wrappingTextBoxFlag xmlns:ma14="http://schemas.microsoft.com/office/mac/drawingml/2011/main" val="1"/>
+            </a:ext>
+          </a:extLst>
+        </p:spPr>
+        <p:txBody>
+          <a:bodyPr lIns="50800" tIns="50800" rIns="50800" bIns="50800" anchor="ctr">
+            <a:spAutoFit/>
+          </a:bodyPr>
+          <a:lstStyle>
+            <a:lvl1pPr algn="l">
+              <a:defRPr sz="4000">
+                <a:solidFill>
+                  <a:srgbClr val="FFFFFF">
+                    <a:alpha val="50000"/>
+                  </a:srgbClr>
+                </a:solidFill>
               </a:defRPr>
-            </a:pPr>
+            </a:lvl1pPr>
+          </a:lstStyle>
+          <a:p>
+            <a:pPr/>
+            <a:r>
+              <a:t>无参数箭头函数</a:t>
+            </a:r>
           </a:p>
         </p:txBody>
       </p:sp>
@@ -10102,7 +9879,7 @@
       </p:grpSpPr>
       <p:sp>
         <p:nvSpPr>
-          <p:cNvPr id="358" name="追梦课堂   临汾首家专业的web前端培训机构                                                          www.zmclass.com"/>
+          <p:cNvPr id="352" name="追梦课堂   临汾首家专业的web前端培训机构                                                          www.zmclass.com"/>
           <p:cNvSpPr txBox="1"/>
           <p:nvPr/>
         </p:nvSpPr>
@@ -10173,7 +9950,7 @@
       </p:sp>
       <p:sp>
         <p:nvSpPr>
-          <p:cNvPr id="359" name="幻灯片编号"/>
+          <p:cNvPr id="353" name="幻灯片编号"/>
           <p:cNvSpPr txBox="1"/>
           <p:nvPr>
             <p:ph type="sldNum" sz="quarter" idx="2"/>
@@ -10200,14 +9977,14 @@
       </p:sp>
       <p:sp>
         <p:nvSpPr>
-          <p:cNvPr id="360" name="Rest参数(剩余参数) …"/>
-          <p:cNvSpPr txBox="1"/>
-          <p:nvPr/>
-        </p:nvSpPr>
-        <p:spPr>
-          <a:xfrm>
-            <a:off x="2276759" y="3470381"/>
-            <a:ext cx="15656269" cy="1168401"/>
+          <p:cNvPr id="354" name="Eg"/>
+          <p:cNvSpPr txBox="1"/>
+          <p:nvPr/>
+        </p:nvSpPr>
+        <p:spPr>
+          <a:xfrm>
+            <a:off x="2276759" y="3544932"/>
+            <a:ext cx="11064323" cy="1019298"/>
           </a:xfrm>
           <a:prstGeom prst="rect">
             <a:avLst/>
@@ -10233,14 +10010,14 @@
           <a:p>
             <a:pPr/>
             <a:r>
-              <a:t>Rest参数(剩余参数) …</a:t>
-            </a:r>
-          </a:p>
-        </p:txBody>
-      </p:sp>
-      <p:sp>
-        <p:nvSpPr>
-          <p:cNvPr id="361" name="矩形"/>
+              <a:t>Eg</a:t>
+            </a:r>
+          </a:p>
+        </p:txBody>
+      </p:sp>
+      <p:sp>
+        <p:nvSpPr>
+          <p:cNvPr id="355" name="矩形"/>
           <p:cNvSpPr/>
           <p:nvPr/>
         </p:nvSpPr>
@@ -10278,93 +10055,9 @@
           </a:p>
         </p:txBody>
       </p:sp>
-      <p:sp>
-        <p:nvSpPr>
-          <p:cNvPr id="362" name="只有函数的最后一个参数才能是剩余参数，把…放到不是最后一个形参之前都会报错"/>
-          <p:cNvSpPr txBox="1"/>
-          <p:nvPr/>
-        </p:nvSpPr>
-        <p:spPr>
-          <a:xfrm>
-            <a:off x="3335448" y="5355797"/>
-            <a:ext cx="19296898" cy="812801"/>
-          </a:xfrm>
-          <a:prstGeom prst="rect">
-            <a:avLst/>
-          </a:prstGeom>
-          <a:ln w="12700">
-            <a:miter lim="400000"/>
-          </a:ln>
-          <a:extLst>
-            <a:ext uri="{C572A759-6A51-4108-AA02-DFA0A04FC94B}">
-              <ma14:wrappingTextBoxFlag xmlns:ma14="http://schemas.microsoft.com/office/mac/drawingml/2011/main" val="1"/>
-            </a:ext>
-          </a:extLst>
-        </p:spPr>
-        <p:txBody>
-          <a:bodyPr lIns="50800" tIns="50800" rIns="50800" bIns="50800" anchor="ctr">
-            <a:spAutoFit/>
-          </a:bodyPr>
-          <a:lstStyle>
-            <a:lvl1pPr algn="l">
-              <a:defRPr sz="4000">
-                <a:solidFill>
-                  <a:srgbClr val="FFFFFF">
-                    <a:alpha val="50000"/>
-                  </a:srgbClr>
-                </a:solidFill>
-              </a:defRPr>
-            </a:lvl1pPr>
-          </a:lstStyle>
-          <a:p>
-            <a:pPr/>
-            <a:r>
-              <a:t>只有函数的最后一个参数才能是剩余参数，把…放到不是最后一个形参之前都会报错</a:t>
-            </a:r>
-          </a:p>
-        </p:txBody>
-      </p:sp>
-      <p:sp>
-        <p:nvSpPr>
-          <p:cNvPr id="363" name="圆形"/>
-          <p:cNvSpPr/>
-          <p:nvPr/>
-        </p:nvSpPr>
-        <p:spPr>
-          <a:xfrm>
-            <a:off x="2612859" y="5620313"/>
-            <a:ext cx="283770" cy="283769"/>
-          </a:xfrm>
-          <a:prstGeom prst="ellipse">
-            <a:avLst/>
-          </a:prstGeom>
-          <a:solidFill>
-            <a:srgbClr val="FFFFFF">
-              <a:alpha val="60876"/>
-            </a:srgbClr>
-          </a:solidFill>
-          <a:ln w="12700">
-            <a:miter lim="400000"/>
-          </a:ln>
-        </p:spPr>
-        <p:txBody>
-          <a:bodyPr lIns="50800" tIns="50800" rIns="50800" bIns="50800" anchor="ctr"/>
-          <a:lstStyle/>
-          <a:p>
-            <a:pPr>
-              <a:defRPr b="0" sz="3200">
-                <a:latin typeface="+mn-lt"/>
-                <a:ea typeface="+mn-ea"/>
-                <a:cs typeface="+mn-cs"/>
-                <a:sym typeface="Helvetica Neue Medium"/>
-              </a:defRPr>
-            </a:pPr>
-          </a:p>
-        </p:txBody>
-      </p:sp>
       <p:pic>
         <p:nvPicPr>
-          <p:cNvPr id="364" name="1.png" descr="1.png"/>
+          <p:cNvPr id="356" name="2.png" descr="2.png"/>
           <p:cNvPicPr>
             <a:picLocks noChangeAspect="1"/>
           </p:cNvPicPr>
@@ -10380,8 +10073,95 @@
         </p:blipFill>
         <p:spPr>
           <a:xfrm>
-            <a:off x="3302817" y="7213275"/>
-            <a:ext cx="12241607" cy="3872347"/>
+            <a:off x="2582134" y="5292887"/>
+            <a:ext cx="8659144" cy="1038034"/>
+          </a:xfrm>
+          <a:prstGeom prst="rect">
+            <a:avLst/>
+          </a:prstGeom>
+          <a:ln w="12700">
+            <a:miter lim="400000"/>
+          </a:ln>
+        </p:spPr>
+      </p:pic>
+      <p:pic>
+        <p:nvPicPr>
+          <p:cNvPr id="357" name="1.png" descr="1.png"/>
+          <p:cNvPicPr>
+            <a:picLocks noChangeAspect="1"/>
+          </p:cNvPicPr>
+          <p:nvPr/>
+        </p:nvPicPr>
+        <p:blipFill>
+          <a:blip r:embed="rId5">
+            <a:extLst/>
+          </a:blip>
+          <a:stretch>
+            <a:fillRect/>
+          </a:stretch>
+        </p:blipFill>
+        <p:spPr>
+          <a:xfrm>
+            <a:off x="2587356" y="7059578"/>
+            <a:ext cx="8648701" cy="3835401"/>
+          </a:xfrm>
+          <a:prstGeom prst="rect">
+            <a:avLst/>
+          </a:prstGeom>
+          <a:ln w="12700">
+            <a:miter lim="400000"/>
+          </a:ln>
+        </p:spPr>
+      </p:pic>
+      <p:pic>
+        <p:nvPicPr>
+          <p:cNvPr id="358" name="3.png" descr="3.png"/>
+          <p:cNvPicPr>
+            <a:picLocks noChangeAspect="1"/>
+          </p:cNvPicPr>
+          <p:nvPr/>
+        </p:nvPicPr>
+        <p:blipFill>
+          <a:blip r:embed="rId6">
+            <a:extLst/>
+          </a:blip>
+          <a:stretch>
+            <a:fillRect/>
+          </a:stretch>
+        </p:blipFill>
+        <p:spPr>
+          <a:xfrm>
+            <a:off x="12628605" y="5292887"/>
+            <a:ext cx="10833101" cy="1600201"/>
+          </a:xfrm>
+          <a:prstGeom prst="rect">
+            <a:avLst/>
+          </a:prstGeom>
+          <a:ln w="12700">
+            <a:miter lim="400000"/>
+          </a:ln>
+        </p:spPr>
+      </p:pic>
+      <p:pic>
+        <p:nvPicPr>
+          <p:cNvPr id="359" name="4.png" descr="4.png"/>
+          <p:cNvPicPr>
+            <a:picLocks noChangeAspect="1"/>
+          </p:cNvPicPr>
+          <p:nvPr/>
+        </p:nvPicPr>
+        <p:blipFill>
+          <a:blip r:embed="rId7">
+            <a:extLst/>
+          </a:blip>
+          <a:stretch>
+            <a:fillRect/>
+          </a:stretch>
+        </p:blipFill>
+        <p:spPr>
+          <a:xfrm>
+            <a:off x="12234905" y="8060640"/>
+            <a:ext cx="11620501" cy="2476501"/>
           </a:xfrm>
           <a:prstGeom prst="rect">
             <a:avLst/>
@@ -10430,7 +10210,7 @@
       </p:grpSpPr>
       <p:sp>
         <p:nvSpPr>
-          <p:cNvPr id="366" name="追梦课堂   临汾首家专业的web前端培训机构                                                          www.zmclass.com"/>
+          <p:cNvPr id="361" name="追梦课堂   临汾首家专业的web前端培训机构                                                          www.zmclass.com"/>
           <p:cNvSpPr txBox="1"/>
           <p:nvPr/>
         </p:nvSpPr>
@@ -10501,7 +10281,7 @@
       </p:sp>
       <p:sp>
         <p:nvSpPr>
-          <p:cNvPr id="367" name="幻灯片编号"/>
+          <p:cNvPr id="362" name="幻灯片编号"/>
           <p:cNvSpPr txBox="1"/>
           <p:nvPr>
             <p:ph type="sldNum" sz="quarter" idx="2"/>
@@ -10528,7 +10308,7 @@
       </p:sp>
       <p:sp>
         <p:nvSpPr>
-          <p:cNvPr id="368" name="默认值"/>
+          <p:cNvPr id="363" name="函数的实参(argument)和形参(parameter)"/>
           <p:cNvSpPr txBox="1"/>
           <p:nvPr/>
         </p:nvSpPr>
@@ -10561,14 +10341,14 @@
           <a:p>
             <a:pPr/>
             <a:r>
-              <a:t>默认值</a:t>
-            </a:r>
-          </a:p>
-        </p:txBody>
-      </p:sp>
-      <p:sp>
-        <p:nvSpPr>
-          <p:cNvPr id="369" name="矩形"/>
+              <a:t>函数的实参(argument)和形参(parameter)</a:t>
+            </a:r>
+          </a:p>
+        </p:txBody>
+      </p:sp>
+      <p:sp>
+        <p:nvSpPr>
+          <p:cNvPr id="364" name="矩形"/>
           <p:cNvSpPr/>
           <p:nvPr/>
         </p:nvSpPr>
@@ -10608,14 +10388,14 @@
       </p:sp>
       <p:sp>
         <p:nvSpPr>
-          <p:cNvPr id="370" name="如何未提供值，那么默认值时 undefined"/>
+          <p:cNvPr id="365" name="形参是我们定义函数时所列举的变量"/>
           <p:cNvSpPr txBox="1"/>
           <p:nvPr/>
         </p:nvSpPr>
         <p:spPr>
           <a:xfrm>
             <a:off x="3335448" y="5355797"/>
-            <a:ext cx="19296898" cy="812801"/>
+            <a:ext cx="14490811" cy="812801"/>
           </a:xfrm>
           <a:prstGeom prst="rect">
             <a:avLst/>
@@ -10647,14 +10427,14 @@
           <a:p>
             <a:pPr/>
             <a:r>
-              <a:t>如何未提供值，那么默认值时 undefined</a:t>
-            </a:r>
-          </a:p>
-        </p:txBody>
-      </p:sp>
-      <p:sp>
-        <p:nvSpPr>
-          <p:cNvPr id="371" name="圆形"/>
+              <a:t>形参是我们定义函数时所列举的变量</a:t>
+            </a:r>
+          </a:p>
+        </p:txBody>
+      </p:sp>
+      <p:sp>
+        <p:nvSpPr>
+          <p:cNvPr id="366" name="圆形"/>
           <p:cNvSpPr/>
           <p:nvPr/>
         </p:nvSpPr>
@@ -10690,103 +10470,54 @@
           </a:p>
         </p:txBody>
       </p:sp>
-      <p:pic>
-        <p:nvPicPr>
-          <p:cNvPr id="372" name="1.png" descr="1.png"/>
-          <p:cNvPicPr>
-            <a:picLocks noChangeAspect="1"/>
-          </p:cNvPicPr>
-          <p:nvPr/>
-        </p:nvPicPr>
-        <p:blipFill>
-          <a:blip r:embed="rId4">
-            <a:extLst/>
-          </a:blip>
-          <a:stretch>
-            <a:fillRect/>
-          </a:stretch>
-        </p:blipFill>
-        <p:spPr>
-          <a:xfrm>
-            <a:off x="2003707" y="9491291"/>
-            <a:ext cx="6799911" cy="2244540"/>
-          </a:xfrm>
-          <a:prstGeom prst="rect">
-            <a:avLst/>
-          </a:prstGeom>
-          <a:ln w="12700">
-            <a:miter lim="400000"/>
-          </a:ln>
-        </p:spPr>
-      </p:pic>
-      <p:pic>
-        <p:nvPicPr>
-          <p:cNvPr id="373" name="2.png" descr="2.png"/>
-          <p:cNvPicPr>
-            <a:picLocks noChangeAspect="1"/>
-          </p:cNvPicPr>
-          <p:nvPr/>
-        </p:nvPicPr>
-        <p:blipFill>
-          <a:blip r:embed="rId5">
-            <a:extLst/>
-          </a:blip>
-          <a:stretch>
-            <a:fillRect/>
-          </a:stretch>
-        </p:blipFill>
-        <p:spPr>
-          <a:xfrm>
-            <a:off x="9663532" y="8962561"/>
-            <a:ext cx="6184901" cy="3302001"/>
-          </a:xfrm>
-          <a:prstGeom prst="rect">
-            <a:avLst/>
-          </a:prstGeom>
-          <a:ln w="12700">
-            <a:miter lim="400000"/>
-          </a:ln>
-        </p:spPr>
-      </p:pic>
-      <p:pic>
-        <p:nvPicPr>
-          <p:cNvPr id="374" name="1.png" descr="1.png"/>
-          <p:cNvPicPr>
-            <a:picLocks noChangeAspect="1"/>
-          </p:cNvPicPr>
-          <p:nvPr/>
-        </p:nvPicPr>
-        <p:blipFill>
-          <a:blip r:embed="rId6">
-            <a:extLst/>
-          </a:blip>
-          <a:stretch>
-            <a:fillRect/>
-          </a:stretch>
-        </p:blipFill>
-        <p:spPr>
-          <a:xfrm>
-            <a:off x="16708347" y="9413411"/>
-            <a:ext cx="6858001" cy="2400301"/>
-          </a:xfrm>
-          <a:prstGeom prst="rect">
-            <a:avLst/>
-          </a:prstGeom>
-          <a:ln w="12700">
-            <a:miter lim="400000"/>
-          </a:ln>
-        </p:spPr>
-      </p:pic>
-      <p:sp>
-        <p:nvSpPr>
-          <p:cNvPr id="375" name="要创建默认参数，需要添加等号 ( = ) 以及当参数未提供时参数应该设为的默认值"/>
+      <p:sp>
+        <p:nvSpPr>
+          <p:cNvPr id="367" name="圆形"/>
+          <p:cNvSpPr/>
+          <p:nvPr/>
+        </p:nvSpPr>
+        <p:spPr>
+          <a:xfrm>
+            <a:off x="2612859" y="6716115"/>
+            <a:ext cx="283770" cy="283770"/>
+          </a:xfrm>
+          <a:prstGeom prst="ellipse">
+            <a:avLst/>
+          </a:prstGeom>
+          <a:solidFill>
+            <a:srgbClr val="FFFFFF">
+              <a:alpha val="60876"/>
+            </a:srgbClr>
+          </a:solidFill>
+          <a:ln w="12700">
+            <a:miter lim="400000"/>
+          </a:ln>
+        </p:spPr>
+        <p:txBody>
+          <a:bodyPr lIns="50800" tIns="50800" rIns="50800" bIns="50800" anchor="ctr"/>
+          <a:lstStyle/>
+          <a:p>
+            <a:pPr>
+              <a:defRPr b="0" sz="3200">
+                <a:latin typeface="+mn-lt"/>
+                <a:ea typeface="+mn-ea"/>
+                <a:cs typeface="+mn-cs"/>
+                <a:sym typeface="Helvetica Neue Medium"/>
+              </a:defRPr>
+            </a:pPr>
+          </a:p>
+        </p:txBody>
+      </p:sp>
+      <p:sp>
+        <p:nvSpPr>
+          <p:cNvPr id="368" name="实参是我们调用函数时所传递给函数的值"/>
           <p:cNvSpPr txBox="1"/>
           <p:nvPr/>
         </p:nvSpPr>
         <p:spPr>
           <a:xfrm>
             <a:off x="3335448" y="6451600"/>
-            <a:ext cx="19296898" cy="812801"/>
+            <a:ext cx="14490811" cy="812801"/>
           </a:xfrm>
           <a:prstGeom prst="rect">
             <a:avLst/>
@@ -10818,20 +10549,265 @@
           <a:p>
             <a:pPr/>
             <a:r>
-              <a:t>要创建默认参数，需要添加等号 ( = ) 以及当参数未提供时参数应该设为的默认值</a:t>
-            </a:r>
-          </a:p>
-        </p:txBody>
-      </p:sp>
-      <p:sp>
-        <p:nvSpPr>
-          <p:cNvPr id="376" name="圆形"/>
+              <a:t>实参是我们调用函数时所传递给函数的值</a:t>
+            </a:r>
+          </a:p>
+        </p:txBody>
+      </p:sp>
+      <p:pic>
+        <p:nvPicPr>
+          <p:cNvPr id="369" name="1.png" descr="1.png"/>
+          <p:cNvPicPr>
+            <a:picLocks noChangeAspect="1"/>
+          </p:cNvPicPr>
+          <p:nvPr/>
+        </p:nvPicPr>
+        <p:blipFill>
+          <a:blip r:embed="rId4">
+            <a:extLst/>
+          </a:blip>
+          <a:stretch>
+            <a:fillRect/>
+          </a:stretch>
+        </p:blipFill>
+        <p:spPr>
+          <a:xfrm>
+            <a:off x="16056937" y="7811917"/>
+            <a:ext cx="7143037" cy="4498594"/>
+          </a:xfrm>
+          <a:prstGeom prst="rect">
+            <a:avLst/>
+          </a:prstGeom>
+          <a:ln w="12700">
+            <a:miter lim="400000"/>
+          </a:ln>
+        </p:spPr>
+      </p:pic>
+      <p:sp>
+        <p:nvSpPr>
+          <p:cNvPr id="370" name="线条"/>
           <p:cNvSpPr/>
           <p:nvPr/>
         </p:nvSpPr>
         <p:spPr>
-          <a:xfrm>
-            <a:off x="2612859" y="6716115"/>
+          <a:xfrm flipV="1">
+            <a:off x="20976792" y="8305168"/>
+            <a:ext cx="1" cy="1168401"/>
+          </a:xfrm>
+          <a:prstGeom prst="line">
+            <a:avLst/>
+          </a:prstGeom>
+          <a:ln w="101600">
+            <a:solidFill>
+              <a:srgbClr val="FF2C34"/>
+            </a:solidFill>
+            <a:miter lim="400000"/>
+            <a:tailEnd type="triangle"/>
+          </a:ln>
+        </p:spPr>
+        <p:txBody>
+          <a:bodyPr lIns="50800" tIns="50800" rIns="50800" bIns="50800" anchor="ctr"/>
+          <a:lstStyle/>
+          <a:p>
+            <a:pPr>
+              <a:defRPr b="0" sz="3200">
+                <a:latin typeface="+mn-lt"/>
+                <a:ea typeface="+mn-ea"/>
+                <a:cs typeface="+mn-cs"/>
+                <a:sym typeface="Helvetica Neue Medium"/>
+              </a:defRPr>
+            </a:pPr>
+          </a:p>
+        </p:txBody>
+      </p:sp>
+      <p:sp>
+        <p:nvSpPr>
+          <p:cNvPr id="371" name="形参"/>
+          <p:cNvSpPr txBox="1"/>
+          <p:nvPr/>
+        </p:nvSpPr>
+        <p:spPr>
+          <a:xfrm>
+            <a:off x="20487110" y="7737196"/>
+            <a:ext cx="14490811" cy="812801"/>
+          </a:xfrm>
+          <a:prstGeom prst="rect">
+            <a:avLst/>
+          </a:prstGeom>
+          <a:ln w="12700">
+            <a:miter lim="400000"/>
+          </a:ln>
+          <a:extLst>
+            <a:ext uri="{C572A759-6A51-4108-AA02-DFA0A04FC94B}">
+              <ma14:wrappingTextBoxFlag xmlns:ma14="http://schemas.microsoft.com/office/mac/drawingml/2011/main" val="1"/>
+            </a:ext>
+          </a:extLst>
+        </p:spPr>
+        <p:txBody>
+          <a:bodyPr lIns="50800" tIns="50800" rIns="50800" bIns="50800" anchor="ctr">
+            <a:spAutoFit/>
+          </a:bodyPr>
+          <a:lstStyle>
+            <a:lvl1pPr algn="l">
+              <a:defRPr sz="4000">
+                <a:solidFill>
+                  <a:schemeClr val="accent5">
+                    <a:hueOff val="-36178"/>
+                    <a:satOff val="6507"/>
+                    <a:lumOff val="-23518"/>
+                  </a:schemeClr>
+                </a:solidFill>
+              </a:defRPr>
+            </a:lvl1pPr>
+          </a:lstStyle>
+          <a:p>
+            <a:pPr/>
+            <a:r>
+              <a:t>形参</a:t>
+            </a:r>
+          </a:p>
+        </p:txBody>
+      </p:sp>
+      <p:sp>
+        <p:nvSpPr>
+          <p:cNvPr id="372" name="线条"/>
+          <p:cNvSpPr/>
+          <p:nvPr/>
+        </p:nvSpPr>
+        <p:spPr>
+          <a:xfrm>
+            <a:off x="19185951" y="11576168"/>
+            <a:ext cx="1333338" cy="1"/>
+          </a:xfrm>
+          <a:prstGeom prst="line">
+            <a:avLst/>
+          </a:prstGeom>
+          <a:ln w="101600">
+            <a:solidFill>
+              <a:srgbClr val="FF2C34"/>
+            </a:solidFill>
+            <a:miter lim="400000"/>
+            <a:tailEnd type="triangle"/>
+          </a:ln>
+        </p:spPr>
+        <p:txBody>
+          <a:bodyPr lIns="50800" tIns="50800" rIns="50800" bIns="50800" anchor="ctr"/>
+          <a:lstStyle/>
+          <a:p>
+            <a:pPr>
+              <a:defRPr b="0" sz="3200">
+                <a:latin typeface="+mn-lt"/>
+                <a:ea typeface="+mn-ea"/>
+                <a:cs typeface="+mn-cs"/>
+                <a:sym typeface="Helvetica Neue Medium"/>
+              </a:defRPr>
+            </a:pPr>
+          </a:p>
+        </p:txBody>
+      </p:sp>
+      <p:sp>
+        <p:nvSpPr>
+          <p:cNvPr id="373" name="实参"/>
+          <p:cNvSpPr txBox="1"/>
+          <p:nvPr/>
+        </p:nvSpPr>
+        <p:spPr>
+          <a:xfrm>
+            <a:off x="20439760" y="11169768"/>
+            <a:ext cx="1746609" cy="812801"/>
+          </a:xfrm>
+          <a:prstGeom prst="rect">
+            <a:avLst/>
+          </a:prstGeom>
+          <a:ln w="12700">
+            <a:miter lim="400000"/>
+          </a:ln>
+          <a:extLst>
+            <a:ext uri="{C572A759-6A51-4108-AA02-DFA0A04FC94B}">
+              <ma14:wrappingTextBoxFlag xmlns:ma14="http://schemas.microsoft.com/office/mac/drawingml/2011/main" val="1"/>
+            </a:ext>
+          </a:extLst>
+        </p:spPr>
+        <p:txBody>
+          <a:bodyPr lIns="50800" tIns="50800" rIns="50800" bIns="50800" anchor="ctr">
+            <a:spAutoFit/>
+          </a:bodyPr>
+          <a:lstStyle>
+            <a:lvl1pPr algn="l">
+              <a:defRPr sz="4000">
+                <a:solidFill>
+                  <a:schemeClr val="accent5">
+                    <a:hueOff val="-36178"/>
+                    <a:satOff val="6507"/>
+                    <a:lumOff val="-23518"/>
+                  </a:schemeClr>
+                </a:solidFill>
+              </a:defRPr>
+            </a:lvl1pPr>
+          </a:lstStyle>
+          <a:p>
+            <a:pPr/>
+            <a:r>
+              <a:t>实参</a:t>
+            </a:r>
+          </a:p>
+        </p:txBody>
+      </p:sp>
+      <p:sp>
+        <p:nvSpPr>
+          <p:cNvPr id="374" name="实参的数量大于或小于形参的数量并不会报错"/>
+          <p:cNvSpPr txBox="1"/>
+          <p:nvPr/>
+        </p:nvSpPr>
+        <p:spPr>
+          <a:xfrm>
+            <a:off x="3335448" y="7467600"/>
+            <a:ext cx="14490811" cy="812801"/>
+          </a:xfrm>
+          <a:prstGeom prst="rect">
+            <a:avLst/>
+          </a:prstGeom>
+          <a:ln w="12700">
+            <a:miter lim="400000"/>
+          </a:ln>
+          <a:extLst>
+            <a:ext uri="{C572A759-6A51-4108-AA02-DFA0A04FC94B}">
+              <ma14:wrappingTextBoxFlag xmlns:ma14="http://schemas.microsoft.com/office/mac/drawingml/2011/main" val="1"/>
+            </a:ext>
+          </a:extLst>
+        </p:spPr>
+        <p:txBody>
+          <a:bodyPr lIns="50800" tIns="50800" rIns="50800" bIns="50800" anchor="ctr">
+            <a:spAutoFit/>
+          </a:bodyPr>
+          <a:lstStyle>
+            <a:lvl1pPr algn="l">
+              <a:defRPr sz="4000">
+                <a:solidFill>
+                  <a:srgbClr val="FFFFFF">
+                    <a:alpha val="50000"/>
+                  </a:srgbClr>
+                </a:solidFill>
+              </a:defRPr>
+            </a:lvl1pPr>
+          </a:lstStyle>
+          <a:p>
+            <a:pPr/>
+            <a:r>
+              <a:t>实参的数量大于或小于形参的数量并不会报错</a:t>
+            </a:r>
+          </a:p>
+        </p:txBody>
+      </p:sp>
+      <p:sp>
+        <p:nvSpPr>
+          <p:cNvPr id="375" name="圆形"/>
+          <p:cNvSpPr/>
+          <p:nvPr/>
+        </p:nvSpPr>
+        <p:spPr>
+          <a:xfrm>
+            <a:off x="2612859" y="7732115"/>
             <a:ext cx="283770" cy="283770"/>
           </a:xfrm>
           <a:prstGeom prst="ellipse">
@@ -10900,7 +10876,7 @@
       </p:grpSpPr>
       <p:sp>
         <p:nvSpPr>
-          <p:cNvPr id="378" name="追梦课堂   临汾首家专业的web前端培训机构                                                          www.zmclass.com"/>
+          <p:cNvPr id="377" name="追梦课堂   临汾首家专业的web前端培训机构                                                          www.zmclass.com"/>
           <p:cNvSpPr txBox="1"/>
           <p:nvPr/>
         </p:nvSpPr>
@@ -10971,7 +10947,7 @@
       </p:sp>
       <p:sp>
         <p:nvSpPr>
-          <p:cNvPr id="379" name="幻灯片编号"/>
+          <p:cNvPr id="378" name="幻灯片编号"/>
           <p:cNvSpPr txBox="1"/>
           <p:nvPr>
             <p:ph type="sldNum" sz="quarter" idx="2"/>
@@ -10998,7 +10974,7 @@
       </p:sp>
       <p:sp>
         <p:nvSpPr>
-          <p:cNvPr id="380" name="默认值与解构数组"/>
+          <p:cNvPr id="379" name="Rest参数(剩余参数) …"/>
           <p:cNvSpPr txBox="1"/>
           <p:nvPr/>
         </p:nvSpPr>
@@ -11031,14 +11007,14 @@
           <a:p>
             <a:pPr/>
             <a:r>
-              <a:t>默认值与解构数组</a:t>
-            </a:r>
-          </a:p>
-        </p:txBody>
-      </p:sp>
-      <p:sp>
-        <p:nvSpPr>
-          <p:cNvPr id="381" name="矩形"/>
+              <a:t>Rest参数(剩余参数) …</a:t>
+            </a:r>
+          </a:p>
+        </p:txBody>
+      </p:sp>
+      <p:sp>
+        <p:nvSpPr>
+          <p:cNvPr id="380" name="矩形"/>
           <p:cNvSpPr/>
           <p:nvPr/>
         </p:nvSpPr>
@@ -11076,9 +11052,93 @@
           </a:p>
         </p:txBody>
       </p:sp>
+      <p:sp>
+        <p:nvSpPr>
+          <p:cNvPr id="381" name="只有函数的最后一个参数才能是剩余参数，把…放到不是最后一个形参之前都会报错"/>
+          <p:cNvSpPr txBox="1"/>
+          <p:nvPr/>
+        </p:nvSpPr>
+        <p:spPr>
+          <a:xfrm>
+            <a:off x="3335448" y="5355797"/>
+            <a:ext cx="19296898" cy="812801"/>
+          </a:xfrm>
+          <a:prstGeom prst="rect">
+            <a:avLst/>
+          </a:prstGeom>
+          <a:ln w="12700">
+            <a:miter lim="400000"/>
+          </a:ln>
+          <a:extLst>
+            <a:ext uri="{C572A759-6A51-4108-AA02-DFA0A04FC94B}">
+              <ma14:wrappingTextBoxFlag xmlns:ma14="http://schemas.microsoft.com/office/mac/drawingml/2011/main" val="1"/>
+            </a:ext>
+          </a:extLst>
+        </p:spPr>
+        <p:txBody>
+          <a:bodyPr lIns="50800" tIns="50800" rIns="50800" bIns="50800" anchor="ctr">
+            <a:spAutoFit/>
+          </a:bodyPr>
+          <a:lstStyle>
+            <a:lvl1pPr algn="l">
+              <a:defRPr sz="4000">
+                <a:solidFill>
+                  <a:srgbClr val="FFFFFF">
+                    <a:alpha val="50000"/>
+                  </a:srgbClr>
+                </a:solidFill>
+              </a:defRPr>
+            </a:lvl1pPr>
+          </a:lstStyle>
+          <a:p>
+            <a:pPr/>
+            <a:r>
+              <a:t>只有函数的最后一个参数才能是剩余参数，把…放到不是最后一个形参之前都会报错</a:t>
+            </a:r>
+          </a:p>
+        </p:txBody>
+      </p:sp>
+      <p:sp>
+        <p:nvSpPr>
+          <p:cNvPr id="382" name="圆形"/>
+          <p:cNvSpPr/>
+          <p:nvPr/>
+        </p:nvSpPr>
+        <p:spPr>
+          <a:xfrm>
+            <a:off x="2612859" y="5620313"/>
+            <a:ext cx="283770" cy="283769"/>
+          </a:xfrm>
+          <a:prstGeom prst="ellipse">
+            <a:avLst/>
+          </a:prstGeom>
+          <a:solidFill>
+            <a:srgbClr val="FFFFFF">
+              <a:alpha val="60876"/>
+            </a:srgbClr>
+          </a:solidFill>
+          <a:ln w="12700">
+            <a:miter lim="400000"/>
+          </a:ln>
+        </p:spPr>
+        <p:txBody>
+          <a:bodyPr lIns="50800" tIns="50800" rIns="50800" bIns="50800" anchor="ctr"/>
+          <a:lstStyle/>
+          <a:p>
+            <a:pPr>
+              <a:defRPr b="0" sz="3200">
+                <a:latin typeface="+mn-lt"/>
+                <a:ea typeface="+mn-ea"/>
+                <a:cs typeface="+mn-cs"/>
+                <a:sym typeface="Helvetica Neue Medium"/>
+              </a:defRPr>
+            </a:pPr>
+          </a:p>
+        </p:txBody>
+      </p:sp>
       <p:pic>
         <p:nvPicPr>
-          <p:cNvPr id="382" name="1.png" descr="1.png"/>
+          <p:cNvPr id="383" name="1.png" descr="1.png"/>
           <p:cNvPicPr>
             <a:picLocks noChangeAspect="1"/>
           </p:cNvPicPr>
@@ -11094,37 +11154,8 @@
         </p:blipFill>
         <p:spPr>
           <a:xfrm>
-            <a:off x="1428004" y="6472890"/>
-            <a:ext cx="8921524" cy="5004418"/>
-          </a:xfrm>
-          <a:prstGeom prst="rect">
-            <a:avLst/>
-          </a:prstGeom>
-          <a:ln w="12700">
-            <a:miter lim="400000"/>
-          </a:ln>
-        </p:spPr>
-      </p:pic>
-      <p:pic>
-        <p:nvPicPr>
-          <p:cNvPr id="383" name="1.png" descr="1.png"/>
-          <p:cNvPicPr>
-            <a:picLocks noChangeAspect="1"/>
-          </p:cNvPicPr>
-          <p:nvPr/>
-        </p:nvPicPr>
-        <p:blipFill>
-          <a:blip r:embed="rId5">
-            <a:extLst/>
-          </a:blip>
-          <a:stretch>
-            <a:fillRect/>
-          </a:stretch>
-        </p:blipFill>
-        <p:spPr>
-          <a:xfrm>
-            <a:off x="12285881" y="7965448"/>
-            <a:ext cx="9575801" cy="2019301"/>
+            <a:off x="3302817" y="7213275"/>
+            <a:ext cx="12241607" cy="3872347"/>
           </a:xfrm>
           <a:prstGeom prst="rect">
             <a:avLst/>
@@ -11271,7 +11302,7 @@
       </p:sp>
       <p:sp>
         <p:nvSpPr>
-          <p:cNvPr id="387" name="默认值与解构对象 (推荐)"/>
+          <p:cNvPr id="387" name="默认值"/>
           <p:cNvSpPr txBox="1"/>
           <p:nvPr/>
         </p:nvSpPr>
@@ -11304,7 +11335,7 @@
           <a:p>
             <a:pPr/>
             <a:r>
-              <a:t>默认值与解构对象 (推荐)</a:t>
+              <a:t>默认值</a:t>
             </a:r>
           </a:p>
         </p:txBody>
@@ -11349,9 +11380,93 @@
           </a:p>
         </p:txBody>
       </p:sp>
+      <p:sp>
+        <p:nvSpPr>
+          <p:cNvPr id="389" name="如何未提供值，那么默认值时 undefined"/>
+          <p:cNvSpPr txBox="1"/>
+          <p:nvPr/>
+        </p:nvSpPr>
+        <p:spPr>
+          <a:xfrm>
+            <a:off x="3335448" y="5355797"/>
+            <a:ext cx="19296898" cy="812801"/>
+          </a:xfrm>
+          <a:prstGeom prst="rect">
+            <a:avLst/>
+          </a:prstGeom>
+          <a:ln w="12700">
+            <a:miter lim="400000"/>
+          </a:ln>
+          <a:extLst>
+            <a:ext uri="{C572A759-6A51-4108-AA02-DFA0A04FC94B}">
+              <ma14:wrappingTextBoxFlag xmlns:ma14="http://schemas.microsoft.com/office/mac/drawingml/2011/main" val="1"/>
+            </a:ext>
+          </a:extLst>
+        </p:spPr>
+        <p:txBody>
+          <a:bodyPr lIns="50800" tIns="50800" rIns="50800" bIns="50800" anchor="ctr">
+            <a:spAutoFit/>
+          </a:bodyPr>
+          <a:lstStyle>
+            <a:lvl1pPr algn="l">
+              <a:defRPr sz="4000">
+                <a:solidFill>
+                  <a:srgbClr val="FFFFFF">
+                    <a:alpha val="50000"/>
+                  </a:srgbClr>
+                </a:solidFill>
+              </a:defRPr>
+            </a:lvl1pPr>
+          </a:lstStyle>
+          <a:p>
+            <a:pPr/>
+            <a:r>
+              <a:t>如何未提供值，那么默认值时 undefined</a:t>
+            </a:r>
+          </a:p>
+        </p:txBody>
+      </p:sp>
+      <p:sp>
+        <p:nvSpPr>
+          <p:cNvPr id="390" name="圆形"/>
+          <p:cNvSpPr/>
+          <p:nvPr/>
+        </p:nvSpPr>
+        <p:spPr>
+          <a:xfrm>
+            <a:off x="2612859" y="5620313"/>
+            <a:ext cx="283770" cy="283769"/>
+          </a:xfrm>
+          <a:prstGeom prst="ellipse">
+            <a:avLst/>
+          </a:prstGeom>
+          <a:solidFill>
+            <a:srgbClr val="FFFFFF">
+              <a:alpha val="60876"/>
+            </a:srgbClr>
+          </a:solidFill>
+          <a:ln w="12700">
+            <a:miter lim="400000"/>
+          </a:ln>
+        </p:spPr>
+        <p:txBody>
+          <a:bodyPr lIns="50800" tIns="50800" rIns="50800" bIns="50800" anchor="ctr"/>
+          <a:lstStyle/>
+          <a:p>
+            <a:pPr>
+              <a:defRPr b="0" sz="3200">
+                <a:latin typeface="+mn-lt"/>
+                <a:ea typeface="+mn-ea"/>
+                <a:cs typeface="+mn-cs"/>
+                <a:sym typeface="Helvetica Neue Medium"/>
+              </a:defRPr>
+            </a:pPr>
+          </a:p>
+        </p:txBody>
+      </p:sp>
       <p:pic>
         <p:nvPicPr>
-          <p:cNvPr id="389" name="1.png" descr="1.png"/>
+          <p:cNvPr id="391" name="1.png" descr="1.png"/>
           <p:cNvPicPr>
             <a:picLocks noChangeAspect="1"/>
           </p:cNvPicPr>
@@ -11367,8 +11482,8 @@
         </p:blipFill>
         <p:spPr>
           <a:xfrm>
-            <a:off x="1629784" y="5810250"/>
-            <a:ext cx="7226301" cy="4127500"/>
+            <a:off x="2003707" y="9491291"/>
+            <a:ext cx="6799911" cy="2244540"/>
           </a:xfrm>
           <a:prstGeom prst="rect">
             <a:avLst/>
@@ -11380,7 +11495,7 @@
       </p:pic>
       <p:pic>
         <p:nvPicPr>
-          <p:cNvPr id="390" name="1.png" descr="1.png"/>
+          <p:cNvPr id="392" name="2.png" descr="2.png"/>
           <p:cNvPicPr>
             <a:picLocks noChangeAspect="1"/>
           </p:cNvPicPr>
@@ -11396,8 +11511,8 @@
         </p:blipFill>
         <p:spPr>
           <a:xfrm>
-            <a:off x="10295056" y="5825849"/>
-            <a:ext cx="11963400" cy="3402764"/>
+            <a:off x="9663532" y="8962561"/>
+            <a:ext cx="6184901" cy="3302001"/>
           </a:xfrm>
           <a:prstGeom prst="rect">
             <a:avLst/>
@@ -11407,6 +11522,119 @@
           </a:ln>
         </p:spPr>
       </p:pic>
+      <p:pic>
+        <p:nvPicPr>
+          <p:cNvPr id="393" name="1.png" descr="1.png"/>
+          <p:cNvPicPr>
+            <a:picLocks noChangeAspect="1"/>
+          </p:cNvPicPr>
+          <p:nvPr/>
+        </p:nvPicPr>
+        <p:blipFill>
+          <a:blip r:embed="rId6">
+            <a:extLst/>
+          </a:blip>
+          <a:stretch>
+            <a:fillRect/>
+          </a:stretch>
+        </p:blipFill>
+        <p:spPr>
+          <a:xfrm>
+            <a:off x="16708347" y="9413411"/>
+            <a:ext cx="6858001" cy="2400301"/>
+          </a:xfrm>
+          <a:prstGeom prst="rect">
+            <a:avLst/>
+          </a:prstGeom>
+          <a:ln w="12700">
+            <a:miter lim="400000"/>
+          </a:ln>
+        </p:spPr>
+      </p:pic>
+      <p:sp>
+        <p:nvSpPr>
+          <p:cNvPr id="394" name="要创建默认参数，需要添加等号 ( = ) 以及当参数未提供时参数应该设为的默认值"/>
+          <p:cNvSpPr txBox="1"/>
+          <p:nvPr/>
+        </p:nvSpPr>
+        <p:spPr>
+          <a:xfrm>
+            <a:off x="3335448" y="6451600"/>
+            <a:ext cx="19296898" cy="812801"/>
+          </a:xfrm>
+          <a:prstGeom prst="rect">
+            <a:avLst/>
+          </a:prstGeom>
+          <a:ln w="12700">
+            <a:miter lim="400000"/>
+          </a:ln>
+          <a:extLst>
+            <a:ext uri="{C572A759-6A51-4108-AA02-DFA0A04FC94B}">
+              <ma14:wrappingTextBoxFlag xmlns:ma14="http://schemas.microsoft.com/office/mac/drawingml/2011/main" val="1"/>
+            </a:ext>
+          </a:extLst>
+        </p:spPr>
+        <p:txBody>
+          <a:bodyPr lIns="50800" tIns="50800" rIns="50800" bIns="50800" anchor="ctr">
+            <a:spAutoFit/>
+          </a:bodyPr>
+          <a:lstStyle>
+            <a:lvl1pPr algn="l">
+              <a:defRPr sz="4000">
+                <a:solidFill>
+                  <a:srgbClr val="FFFFFF">
+                    <a:alpha val="50000"/>
+                  </a:srgbClr>
+                </a:solidFill>
+              </a:defRPr>
+            </a:lvl1pPr>
+          </a:lstStyle>
+          <a:p>
+            <a:pPr/>
+            <a:r>
+              <a:t>要创建默认参数，需要添加等号 ( = ) 以及当参数未提供时参数应该设为的默认值</a:t>
+            </a:r>
+          </a:p>
+        </p:txBody>
+      </p:sp>
+      <p:sp>
+        <p:nvSpPr>
+          <p:cNvPr id="395" name="圆形"/>
+          <p:cNvSpPr/>
+          <p:nvPr/>
+        </p:nvSpPr>
+        <p:spPr>
+          <a:xfrm>
+            <a:off x="2612859" y="6716115"/>
+            <a:ext cx="283770" cy="283770"/>
+          </a:xfrm>
+          <a:prstGeom prst="ellipse">
+            <a:avLst/>
+          </a:prstGeom>
+          <a:solidFill>
+            <a:srgbClr val="FFFFFF">
+              <a:alpha val="60876"/>
+            </a:srgbClr>
+          </a:solidFill>
+          <a:ln w="12700">
+            <a:miter lim="400000"/>
+          </a:ln>
+        </p:spPr>
+        <p:txBody>
+          <a:bodyPr lIns="50800" tIns="50800" rIns="50800" bIns="50800" anchor="ctr"/>
+          <a:lstStyle/>
+          <a:p>
+            <a:pPr>
+              <a:defRPr b="0" sz="3200">
+                <a:latin typeface="+mn-lt"/>
+                <a:ea typeface="+mn-ea"/>
+                <a:cs typeface="+mn-cs"/>
+                <a:sym typeface="Helvetica Neue Medium"/>
+              </a:defRPr>
+            </a:pPr>
+          </a:p>
+        </p:txBody>
+      </p:sp>
     </p:spTree>
   </p:cSld>
   <p:clrMapOvr>
@@ -11446,7 +11674,7 @@
       </p:grpSpPr>
       <p:sp>
         <p:nvSpPr>
-          <p:cNvPr id="392" name="追梦课堂   临汾首家专业的web前端培训机构                                                          www.zmclass.com"/>
+          <p:cNvPr id="397" name="追梦课堂   临汾首家专业的web前端培训机构                                                          www.zmclass.com"/>
           <p:cNvSpPr txBox="1"/>
           <p:nvPr/>
         </p:nvSpPr>
@@ -11517,7 +11745,7 @@
       </p:sp>
       <p:sp>
         <p:nvSpPr>
-          <p:cNvPr id="393" name="幻灯片编号"/>
+          <p:cNvPr id="398" name="幻灯片编号"/>
           <p:cNvSpPr txBox="1"/>
           <p:nvPr>
             <p:ph type="sldNum" sz="quarter" idx="2"/>
@@ -11544,7 +11772,7 @@
       </p:sp>
       <p:sp>
         <p:nvSpPr>
-          <p:cNvPr id="394" name="函数内部属性（隐含的参数）"/>
+          <p:cNvPr id="399" name="默认值与解构数组"/>
           <p:cNvSpPr txBox="1"/>
           <p:nvPr/>
         </p:nvSpPr>
@@ -11577,14 +11805,14 @@
           <a:p>
             <a:pPr/>
             <a:r>
-              <a:t>函数内部属性（隐含的参数）</a:t>
-            </a:r>
-          </a:p>
-        </p:txBody>
-      </p:sp>
-      <p:sp>
-        <p:nvSpPr>
-          <p:cNvPr id="395" name="矩形"/>
+              <a:t>默认值与解构数组</a:t>
+            </a:r>
+          </a:p>
+        </p:txBody>
+      </p:sp>
+      <p:sp>
+        <p:nvSpPr>
+          <p:cNvPr id="400" name="矩形"/>
           <p:cNvSpPr/>
           <p:nvPr/>
         </p:nvSpPr>
@@ -11622,358 +11850,64 @@
           </a:p>
         </p:txBody>
       </p:sp>
-      <p:sp>
-        <p:nvSpPr>
-          <p:cNvPr id="396" name="arguments"/>
-          <p:cNvSpPr txBox="1"/>
-          <p:nvPr/>
-        </p:nvSpPr>
-        <p:spPr>
-          <a:xfrm>
-            <a:off x="3335448" y="5407615"/>
-            <a:ext cx="19296898" cy="709165"/>
-          </a:xfrm>
-          <a:prstGeom prst="rect">
-            <a:avLst/>
-          </a:prstGeom>
-          <a:ln w="12700">
-            <a:miter lim="400000"/>
-          </a:ln>
-          <a:extLst>
-            <a:ext uri="{C572A759-6A51-4108-AA02-DFA0A04FC94B}">
-              <ma14:wrappingTextBoxFlag xmlns:ma14="http://schemas.microsoft.com/office/mac/drawingml/2011/main" val="1"/>
-            </a:ext>
-          </a:extLst>
-        </p:spPr>
-        <p:txBody>
-          <a:bodyPr lIns="50800" tIns="50800" rIns="50800" bIns="50800" anchor="ctr">
-            <a:spAutoFit/>
-          </a:bodyPr>
-          <a:lstStyle>
-            <a:lvl1pPr algn="l">
-              <a:defRPr sz="4000">
-                <a:solidFill>
-                  <a:srgbClr val="FFFFFF">
-                    <a:alpha val="50000"/>
-                  </a:srgbClr>
-                </a:solidFill>
-              </a:defRPr>
-            </a:lvl1pPr>
-          </a:lstStyle>
-          <a:p>
-            <a:pPr/>
-            <a:r>
-              <a:t>arguments</a:t>
-            </a:r>
-          </a:p>
-        </p:txBody>
-      </p:sp>
-      <p:sp>
-        <p:nvSpPr>
-          <p:cNvPr id="397" name="圆形"/>
-          <p:cNvSpPr/>
-          <p:nvPr/>
-        </p:nvSpPr>
-        <p:spPr>
-          <a:xfrm>
-            <a:off x="2612859" y="5620313"/>
-            <a:ext cx="283770" cy="283769"/>
-          </a:xfrm>
-          <a:prstGeom prst="ellipse">
-            <a:avLst/>
-          </a:prstGeom>
-          <a:solidFill>
-            <a:srgbClr val="FFFFFF">
-              <a:alpha val="60876"/>
-            </a:srgbClr>
-          </a:solidFill>
-          <a:ln w="12700">
-            <a:miter lim="400000"/>
-          </a:ln>
-        </p:spPr>
-        <p:txBody>
-          <a:bodyPr lIns="50800" tIns="50800" rIns="50800" bIns="50800" anchor="ctr"/>
-          <a:lstStyle/>
-          <a:p>
-            <a:pPr>
-              <a:defRPr b="0" sz="3200">
-                <a:latin typeface="+mn-lt"/>
-                <a:ea typeface="+mn-ea"/>
-                <a:cs typeface="+mn-cs"/>
-                <a:sym typeface="Helvetica Neue Medium"/>
-              </a:defRPr>
-            </a:pPr>
-          </a:p>
-        </p:txBody>
-      </p:sp>
-      <p:sp>
-        <p:nvSpPr>
-          <p:cNvPr id="398" name="this"/>
-          <p:cNvSpPr txBox="1"/>
-          <p:nvPr/>
-        </p:nvSpPr>
-        <p:spPr>
-          <a:xfrm>
-            <a:off x="3335448" y="10263103"/>
-            <a:ext cx="19296898" cy="709166"/>
-          </a:xfrm>
-          <a:prstGeom prst="rect">
-            <a:avLst/>
-          </a:prstGeom>
-          <a:ln w="12700">
-            <a:miter lim="400000"/>
-          </a:ln>
-          <a:extLst>
-            <a:ext uri="{C572A759-6A51-4108-AA02-DFA0A04FC94B}">
-              <ma14:wrappingTextBoxFlag xmlns:ma14="http://schemas.microsoft.com/office/mac/drawingml/2011/main" val="1"/>
-            </a:ext>
-          </a:extLst>
-        </p:spPr>
-        <p:txBody>
-          <a:bodyPr lIns="50800" tIns="50800" rIns="50800" bIns="50800" anchor="ctr">
-            <a:spAutoFit/>
-          </a:bodyPr>
-          <a:lstStyle>
-            <a:lvl1pPr algn="l">
-              <a:defRPr sz="4000">
-                <a:solidFill>
-                  <a:srgbClr val="FFFFFF">
-                    <a:alpha val="50000"/>
-                  </a:srgbClr>
-                </a:solidFill>
-              </a:defRPr>
-            </a:lvl1pPr>
-          </a:lstStyle>
-          <a:p>
-            <a:pPr/>
-            <a:r>
-              <a:t>this</a:t>
-            </a:r>
-          </a:p>
-        </p:txBody>
-      </p:sp>
-      <p:sp>
-        <p:nvSpPr>
-          <p:cNvPr id="399" name="圆形"/>
-          <p:cNvSpPr/>
-          <p:nvPr/>
-        </p:nvSpPr>
-        <p:spPr>
-          <a:xfrm>
-            <a:off x="2612859" y="10475801"/>
-            <a:ext cx="283770" cy="283770"/>
-          </a:xfrm>
-          <a:prstGeom prst="ellipse">
-            <a:avLst/>
-          </a:prstGeom>
-          <a:solidFill>
-            <a:srgbClr val="FFFFFF">
-              <a:alpha val="60876"/>
-            </a:srgbClr>
-          </a:solidFill>
-          <a:ln w="12700">
-            <a:miter lim="400000"/>
-          </a:ln>
-        </p:spPr>
-        <p:txBody>
-          <a:bodyPr lIns="50800" tIns="50800" rIns="50800" bIns="50800" anchor="ctr"/>
-          <a:lstStyle/>
-          <a:p>
-            <a:pPr>
-              <a:defRPr b="0" sz="3200">
-                <a:latin typeface="+mn-lt"/>
-                <a:ea typeface="+mn-ea"/>
-                <a:cs typeface="+mn-cs"/>
-                <a:sym typeface="Helvetica Neue Medium"/>
-              </a:defRPr>
-            </a:pPr>
-          </a:p>
-        </p:txBody>
-      </p:sp>
-      <p:sp>
-        <p:nvSpPr>
-          <p:cNvPr id="400" name="- 函数调用过程中传递的所有参数"/>
-          <p:cNvSpPr txBox="1"/>
-          <p:nvPr/>
-        </p:nvSpPr>
-        <p:spPr>
-          <a:xfrm>
-            <a:off x="3063936" y="6734989"/>
-            <a:ext cx="19296897" cy="812801"/>
-          </a:xfrm>
-          <a:prstGeom prst="rect">
-            <a:avLst/>
-          </a:prstGeom>
-          <a:ln w="12700">
-            <a:miter lim="400000"/>
-          </a:ln>
-          <a:extLst>
-            <a:ext uri="{C572A759-6A51-4108-AA02-DFA0A04FC94B}">
-              <ma14:wrappingTextBoxFlag xmlns:ma14="http://schemas.microsoft.com/office/mac/drawingml/2011/main" val="1"/>
-            </a:ext>
-          </a:extLst>
-        </p:spPr>
-        <p:txBody>
-          <a:bodyPr lIns="50800" tIns="50800" rIns="50800" bIns="50800" anchor="ctr">
-            <a:spAutoFit/>
-          </a:bodyPr>
-          <a:lstStyle>
-            <a:lvl1pPr algn="l">
-              <a:defRPr sz="4000">
-                <a:solidFill>
-                  <a:srgbClr val="FFFFFF">
-                    <a:alpha val="50000"/>
-                  </a:srgbClr>
-                </a:solidFill>
-              </a:defRPr>
-            </a:lvl1pPr>
-          </a:lstStyle>
-          <a:p>
-            <a:pPr/>
-            <a:r>
-              <a:t>- 函数调用过程中传递的所有参数</a:t>
-            </a:r>
-          </a:p>
-        </p:txBody>
-      </p:sp>
-      <p:sp>
-        <p:nvSpPr>
-          <p:cNvPr id="401" name="- 被函数调用的相关联的对象，是面向对象编程一个很重要的组成部分，通常为函数上下文( 当前代码的的运行环境)"/>
-          <p:cNvSpPr txBox="1"/>
-          <p:nvPr/>
-        </p:nvSpPr>
-        <p:spPr>
-          <a:xfrm>
-            <a:off x="3063936" y="10982087"/>
-            <a:ext cx="19296897" cy="1538737"/>
-          </a:xfrm>
-          <a:prstGeom prst="rect">
-            <a:avLst/>
-          </a:prstGeom>
-          <a:ln w="12700">
-            <a:miter lim="400000"/>
-          </a:ln>
-          <a:extLst>
-            <a:ext uri="{C572A759-6A51-4108-AA02-DFA0A04FC94B}">
-              <ma14:wrappingTextBoxFlag xmlns:ma14="http://schemas.microsoft.com/office/mac/drawingml/2011/main" val="1"/>
-            </a:ext>
-          </a:extLst>
-        </p:spPr>
-        <p:txBody>
-          <a:bodyPr lIns="50800" tIns="50800" rIns="50800" bIns="50800" anchor="ctr">
-            <a:spAutoFit/>
-          </a:bodyPr>
-          <a:lstStyle>
-            <a:lvl1pPr algn="l">
-              <a:defRPr sz="4000">
-                <a:solidFill>
-                  <a:srgbClr val="FFFFFF">
-                    <a:alpha val="50000"/>
-                  </a:srgbClr>
-                </a:solidFill>
-              </a:defRPr>
-            </a:lvl1pPr>
-          </a:lstStyle>
-          <a:p>
-            <a:pPr/>
-            <a:r>
-              <a:t>- 被函数调用的相关联的对象，是面向对象编程一个很重要的组成部分，通常为函数上下文( 当前代码的的运行环境)</a:t>
-            </a:r>
-          </a:p>
-        </p:txBody>
-      </p:sp>
-      <p:sp>
-        <p:nvSpPr>
-          <p:cNvPr id="402" name="- 实参列表对象,是一个类数组，可迭代对象"/>
-          <p:cNvSpPr txBox="1"/>
-          <p:nvPr/>
-        </p:nvSpPr>
-        <p:spPr>
-          <a:xfrm>
-            <a:off x="3063936" y="7839306"/>
-            <a:ext cx="19296897" cy="812801"/>
-          </a:xfrm>
-          <a:prstGeom prst="rect">
-            <a:avLst/>
-          </a:prstGeom>
-          <a:ln w="12700">
-            <a:miter lim="400000"/>
-          </a:ln>
-          <a:extLst>
-            <a:ext uri="{C572A759-6A51-4108-AA02-DFA0A04FC94B}">
-              <ma14:wrappingTextBoxFlag xmlns:ma14="http://schemas.microsoft.com/office/mac/drawingml/2011/main" val="1"/>
-            </a:ext>
-          </a:extLst>
-        </p:spPr>
-        <p:txBody>
-          <a:bodyPr lIns="50800" tIns="50800" rIns="50800" bIns="50800" anchor="ctr">
-            <a:spAutoFit/>
-          </a:bodyPr>
-          <a:lstStyle>
-            <a:lvl1pPr algn="l">
-              <a:defRPr sz="4000">
-                <a:solidFill>
-                  <a:srgbClr val="FFFFFF">
-                    <a:alpha val="50000"/>
-                  </a:srgbClr>
-                </a:solidFill>
-              </a:defRPr>
-            </a:lvl1pPr>
-          </a:lstStyle>
-          <a:p>
-            <a:pPr/>
-            <a:r>
-              <a:t>- 实参列表对象,是一个类数组，可迭代对象</a:t>
-            </a:r>
-          </a:p>
-        </p:txBody>
-      </p:sp>
-      <p:sp>
-        <p:nvSpPr>
-          <p:cNvPr id="403" name="- 箭头函数 是没有arguments的"/>
-          <p:cNvSpPr txBox="1"/>
-          <p:nvPr/>
-        </p:nvSpPr>
-        <p:spPr>
-          <a:xfrm>
-            <a:off x="3063936" y="8943623"/>
-            <a:ext cx="19296897" cy="812801"/>
-          </a:xfrm>
-          <a:prstGeom prst="rect">
-            <a:avLst/>
-          </a:prstGeom>
-          <a:ln w="12700">
-            <a:miter lim="400000"/>
-          </a:ln>
-          <a:extLst>
-            <a:ext uri="{C572A759-6A51-4108-AA02-DFA0A04FC94B}">
-              <ma14:wrappingTextBoxFlag xmlns:ma14="http://schemas.microsoft.com/office/mac/drawingml/2011/main" val="1"/>
-            </a:ext>
-          </a:extLst>
-        </p:spPr>
-        <p:txBody>
-          <a:bodyPr lIns="50800" tIns="50800" rIns="50800" bIns="50800" anchor="ctr">
-            <a:spAutoFit/>
-          </a:bodyPr>
-          <a:lstStyle>
-            <a:lvl1pPr algn="l">
-              <a:defRPr sz="4000">
-                <a:solidFill>
-                  <a:srgbClr val="FFFFFF">
-                    <a:alpha val="50000"/>
-                  </a:srgbClr>
-                </a:solidFill>
-              </a:defRPr>
-            </a:lvl1pPr>
-          </a:lstStyle>
-          <a:p>
-            <a:pPr/>
-            <a:r>
-              <a:t>- 箭头函数 是没有arguments的</a:t>
-            </a:r>
-          </a:p>
-        </p:txBody>
-      </p:sp>
+      <p:pic>
+        <p:nvPicPr>
+          <p:cNvPr id="401" name="1.png" descr="1.png"/>
+          <p:cNvPicPr>
+            <a:picLocks noChangeAspect="1"/>
+          </p:cNvPicPr>
+          <p:nvPr/>
+        </p:nvPicPr>
+        <p:blipFill>
+          <a:blip r:embed="rId4">
+            <a:extLst/>
+          </a:blip>
+          <a:stretch>
+            <a:fillRect/>
+          </a:stretch>
+        </p:blipFill>
+        <p:spPr>
+          <a:xfrm>
+            <a:off x="1428004" y="6472890"/>
+            <a:ext cx="8921524" cy="5004418"/>
+          </a:xfrm>
+          <a:prstGeom prst="rect">
+            <a:avLst/>
+          </a:prstGeom>
+          <a:ln w="12700">
+            <a:miter lim="400000"/>
+          </a:ln>
+        </p:spPr>
+      </p:pic>
+      <p:pic>
+        <p:nvPicPr>
+          <p:cNvPr id="402" name="1.png" descr="1.png"/>
+          <p:cNvPicPr>
+            <a:picLocks noChangeAspect="1"/>
+          </p:cNvPicPr>
+          <p:nvPr/>
+        </p:nvPicPr>
+        <p:blipFill>
+          <a:blip r:embed="rId5">
+            <a:extLst/>
+          </a:blip>
+          <a:stretch>
+            <a:fillRect/>
+          </a:stretch>
+        </p:blipFill>
+        <p:spPr>
+          <a:xfrm>
+            <a:off x="12285881" y="7965448"/>
+            <a:ext cx="9575801" cy="2019301"/>
+          </a:xfrm>
+          <a:prstGeom prst="rect">
+            <a:avLst/>
+          </a:prstGeom>
+          <a:ln w="12700">
+            <a:miter lim="400000"/>
+          </a:ln>
+        </p:spPr>
+      </p:pic>
     </p:spTree>
   </p:cSld>
   <p:clrMapOvr>
@@ -12013,7 +11947,7 @@
       </p:grpSpPr>
       <p:sp>
         <p:nvSpPr>
-          <p:cNvPr id="405" name="追梦课堂   临汾首家专业的web前端培训机构                                                          www.zmclass.com"/>
+          <p:cNvPr id="404" name="追梦课堂   临汾首家专业的web前端培训机构                                                          www.zmclass.com"/>
           <p:cNvSpPr txBox="1"/>
           <p:nvPr/>
         </p:nvSpPr>
@@ -12084,7 +12018,7 @@
       </p:sp>
       <p:sp>
         <p:nvSpPr>
-          <p:cNvPr id="406" name="幻灯片编号"/>
+          <p:cNvPr id="405" name="幻灯片编号"/>
           <p:cNvSpPr txBox="1"/>
           <p:nvPr>
             <p:ph type="sldNum" sz="quarter" idx="2"/>
@@ -12111,14 +12045,14 @@
       </p:sp>
       <p:sp>
         <p:nvSpPr>
-          <p:cNvPr id="407" name="arguments eg"/>
-          <p:cNvSpPr txBox="1"/>
-          <p:nvPr/>
-        </p:nvSpPr>
-        <p:spPr>
-          <a:xfrm>
-            <a:off x="2276759" y="3544932"/>
-            <a:ext cx="15656269" cy="1019298"/>
+          <p:cNvPr id="406" name="默认值与解构对象 (推荐)"/>
+          <p:cNvSpPr txBox="1"/>
+          <p:nvPr/>
+        </p:nvSpPr>
+        <p:spPr>
+          <a:xfrm>
+            <a:off x="2276759" y="3470381"/>
+            <a:ext cx="15656269" cy="1168401"/>
           </a:xfrm>
           <a:prstGeom prst="rect">
             <a:avLst/>
@@ -12144,14 +12078,14 @@
           <a:p>
             <a:pPr/>
             <a:r>
-              <a:t>arguments eg</a:t>
-            </a:r>
-          </a:p>
-        </p:txBody>
-      </p:sp>
-      <p:sp>
-        <p:nvSpPr>
-          <p:cNvPr id="408" name="矩形"/>
+              <a:t>默认值与解构对象 (推荐)</a:t>
+            </a:r>
+          </a:p>
+        </p:txBody>
+      </p:sp>
+      <p:sp>
+        <p:nvSpPr>
+          <p:cNvPr id="407" name="矩形"/>
           <p:cNvSpPr/>
           <p:nvPr/>
         </p:nvSpPr>
@@ -12191,7 +12125,7 @@
       </p:sp>
       <p:pic>
         <p:nvPicPr>
-          <p:cNvPr id="409" name="1.png" descr="1.png"/>
+          <p:cNvPr id="408" name="1.png" descr="1.png"/>
           <p:cNvPicPr>
             <a:picLocks noChangeAspect="1"/>
           </p:cNvPicPr>
@@ -12207,8 +12141,37 @@
         </p:blipFill>
         <p:spPr>
           <a:xfrm>
-            <a:off x="2198092" y="5666871"/>
-            <a:ext cx="11368032" cy="6367385"/>
+            <a:off x="1629784" y="5810250"/>
+            <a:ext cx="7226301" cy="4127500"/>
+          </a:xfrm>
+          <a:prstGeom prst="rect">
+            <a:avLst/>
+          </a:prstGeom>
+          <a:ln w="12700">
+            <a:miter lim="400000"/>
+          </a:ln>
+        </p:spPr>
+      </p:pic>
+      <p:pic>
+        <p:nvPicPr>
+          <p:cNvPr id="409" name="1.png" descr="1.png"/>
+          <p:cNvPicPr>
+            <a:picLocks noChangeAspect="1"/>
+          </p:cNvPicPr>
+          <p:nvPr/>
+        </p:nvPicPr>
+        <p:blipFill>
+          <a:blip r:embed="rId5">
+            <a:extLst/>
+          </a:blip>
+          <a:stretch>
+            <a:fillRect/>
+          </a:stretch>
+        </p:blipFill>
+        <p:spPr>
+          <a:xfrm>
+            <a:off x="10295056" y="5825849"/>
+            <a:ext cx="11963400" cy="3402764"/>
           </a:xfrm>
           <a:prstGeom prst="rect">
             <a:avLst/>
@@ -12895,7 +12858,7 @@
       </p:sp>
       <p:sp>
         <p:nvSpPr>
-          <p:cNvPr id="413" name="arguments 作为函数参数的别名"/>
+          <p:cNvPr id="413" name="函数内部属性（隐含的参数）"/>
           <p:cNvSpPr txBox="1"/>
           <p:nvPr/>
         </p:nvSpPr>
@@ -12928,7 +12891,7 @@
           <a:p>
             <a:pPr/>
             <a:r>
-              <a:t>arguments 作为函数参数的别名</a:t>
+              <a:t>函数内部属性（隐含的参数）</a:t>
             </a:r>
           </a:p>
         </p:txBody>
@@ -12975,14 +12938,14 @@
       </p:sp>
       <p:sp>
         <p:nvSpPr>
-          <p:cNvPr id="415" name="改变arguments的值，会改变参数的值"/>
-          <p:cNvSpPr txBox="1"/>
-          <p:nvPr/>
-        </p:nvSpPr>
-        <p:spPr>
-          <a:xfrm>
-            <a:off x="3335448" y="5355797"/>
-            <a:ext cx="19296898" cy="812801"/>
+          <p:cNvPr id="415" name="arguments"/>
+          <p:cNvSpPr txBox="1"/>
+          <p:nvPr/>
+        </p:nvSpPr>
+        <p:spPr>
+          <a:xfrm>
+            <a:off x="3335448" y="5407615"/>
+            <a:ext cx="19296898" cy="709165"/>
           </a:xfrm>
           <a:prstGeom prst="rect">
             <a:avLst/>
@@ -13014,7 +12977,7 @@
           <a:p>
             <a:pPr/>
             <a:r>
-              <a:t>改变arguments的值，会改变参数的值</a:t>
+              <a:t>arguments</a:t>
             </a:r>
           </a:p>
         </p:txBody>
@@ -13059,52 +13022,14 @@
       </p:sp>
       <p:sp>
         <p:nvSpPr>
-          <p:cNvPr id="417" name="圆形"/>
-          <p:cNvSpPr/>
-          <p:nvPr/>
-        </p:nvSpPr>
-        <p:spPr>
-          <a:xfrm>
-            <a:off x="2612859" y="6716115"/>
-            <a:ext cx="283770" cy="283770"/>
-          </a:xfrm>
-          <a:prstGeom prst="ellipse">
-            <a:avLst/>
-          </a:prstGeom>
-          <a:solidFill>
-            <a:srgbClr val="FFFFFF">
-              <a:alpha val="60876"/>
-            </a:srgbClr>
-          </a:solidFill>
-          <a:ln w="12700">
-            <a:miter lim="400000"/>
-          </a:ln>
-        </p:spPr>
-        <p:txBody>
-          <a:bodyPr lIns="50800" tIns="50800" rIns="50800" bIns="50800" anchor="ctr"/>
-          <a:lstStyle/>
-          <a:p>
-            <a:pPr>
-              <a:defRPr b="0" sz="3200">
-                <a:latin typeface="+mn-lt"/>
-                <a:ea typeface="+mn-ea"/>
-                <a:cs typeface="+mn-cs"/>
-                <a:sym typeface="Helvetica Neue Medium"/>
-              </a:defRPr>
-            </a:pPr>
-          </a:p>
-        </p:txBody>
-      </p:sp>
-      <p:sp>
-        <p:nvSpPr>
-          <p:cNvPr id="418" name="严格模式下无论参数如何变化，将不在随之改变"/>
-          <p:cNvSpPr txBox="1"/>
-          <p:nvPr/>
-        </p:nvSpPr>
-        <p:spPr>
-          <a:xfrm>
-            <a:off x="3335448" y="6451600"/>
-            <a:ext cx="19296898" cy="812801"/>
+          <p:cNvPr id="417" name="this"/>
+          <p:cNvSpPr txBox="1"/>
+          <p:nvPr/>
+        </p:nvSpPr>
+        <p:spPr>
+          <a:xfrm>
+            <a:off x="3335448" y="10263103"/>
+            <a:ext cx="19296898" cy="709166"/>
           </a:xfrm>
           <a:prstGeom prst="rect">
             <a:avLst/>
@@ -13136,21 +13061,59 @@
           <a:p>
             <a:pPr/>
             <a:r>
-              <a:t>严格模式下无论参数如何变化，将不在随之改变</a:t>
-            </a:r>
-          </a:p>
-        </p:txBody>
-      </p:sp>
-      <p:sp>
-        <p:nvSpPr>
-          <p:cNvPr id="419" name="如果一个函数值使用了默认参数，无论在不在严格模式下 都与严格模式保持一致"/>
-          <p:cNvSpPr txBox="1"/>
-          <p:nvPr/>
-        </p:nvSpPr>
-        <p:spPr>
-          <a:xfrm>
-            <a:off x="3335448" y="7799045"/>
-            <a:ext cx="19296898" cy="812801"/>
+              <a:t>this</a:t>
+            </a:r>
+          </a:p>
+        </p:txBody>
+      </p:sp>
+      <p:sp>
+        <p:nvSpPr>
+          <p:cNvPr id="418" name="圆形"/>
+          <p:cNvSpPr/>
+          <p:nvPr/>
+        </p:nvSpPr>
+        <p:spPr>
+          <a:xfrm>
+            <a:off x="2612859" y="10475801"/>
+            <a:ext cx="283770" cy="283770"/>
+          </a:xfrm>
+          <a:prstGeom prst="ellipse">
+            <a:avLst/>
+          </a:prstGeom>
+          <a:solidFill>
+            <a:srgbClr val="FFFFFF">
+              <a:alpha val="60876"/>
+            </a:srgbClr>
+          </a:solidFill>
+          <a:ln w="12700">
+            <a:miter lim="400000"/>
+          </a:ln>
+        </p:spPr>
+        <p:txBody>
+          <a:bodyPr lIns="50800" tIns="50800" rIns="50800" bIns="50800" anchor="ctr"/>
+          <a:lstStyle/>
+          <a:p>
+            <a:pPr>
+              <a:defRPr b="0" sz="3200">
+                <a:latin typeface="+mn-lt"/>
+                <a:ea typeface="+mn-ea"/>
+                <a:cs typeface="+mn-cs"/>
+                <a:sym typeface="Helvetica Neue Medium"/>
+              </a:defRPr>
+            </a:pPr>
+          </a:p>
+        </p:txBody>
+      </p:sp>
+      <p:sp>
+        <p:nvSpPr>
+          <p:cNvPr id="419" name="- 函数调用过程中传递的所有参数"/>
+          <p:cNvSpPr txBox="1"/>
+          <p:nvPr/>
+        </p:nvSpPr>
+        <p:spPr>
+          <a:xfrm>
+            <a:off x="3063936" y="6734989"/>
+            <a:ext cx="19296897" cy="812801"/>
           </a:xfrm>
           <a:prstGeom prst="rect">
             <a:avLst/>
@@ -13182,46 +13145,146 @@
           <a:p>
             <a:pPr/>
             <a:r>
-              <a:t>如果一个函数值使用了默认参数，无论在不在严格模式下 都与严格模式保持一致</a:t>
-            </a:r>
-          </a:p>
-        </p:txBody>
-      </p:sp>
-      <p:sp>
-        <p:nvSpPr>
-          <p:cNvPr id="420" name="圆形"/>
-          <p:cNvSpPr/>
-          <p:nvPr/>
-        </p:nvSpPr>
-        <p:spPr>
-          <a:xfrm>
-            <a:off x="2612859" y="8063560"/>
-            <a:ext cx="283770" cy="283770"/>
-          </a:xfrm>
-          <a:prstGeom prst="ellipse">
-            <a:avLst/>
-          </a:prstGeom>
-          <a:solidFill>
-            <a:srgbClr val="FFFFFF">
-              <a:alpha val="60876"/>
-            </a:srgbClr>
-          </a:solidFill>
-          <a:ln w="12700">
-            <a:miter lim="400000"/>
-          </a:ln>
-        </p:spPr>
-        <p:txBody>
-          <a:bodyPr lIns="50800" tIns="50800" rIns="50800" bIns="50800" anchor="ctr"/>
-          <a:lstStyle/>
-          <a:p>
-            <a:pPr>
-              <a:defRPr b="0" sz="3200">
-                <a:latin typeface="+mn-lt"/>
-                <a:ea typeface="+mn-ea"/>
-                <a:cs typeface="+mn-cs"/>
-                <a:sym typeface="Helvetica Neue Medium"/>
+              <a:t>- 函数调用过程中传递的所有参数</a:t>
+            </a:r>
+          </a:p>
+        </p:txBody>
+      </p:sp>
+      <p:sp>
+        <p:nvSpPr>
+          <p:cNvPr id="420" name="- 被函数调用的相关联的对象，是面向对象编程一个很重要的组成部分，通常为函数上下文( 当前代码的的运行环境)"/>
+          <p:cNvSpPr txBox="1"/>
+          <p:nvPr/>
+        </p:nvSpPr>
+        <p:spPr>
+          <a:xfrm>
+            <a:off x="3063936" y="10982087"/>
+            <a:ext cx="19296897" cy="1538737"/>
+          </a:xfrm>
+          <a:prstGeom prst="rect">
+            <a:avLst/>
+          </a:prstGeom>
+          <a:ln w="12700">
+            <a:miter lim="400000"/>
+          </a:ln>
+          <a:extLst>
+            <a:ext uri="{C572A759-6A51-4108-AA02-DFA0A04FC94B}">
+              <ma14:wrappingTextBoxFlag xmlns:ma14="http://schemas.microsoft.com/office/mac/drawingml/2011/main" val="1"/>
+            </a:ext>
+          </a:extLst>
+        </p:spPr>
+        <p:txBody>
+          <a:bodyPr lIns="50800" tIns="50800" rIns="50800" bIns="50800" anchor="ctr">
+            <a:spAutoFit/>
+          </a:bodyPr>
+          <a:lstStyle>
+            <a:lvl1pPr algn="l">
+              <a:defRPr sz="4000">
+                <a:solidFill>
+                  <a:srgbClr val="FFFFFF">
+                    <a:alpha val="50000"/>
+                  </a:srgbClr>
+                </a:solidFill>
               </a:defRPr>
-            </a:pPr>
+            </a:lvl1pPr>
+          </a:lstStyle>
+          <a:p>
+            <a:pPr/>
+            <a:r>
+              <a:t>- 被函数调用的相关联的对象，是面向对象编程一个很重要的组成部分，通常为函数上下文( 当前代码的的运行环境)</a:t>
+            </a:r>
+          </a:p>
+        </p:txBody>
+      </p:sp>
+      <p:sp>
+        <p:nvSpPr>
+          <p:cNvPr id="421" name="- 实参列表对象,是一个类数组，可迭代对象"/>
+          <p:cNvSpPr txBox="1"/>
+          <p:nvPr/>
+        </p:nvSpPr>
+        <p:spPr>
+          <a:xfrm>
+            <a:off x="3063936" y="7839306"/>
+            <a:ext cx="19296897" cy="812801"/>
+          </a:xfrm>
+          <a:prstGeom prst="rect">
+            <a:avLst/>
+          </a:prstGeom>
+          <a:ln w="12700">
+            <a:miter lim="400000"/>
+          </a:ln>
+          <a:extLst>
+            <a:ext uri="{C572A759-6A51-4108-AA02-DFA0A04FC94B}">
+              <ma14:wrappingTextBoxFlag xmlns:ma14="http://schemas.microsoft.com/office/mac/drawingml/2011/main" val="1"/>
+            </a:ext>
+          </a:extLst>
+        </p:spPr>
+        <p:txBody>
+          <a:bodyPr lIns="50800" tIns="50800" rIns="50800" bIns="50800" anchor="ctr">
+            <a:spAutoFit/>
+          </a:bodyPr>
+          <a:lstStyle>
+            <a:lvl1pPr algn="l">
+              <a:defRPr sz="4000">
+                <a:solidFill>
+                  <a:srgbClr val="FFFFFF">
+                    <a:alpha val="50000"/>
+                  </a:srgbClr>
+                </a:solidFill>
+              </a:defRPr>
+            </a:lvl1pPr>
+          </a:lstStyle>
+          <a:p>
+            <a:pPr/>
+            <a:r>
+              <a:t>- 实参列表对象,是一个类数组，可迭代对象</a:t>
+            </a:r>
+          </a:p>
+        </p:txBody>
+      </p:sp>
+      <p:sp>
+        <p:nvSpPr>
+          <p:cNvPr id="422" name="- 箭头函数 是没有arguments的"/>
+          <p:cNvSpPr txBox="1"/>
+          <p:nvPr/>
+        </p:nvSpPr>
+        <p:spPr>
+          <a:xfrm>
+            <a:off x="3063936" y="8943623"/>
+            <a:ext cx="19296897" cy="812801"/>
+          </a:xfrm>
+          <a:prstGeom prst="rect">
+            <a:avLst/>
+          </a:prstGeom>
+          <a:ln w="12700">
+            <a:miter lim="400000"/>
+          </a:ln>
+          <a:extLst>
+            <a:ext uri="{C572A759-6A51-4108-AA02-DFA0A04FC94B}">
+              <ma14:wrappingTextBoxFlag xmlns:ma14="http://schemas.microsoft.com/office/mac/drawingml/2011/main" val="1"/>
+            </a:ext>
+          </a:extLst>
+        </p:spPr>
+        <p:txBody>
+          <a:bodyPr lIns="50800" tIns="50800" rIns="50800" bIns="50800" anchor="ctr">
+            <a:spAutoFit/>
+          </a:bodyPr>
+          <a:lstStyle>
+            <a:lvl1pPr algn="l">
+              <a:defRPr sz="4000">
+                <a:solidFill>
+                  <a:srgbClr val="FFFFFF">
+                    <a:alpha val="50000"/>
+                  </a:srgbClr>
+                </a:solidFill>
+              </a:defRPr>
+            </a:lvl1pPr>
+          </a:lstStyle>
+          <a:p>
+            <a:pPr/>
+            <a:r>
+              <a:t>- 箭头函数 是没有arguments的</a:t>
+            </a:r>
           </a:p>
         </p:txBody>
       </p:sp>
@@ -13264,7 +13327,7 @@
       </p:grpSpPr>
       <p:sp>
         <p:nvSpPr>
-          <p:cNvPr id="422" name="追梦课堂   临汾首家专业的web前端培训机构                                                          www.zmclass.com"/>
+          <p:cNvPr id="424" name="追梦课堂   临汾首家专业的web前端培训机构                                                          www.zmclass.com"/>
           <p:cNvSpPr txBox="1"/>
           <p:nvPr/>
         </p:nvSpPr>
@@ -13335,7 +13398,7 @@
       </p:sp>
       <p:sp>
         <p:nvSpPr>
-          <p:cNvPr id="423" name="幻灯片编号"/>
+          <p:cNvPr id="425" name="幻灯片编号"/>
           <p:cNvSpPr txBox="1"/>
           <p:nvPr>
             <p:ph type="sldNum" sz="quarter" idx="2"/>
@@ -13362,7 +13425,7 @@
       </p:sp>
       <p:sp>
         <p:nvSpPr>
-          <p:cNvPr id="424" name="this"/>
+          <p:cNvPr id="426" name="arguments eg"/>
           <p:cNvSpPr txBox="1"/>
           <p:nvPr/>
         </p:nvSpPr>
@@ -13395,14 +13458,14 @@
           <a:p>
             <a:pPr/>
             <a:r>
-              <a:t>this</a:t>
-            </a:r>
-          </a:p>
-        </p:txBody>
-      </p:sp>
-      <p:sp>
-        <p:nvSpPr>
-          <p:cNvPr id="425" name="矩形"/>
+              <a:t>arguments eg</a:t>
+            </a:r>
+          </a:p>
+        </p:txBody>
+      </p:sp>
+      <p:sp>
+        <p:nvSpPr>
+          <p:cNvPr id="427" name="矩形"/>
           <p:cNvSpPr/>
           <p:nvPr/>
         </p:nvSpPr>
@@ -13440,222 +13503,35 @@
           </a:p>
         </p:txBody>
       </p:sp>
-      <p:sp>
-        <p:nvSpPr>
-          <p:cNvPr id="426" name="圆形"/>
-          <p:cNvSpPr/>
-          <p:nvPr/>
-        </p:nvSpPr>
-        <p:spPr>
-          <a:xfrm>
-            <a:off x="2612859" y="5620313"/>
-            <a:ext cx="283770" cy="283769"/>
-          </a:xfrm>
-          <a:prstGeom prst="ellipse">
-            <a:avLst/>
-          </a:prstGeom>
-          <a:solidFill>
-            <a:srgbClr val="FFFFFF">
-              <a:alpha val="60876"/>
-            </a:srgbClr>
-          </a:solidFill>
-          <a:ln w="12700">
-            <a:miter lim="400000"/>
-          </a:ln>
-        </p:spPr>
-        <p:txBody>
-          <a:bodyPr lIns="50800" tIns="50800" rIns="50800" bIns="50800" anchor="ctr"/>
-          <a:lstStyle/>
-          <a:p>
-            <a:pPr>
-              <a:defRPr b="0" sz="3200">
-                <a:latin typeface="+mn-lt"/>
-                <a:ea typeface="+mn-ea"/>
-                <a:cs typeface="+mn-cs"/>
-                <a:sym typeface="Helvetica Neue Medium"/>
-              </a:defRPr>
-            </a:pPr>
-          </a:p>
-        </p:txBody>
-      </p:sp>
-      <p:sp>
-        <p:nvSpPr>
-          <p:cNvPr id="427" name="是一个标识符，跟变量差不多，不是跟某个具体的值绑定的，而是自动，动态的绑定到某个对象上"/>
-          <p:cNvSpPr txBox="1"/>
-          <p:nvPr/>
-        </p:nvSpPr>
-        <p:spPr>
-          <a:xfrm>
-            <a:off x="3335448" y="5000197"/>
-            <a:ext cx="19296898" cy="1524001"/>
-          </a:xfrm>
-          <a:prstGeom prst="rect">
-            <a:avLst/>
-          </a:prstGeom>
-          <a:ln w="12700">
-            <a:miter lim="400000"/>
-          </a:ln>
-          <a:extLst>
-            <a:ext uri="{C572A759-6A51-4108-AA02-DFA0A04FC94B}">
-              <ma14:wrappingTextBoxFlag xmlns:ma14="http://schemas.microsoft.com/office/mac/drawingml/2011/main" val="1"/>
-            </a:ext>
-          </a:extLst>
-        </p:spPr>
-        <p:txBody>
-          <a:bodyPr lIns="50800" tIns="50800" rIns="50800" bIns="50800" anchor="ctr">
-            <a:spAutoFit/>
-          </a:bodyPr>
-          <a:lstStyle>
-            <a:lvl1pPr algn="l">
-              <a:defRPr sz="4000">
-                <a:solidFill>
-                  <a:srgbClr val="FFFFFF">
-                    <a:alpha val="50000"/>
-                  </a:srgbClr>
-                </a:solidFill>
-              </a:defRPr>
-            </a:lvl1pPr>
-          </a:lstStyle>
-          <a:p>
-            <a:pPr/>
-            <a:r>
-              <a:t>是一个标识符，跟变量差不多，不是跟某个具体的值绑定的，而是自动，动态的绑定到某个对象上</a:t>
-            </a:r>
-          </a:p>
-        </p:txBody>
-      </p:sp>
-      <p:sp>
-        <p:nvSpPr>
-          <p:cNvPr id="428" name="圆形"/>
-          <p:cNvSpPr/>
-          <p:nvPr/>
-        </p:nvSpPr>
-        <p:spPr>
-          <a:xfrm>
-            <a:off x="2612859" y="7366271"/>
-            <a:ext cx="283770" cy="283770"/>
-          </a:xfrm>
-          <a:prstGeom prst="ellipse">
-            <a:avLst/>
-          </a:prstGeom>
-          <a:solidFill>
-            <a:srgbClr val="FFFFFF">
-              <a:alpha val="60876"/>
-            </a:srgbClr>
-          </a:solidFill>
-          <a:ln w="12700">
-            <a:miter lim="400000"/>
-          </a:ln>
-        </p:spPr>
-        <p:txBody>
-          <a:bodyPr lIns="50800" tIns="50800" rIns="50800" bIns="50800" anchor="ctr"/>
-          <a:lstStyle/>
-          <a:p>
-            <a:pPr>
-              <a:defRPr b="0" sz="3200">
-                <a:latin typeface="+mn-lt"/>
-                <a:ea typeface="+mn-ea"/>
-                <a:cs typeface="+mn-cs"/>
-                <a:sym typeface="Helvetica Neue Medium"/>
-              </a:defRPr>
-            </a:pPr>
-          </a:p>
-        </p:txBody>
-      </p:sp>
-      <p:sp>
-        <p:nvSpPr>
-          <p:cNvPr id="429" name="当前函数的this是在函数被调用执行时才确定的(取决函数是如何被调用的)"/>
-          <p:cNvSpPr txBox="1"/>
-          <p:nvPr/>
-        </p:nvSpPr>
-        <p:spPr>
-          <a:xfrm>
-            <a:off x="3335448" y="7101755"/>
-            <a:ext cx="19296898" cy="812801"/>
-          </a:xfrm>
-          <a:prstGeom prst="rect">
-            <a:avLst/>
-          </a:prstGeom>
-          <a:ln w="12700">
-            <a:miter lim="400000"/>
-          </a:ln>
-          <a:extLst>
-            <a:ext uri="{C572A759-6A51-4108-AA02-DFA0A04FC94B}">
-              <ma14:wrappingTextBoxFlag xmlns:ma14="http://schemas.microsoft.com/office/mac/drawingml/2011/main" val="1"/>
-            </a:ext>
-          </a:extLst>
-        </p:spPr>
-        <p:txBody>
-          <a:bodyPr lIns="50800" tIns="50800" rIns="50800" bIns="50800" anchor="ctr">
-            <a:spAutoFit/>
-          </a:bodyPr>
-          <a:lstStyle>
-            <a:lvl1pPr algn="l">
-              <a:defRPr sz="4000">
-                <a:solidFill>
-                  <a:srgbClr val="FFFFFF">
-                    <a:alpha val="50000"/>
-                  </a:srgbClr>
-                </a:solidFill>
-              </a:defRPr>
-            </a:lvl1pPr>
-          </a:lstStyle>
-          <a:p>
-            <a:pPr/>
-            <a:r>
-              <a:t> 当前函数的this是在函数被调用执行时才确定的(取决函数是如何被调用的)</a:t>
-            </a:r>
-          </a:p>
-        </p:txBody>
-      </p:sp>
-      <p:sp>
-        <p:nvSpPr>
-          <p:cNvPr id="430" name="This 的值是在运行时求值的。"/>
-          <p:cNvSpPr txBox="1"/>
-          <p:nvPr/>
-        </p:nvSpPr>
-        <p:spPr>
-          <a:xfrm>
-            <a:off x="2789958" y="10989719"/>
-            <a:ext cx="19296897" cy="812801"/>
-          </a:xfrm>
-          <a:prstGeom prst="rect">
-            <a:avLst/>
-          </a:prstGeom>
-          <a:ln w="12700">
-            <a:miter lim="400000"/>
-          </a:ln>
-          <a:extLst>
-            <a:ext uri="{C572A759-6A51-4108-AA02-DFA0A04FC94B}">
-              <ma14:wrappingTextBoxFlag xmlns:ma14="http://schemas.microsoft.com/office/mac/drawingml/2011/main" val="1"/>
-            </a:ext>
-          </a:extLst>
-        </p:spPr>
-        <p:txBody>
-          <a:bodyPr lIns="50800" tIns="50800" rIns="50800" bIns="50800" anchor="ctr">
-            <a:spAutoFit/>
-          </a:bodyPr>
-          <a:lstStyle>
-            <a:lvl1pPr algn="l">
-              <a:defRPr sz="4000">
-                <a:solidFill>
-                  <a:schemeClr val="accent5">
-                    <a:hueOff val="-36178"/>
-                    <a:satOff val="6507"/>
-                    <a:lumOff val="-23518"/>
-                  </a:schemeClr>
-                </a:solidFill>
-              </a:defRPr>
-            </a:lvl1pPr>
-          </a:lstStyle>
-          <a:p>
-            <a:pPr/>
-            <a:r>
-              <a:t> This 的值是在运行时求值的。</a:t>
-            </a:r>
-          </a:p>
-        </p:txBody>
-      </p:sp>
+      <p:pic>
+        <p:nvPicPr>
+          <p:cNvPr id="428" name="1.png" descr="1.png"/>
+          <p:cNvPicPr>
+            <a:picLocks noChangeAspect="1"/>
+          </p:cNvPicPr>
+          <p:nvPr/>
+        </p:nvPicPr>
+        <p:blipFill>
+          <a:blip r:embed="rId4">
+            <a:extLst/>
+          </a:blip>
+          <a:stretch>
+            <a:fillRect/>
+          </a:stretch>
+        </p:blipFill>
+        <p:spPr>
+          <a:xfrm>
+            <a:off x="2198092" y="5666871"/>
+            <a:ext cx="11368032" cy="6367385"/>
+          </a:xfrm>
+          <a:prstGeom prst="rect">
+            <a:avLst/>
+          </a:prstGeom>
+          <a:ln w="12700">
+            <a:miter lim="400000"/>
+          </a:ln>
+        </p:spPr>
+      </p:pic>
     </p:spTree>
   </p:cSld>
   <p:clrMapOvr>
@@ -13695,7 +13571,7 @@
       </p:grpSpPr>
       <p:sp>
         <p:nvSpPr>
-          <p:cNvPr id="432" name="追梦课堂   临汾首家专业的web前端培训机构                                                          www.zmclass.com"/>
+          <p:cNvPr id="430" name="追梦课堂   临汾首家专业的web前端培训机构                                                          www.zmclass.com"/>
           <p:cNvSpPr txBox="1"/>
           <p:nvPr/>
         </p:nvSpPr>
@@ -13766,7 +13642,7 @@
       </p:sp>
       <p:sp>
         <p:nvSpPr>
-          <p:cNvPr id="433" name="幻灯片编号"/>
+          <p:cNvPr id="431" name="幻灯片编号"/>
           <p:cNvSpPr txBox="1"/>
           <p:nvPr>
             <p:ph type="sldNum" sz="quarter" idx="2"/>
@@ -13793,7 +13669,7 @@
       </p:sp>
       <p:sp>
         <p:nvSpPr>
-          <p:cNvPr id="434" name="函数调用（4种方法）"/>
+          <p:cNvPr id="432" name="arguments 作为函数参数的别名"/>
           <p:cNvSpPr txBox="1"/>
           <p:nvPr/>
         </p:nvSpPr>
@@ -13826,14 +13702,14 @@
           <a:p>
             <a:pPr/>
             <a:r>
-              <a:t>函数调用（4种方法）</a:t>
-            </a:r>
-          </a:p>
-        </p:txBody>
-      </p:sp>
-      <p:sp>
-        <p:nvSpPr>
-          <p:cNvPr id="435" name="矩形"/>
+              <a:t>arguments 作为函数参数的别名</a:t>
+            </a:r>
+          </a:p>
+        </p:txBody>
+      </p:sp>
+      <p:sp>
+        <p:nvSpPr>
+          <p:cNvPr id="433" name="矩形"/>
           <p:cNvSpPr/>
           <p:nvPr/>
         </p:nvSpPr>
@@ -13873,7 +13749,7 @@
       </p:sp>
       <p:sp>
         <p:nvSpPr>
-          <p:cNvPr id="436" name="作为一个函数直接调用"/>
+          <p:cNvPr id="434" name="改变arguments的值，会改变参数的值"/>
           <p:cNvSpPr txBox="1"/>
           <p:nvPr/>
         </p:nvSpPr>
@@ -13912,14 +13788,14 @@
           <a:p>
             <a:pPr/>
             <a:r>
-              <a:t>作为一个函数直接调用</a:t>
-            </a:r>
-          </a:p>
-        </p:txBody>
-      </p:sp>
-      <p:sp>
-        <p:nvSpPr>
-          <p:cNvPr id="437" name="圆形"/>
+              <a:t>改变arguments的值，会改变参数的值</a:t>
+            </a:r>
+          </a:p>
+        </p:txBody>
+      </p:sp>
+      <p:sp>
+        <p:nvSpPr>
+          <p:cNvPr id="435" name="圆形"/>
           <p:cNvSpPr/>
           <p:nvPr/>
         </p:nvSpPr>
@@ -13957,7 +13833,7 @@
       </p:sp>
       <p:sp>
         <p:nvSpPr>
-          <p:cNvPr id="438" name="圆形"/>
+          <p:cNvPr id="436" name="圆形"/>
           <p:cNvSpPr/>
           <p:nvPr/>
         </p:nvSpPr>
@@ -13995,7 +13871,7 @@
       </p:sp>
       <p:sp>
         <p:nvSpPr>
-          <p:cNvPr id="439" name="作为一个方法，关联到一个对象上"/>
+          <p:cNvPr id="437" name="严格模式下无论参数如何变化，将不在随之改变"/>
           <p:cNvSpPr txBox="1"/>
           <p:nvPr/>
         </p:nvSpPr>
@@ -14034,20 +13910,20 @@
           <a:p>
             <a:pPr/>
             <a:r>
-              <a:t>作为一个方法，关联到一个对象上</a:t>
-            </a:r>
-          </a:p>
-        </p:txBody>
-      </p:sp>
-      <p:sp>
-        <p:nvSpPr>
-          <p:cNvPr id="440" name="作为一个构造函数，实例化一个新对象"/>
-          <p:cNvSpPr txBox="1"/>
-          <p:nvPr/>
-        </p:nvSpPr>
-        <p:spPr>
-          <a:xfrm>
-            <a:off x="3335448" y="8969531"/>
+              <a:t>严格模式下无论参数如何变化，将不在随之改变</a:t>
+            </a:r>
+          </a:p>
+        </p:txBody>
+      </p:sp>
+      <p:sp>
+        <p:nvSpPr>
+          <p:cNvPr id="438" name="如果一个函数值使用了默认参数，无论在不在严格模式下 都与严格模式保持一致"/>
+          <p:cNvSpPr txBox="1"/>
+          <p:nvPr/>
+        </p:nvSpPr>
+        <p:spPr>
+          <a:xfrm>
+            <a:off x="3335448" y="7799045"/>
             <a:ext cx="19296898" cy="812801"/>
           </a:xfrm>
           <a:prstGeom prst="rect">
@@ -14080,20 +13956,20 @@
           <a:p>
             <a:pPr/>
             <a:r>
-              <a:t>作为一个构造函数，实例化一个新对象</a:t>
-            </a:r>
-          </a:p>
-        </p:txBody>
-      </p:sp>
-      <p:sp>
-        <p:nvSpPr>
-          <p:cNvPr id="441" name="圆形"/>
+              <a:t>如果一个函数值使用了默认参数，无论在不在严格模式下 都与严格模式保持一致</a:t>
+            </a:r>
+          </a:p>
+        </p:txBody>
+      </p:sp>
+      <p:sp>
+        <p:nvSpPr>
+          <p:cNvPr id="439" name="圆形"/>
           <p:cNvSpPr/>
           <p:nvPr/>
         </p:nvSpPr>
         <p:spPr>
           <a:xfrm>
-            <a:off x="2612859" y="8013746"/>
+            <a:off x="2612859" y="8063560"/>
             <a:ext cx="283770" cy="283770"/>
           </a:xfrm>
           <a:prstGeom prst="ellipse">
@@ -14120,90 +13996,6 @@
                 <a:sym typeface="Helvetica Neue Medium"/>
               </a:defRPr>
             </a:pPr>
-          </a:p>
-        </p:txBody>
-      </p:sp>
-      <p:sp>
-        <p:nvSpPr>
-          <p:cNvPr id="442" name="圆形"/>
-          <p:cNvSpPr/>
-          <p:nvPr/>
-        </p:nvSpPr>
-        <p:spPr>
-          <a:xfrm>
-            <a:off x="2612859" y="9311378"/>
-            <a:ext cx="283770" cy="283769"/>
-          </a:xfrm>
-          <a:prstGeom prst="ellipse">
-            <a:avLst/>
-          </a:prstGeom>
-          <a:solidFill>
-            <a:srgbClr val="FFFFFF">
-              <a:alpha val="60876"/>
-            </a:srgbClr>
-          </a:solidFill>
-          <a:ln w="12700">
-            <a:miter lim="400000"/>
-          </a:ln>
-        </p:spPr>
-        <p:txBody>
-          <a:bodyPr lIns="50800" tIns="50800" rIns="50800" bIns="50800" anchor="ctr"/>
-          <a:lstStyle/>
-          <a:p>
-            <a:pPr>
-              <a:defRPr b="0" sz="3200">
-                <a:latin typeface="+mn-lt"/>
-                <a:ea typeface="+mn-ea"/>
-                <a:cs typeface="+mn-cs"/>
-                <a:sym typeface="Helvetica Neue Medium"/>
-              </a:defRPr>
-            </a:pPr>
-          </a:p>
-        </p:txBody>
-      </p:sp>
-      <p:sp>
-        <p:nvSpPr>
-          <p:cNvPr id="443" name="通过函数的apply 或者 call方法 或者 bind方法"/>
-          <p:cNvSpPr txBox="1"/>
-          <p:nvPr/>
-        </p:nvSpPr>
-        <p:spPr>
-          <a:xfrm>
-            <a:off x="3335448" y="7749230"/>
-            <a:ext cx="19296898" cy="812801"/>
-          </a:xfrm>
-          <a:prstGeom prst="rect">
-            <a:avLst/>
-          </a:prstGeom>
-          <a:ln w="12700">
-            <a:miter lim="400000"/>
-          </a:ln>
-          <a:extLst>
-            <a:ext uri="{C572A759-6A51-4108-AA02-DFA0A04FC94B}">
-              <ma14:wrappingTextBoxFlag xmlns:ma14="http://schemas.microsoft.com/office/mac/drawingml/2011/main" val="1"/>
-            </a:ext>
-          </a:extLst>
-        </p:spPr>
-        <p:txBody>
-          <a:bodyPr lIns="50800" tIns="50800" rIns="50800" bIns="50800" anchor="ctr">
-            <a:spAutoFit/>
-          </a:bodyPr>
-          <a:lstStyle>
-            <a:lvl1pPr algn="l">
-              <a:defRPr sz="4000">
-                <a:solidFill>
-                  <a:srgbClr val="FFFFFF">
-                    <a:alpha val="50000"/>
-                  </a:srgbClr>
-                </a:solidFill>
-              </a:defRPr>
-            </a:lvl1pPr>
-          </a:lstStyle>
-          <a:p>
-            <a:pPr/>
-            <a:r>
-              <a:t>通过函数的apply 或者 call方法 或者 bind方法</a:t>
-            </a:r>
           </a:p>
         </p:txBody>
       </p:sp>
@@ -14246,7 +14038,7 @@
       </p:grpSpPr>
       <p:sp>
         <p:nvSpPr>
-          <p:cNvPr id="445" name="追梦课堂   临汾首家专业的web前端培训机构                                                          www.zmclass.com"/>
+          <p:cNvPr id="441" name="追梦课堂   临汾首家专业的web前端培训机构                                                          www.zmclass.com"/>
           <p:cNvSpPr txBox="1"/>
           <p:nvPr/>
         </p:nvSpPr>
@@ -14317,7 +14109,7 @@
       </p:sp>
       <p:sp>
         <p:nvSpPr>
-          <p:cNvPr id="446" name="幻灯片编号"/>
+          <p:cNvPr id="442" name="幻灯片编号"/>
           <p:cNvSpPr txBox="1"/>
           <p:nvPr>
             <p:ph type="sldNum" sz="quarter" idx="2"/>
@@ -14344,14 +14136,14 @@
       </p:sp>
       <p:sp>
         <p:nvSpPr>
-          <p:cNvPr id="447" name="作为一个函数调用"/>
-          <p:cNvSpPr txBox="1"/>
-          <p:nvPr/>
-        </p:nvSpPr>
-        <p:spPr>
-          <a:xfrm>
-            <a:off x="2276759" y="3470381"/>
-            <a:ext cx="15656269" cy="1168401"/>
+          <p:cNvPr id="443" name="this"/>
+          <p:cNvSpPr txBox="1"/>
+          <p:nvPr/>
+        </p:nvSpPr>
+        <p:spPr>
+          <a:xfrm>
+            <a:off x="2276759" y="3544932"/>
+            <a:ext cx="15656269" cy="1019298"/>
           </a:xfrm>
           <a:prstGeom prst="rect">
             <a:avLst/>
@@ -14377,14 +14169,14 @@
           <a:p>
             <a:pPr/>
             <a:r>
-              <a:t>作为一个函数调用</a:t>
-            </a:r>
-          </a:p>
-        </p:txBody>
-      </p:sp>
-      <p:sp>
-        <p:nvSpPr>
-          <p:cNvPr id="448" name="矩形"/>
+              <a:t>this</a:t>
+            </a:r>
+          </a:p>
+        </p:txBody>
+      </p:sp>
+      <p:sp>
+        <p:nvSpPr>
+          <p:cNvPr id="444" name="矩形"/>
           <p:cNvSpPr/>
           <p:nvPr/>
         </p:nvSpPr>
@@ -14422,103 +14214,54 @@
           </a:p>
         </p:txBody>
       </p:sp>
-      <p:pic>
-        <p:nvPicPr>
-          <p:cNvPr id="449" name="1.png" descr="1.png"/>
-          <p:cNvPicPr>
-            <a:picLocks noChangeAspect="1"/>
-          </p:cNvPicPr>
-          <p:nvPr/>
-        </p:nvPicPr>
-        <p:blipFill>
-          <a:blip r:embed="rId4">
-            <a:extLst/>
-          </a:blip>
-          <a:stretch>
-            <a:fillRect/>
-          </a:stretch>
-        </p:blipFill>
-        <p:spPr>
-          <a:xfrm>
-            <a:off x="707295" y="9242000"/>
-            <a:ext cx="6680201" cy="2654301"/>
-          </a:xfrm>
-          <a:prstGeom prst="rect">
-            <a:avLst/>
-          </a:prstGeom>
-          <a:ln w="12700">
-            <a:miter lim="400000"/>
-          </a:ln>
-        </p:spPr>
-      </p:pic>
-      <p:pic>
-        <p:nvPicPr>
-          <p:cNvPr id="450" name="2.png" descr="2.png"/>
-          <p:cNvPicPr>
-            <a:picLocks noChangeAspect="1"/>
-          </p:cNvPicPr>
-          <p:nvPr/>
-        </p:nvPicPr>
-        <p:blipFill>
-          <a:blip r:embed="rId5">
-            <a:extLst/>
-          </a:blip>
-          <a:stretch>
-            <a:fillRect/>
-          </a:stretch>
-        </p:blipFill>
-        <p:spPr>
-          <a:xfrm>
-            <a:off x="8102058" y="9436137"/>
-            <a:ext cx="7778407" cy="2266025"/>
-          </a:xfrm>
-          <a:prstGeom prst="rect">
-            <a:avLst/>
-          </a:prstGeom>
-          <a:ln w="12700">
-            <a:miter lim="400000"/>
-          </a:ln>
-        </p:spPr>
-      </p:pic>
-      <p:pic>
-        <p:nvPicPr>
-          <p:cNvPr id="451" name="3.png" descr="3.png"/>
-          <p:cNvPicPr>
-            <a:picLocks noChangeAspect="1"/>
-          </p:cNvPicPr>
-          <p:nvPr/>
-        </p:nvPicPr>
-        <p:blipFill>
-          <a:blip r:embed="rId6">
-            <a:extLst/>
-          </a:blip>
-          <a:stretch>
-            <a:fillRect/>
-          </a:stretch>
-        </p:blipFill>
-        <p:spPr>
-          <a:xfrm>
-            <a:off x="16595027" y="9661100"/>
-            <a:ext cx="7607301" cy="1816101"/>
-          </a:xfrm>
-          <a:prstGeom prst="rect">
-            <a:avLst/>
-          </a:prstGeom>
-          <a:ln w="12700">
-            <a:miter lim="400000"/>
-          </a:ln>
-        </p:spPr>
-      </p:pic>
-      <p:sp>
-        <p:nvSpPr>
-          <p:cNvPr id="452" name="- 严格模式下 this 指向undefined"/>
-          <p:cNvSpPr txBox="1"/>
-          <p:nvPr/>
-        </p:nvSpPr>
-        <p:spPr>
-          <a:xfrm>
-            <a:off x="2543551" y="4927486"/>
-            <a:ext cx="19296898" cy="812801"/>
+      <p:sp>
+        <p:nvSpPr>
+          <p:cNvPr id="445" name="圆形"/>
+          <p:cNvSpPr/>
+          <p:nvPr/>
+        </p:nvSpPr>
+        <p:spPr>
+          <a:xfrm>
+            <a:off x="2612859" y="5620313"/>
+            <a:ext cx="283770" cy="283769"/>
+          </a:xfrm>
+          <a:prstGeom prst="ellipse">
+            <a:avLst/>
+          </a:prstGeom>
+          <a:solidFill>
+            <a:srgbClr val="FFFFFF">
+              <a:alpha val="60876"/>
+            </a:srgbClr>
+          </a:solidFill>
+          <a:ln w="12700">
+            <a:miter lim="400000"/>
+          </a:ln>
+        </p:spPr>
+        <p:txBody>
+          <a:bodyPr lIns="50800" tIns="50800" rIns="50800" bIns="50800" anchor="ctr"/>
+          <a:lstStyle/>
+          <a:p>
+            <a:pPr>
+              <a:defRPr b="0" sz="3200">
+                <a:latin typeface="+mn-lt"/>
+                <a:ea typeface="+mn-ea"/>
+                <a:cs typeface="+mn-cs"/>
+                <a:sym typeface="Helvetica Neue Medium"/>
+              </a:defRPr>
+            </a:pPr>
+          </a:p>
+        </p:txBody>
+      </p:sp>
+      <p:sp>
+        <p:nvSpPr>
+          <p:cNvPr id="446" name="是一个标识符，跟变量差不多，不是跟某个具体的值绑定的，而是自动，动态的绑定到某个对象上"/>
+          <p:cNvSpPr txBox="1"/>
+          <p:nvPr/>
+        </p:nvSpPr>
+        <p:spPr>
+          <a:xfrm>
+            <a:off x="3335448" y="5000197"/>
+            <a:ext cx="19296898" cy="1524001"/>
           </a:xfrm>
           <a:prstGeom prst="rect">
             <a:avLst/>
@@ -14550,20 +14293,58 @@
           <a:p>
             <a:pPr/>
             <a:r>
-              <a:t> - 严格模式下 this 指向undefined</a:t>
-            </a:r>
-          </a:p>
-        </p:txBody>
-      </p:sp>
-      <p:sp>
-        <p:nvSpPr>
-          <p:cNvPr id="453" name="- 非严格模式下 this 指向window"/>
-          <p:cNvSpPr txBox="1"/>
-          <p:nvPr/>
-        </p:nvSpPr>
-        <p:spPr>
-          <a:xfrm>
-            <a:off x="2543551" y="6225116"/>
+              <a:t>是一个标识符，跟变量差不多，不是跟某个具体的值绑定的，而是自动，动态的绑定到某个对象上</a:t>
+            </a:r>
+          </a:p>
+        </p:txBody>
+      </p:sp>
+      <p:sp>
+        <p:nvSpPr>
+          <p:cNvPr id="447" name="圆形"/>
+          <p:cNvSpPr/>
+          <p:nvPr/>
+        </p:nvSpPr>
+        <p:spPr>
+          <a:xfrm>
+            <a:off x="2612859" y="7366271"/>
+            <a:ext cx="283770" cy="283770"/>
+          </a:xfrm>
+          <a:prstGeom prst="ellipse">
+            <a:avLst/>
+          </a:prstGeom>
+          <a:solidFill>
+            <a:srgbClr val="FFFFFF">
+              <a:alpha val="60876"/>
+            </a:srgbClr>
+          </a:solidFill>
+          <a:ln w="12700">
+            <a:miter lim="400000"/>
+          </a:ln>
+        </p:spPr>
+        <p:txBody>
+          <a:bodyPr lIns="50800" tIns="50800" rIns="50800" bIns="50800" anchor="ctr"/>
+          <a:lstStyle/>
+          <a:p>
+            <a:pPr>
+              <a:defRPr b="0" sz="3200">
+                <a:latin typeface="+mn-lt"/>
+                <a:ea typeface="+mn-ea"/>
+                <a:cs typeface="+mn-cs"/>
+                <a:sym typeface="Helvetica Neue Medium"/>
+              </a:defRPr>
+            </a:pPr>
+          </a:p>
+        </p:txBody>
+      </p:sp>
+      <p:sp>
+        <p:nvSpPr>
+          <p:cNvPr id="448" name="当前函数的this是在函数被调用执行时才确定的(取决函数是如何被调用的)"/>
+          <p:cNvSpPr txBox="1"/>
+          <p:nvPr/>
+        </p:nvSpPr>
+        <p:spPr>
+          <a:xfrm>
+            <a:off x="3335448" y="7101755"/>
             <a:ext cx="19296898" cy="812801"/>
           </a:xfrm>
           <a:prstGeom prst="rect">
@@ -14596,7 +14377,55 @@
           <a:p>
             <a:pPr/>
             <a:r>
-              <a:t> - 非严格模式下 this 指向window</a:t>
+              <a:t> 当前函数的this是在函数被调用执行时才确定的(取决函数是如何被调用的)</a:t>
+            </a:r>
+          </a:p>
+        </p:txBody>
+      </p:sp>
+      <p:sp>
+        <p:nvSpPr>
+          <p:cNvPr id="449" name="This 的值是在运行时求值的。"/>
+          <p:cNvSpPr txBox="1"/>
+          <p:nvPr/>
+        </p:nvSpPr>
+        <p:spPr>
+          <a:xfrm>
+            <a:off x="2789958" y="10989719"/>
+            <a:ext cx="19296897" cy="812801"/>
+          </a:xfrm>
+          <a:prstGeom prst="rect">
+            <a:avLst/>
+          </a:prstGeom>
+          <a:ln w="12700">
+            <a:miter lim="400000"/>
+          </a:ln>
+          <a:extLst>
+            <a:ext uri="{C572A759-6A51-4108-AA02-DFA0A04FC94B}">
+              <ma14:wrappingTextBoxFlag xmlns:ma14="http://schemas.microsoft.com/office/mac/drawingml/2011/main" val="1"/>
+            </a:ext>
+          </a:extLst>
+        </p:spPr>
+        <p:txBody>
+          <a:bodyPr lIns="50800" tIns="50800" rIns="50800" bIns="50800" anchor="ctr">
+            <a:spAutoFit/>
+          </a:bodyPr>
+          <a:lstStyle>
+            <a:lvl1pPr algn="l">
+              <a:defRPr sz="4000">
+                <a:solidFill>
+                  <a:schemeClr val="accent5">
+                    <a:hueOff val="-36178"/>
+                    <a:satOff val="6507"/>
+                    <a:lumOff val="-23518"/>
+                  </a:schemeClr>
+                </a:solidFill>
+              </a:defRPr>
+            </a:lvl1pPr>
+          </a:lstStyle>
+          <a:p>
+            <a:pPr/>
+            <a:r>
+              <a:t> This 的值是在运行时求值的。</a:t>
             </a:r>
           </a:p>
         </p:txBody>
@@ -14640,7 +14469,7 @@
       </p:grpSpPr>
       <p:sp>
         <p:nvSpPr>
-          <p:cNvPr id="455" name="追梦课堂   临汾首家专业的web前端培训机构                                                          www.zmclass.com"/>
+          <p:cNvPr id="451" name="追梦课堂   临汾首家专业的web前端培训机构                                                          www.zmclass.com"/>
           <p:cNvSpPr txBox="1"/>
           <p:nvPr/>
         </p:nvSpPr>
@@ -14711,7 +14540,7 @@
       </p:sp>
       <p:sp>
         <p:nvSpPr>
-          <p:cNvPr id="456" name="幻灯片编号"/>
+          <p:cNvPr id="452" name="幻灯片编号"/>
           <p:cNvSpPr txBox="1"/>
           <p:nvPr>
             <p:ph type="sldNum" sz="quarter" idx="2"/>
@@ -14738,7 +14567,7 @@
       </p:sp>
       <p:sp>
         <p:nvSpPr>
-          <p:cNvPr id="457" name="作为对象一个方法调用"/>
+          <p:cNvPr id="453" name="函数调用（4种方法）"/>
           <p:cNvSpPr txBox="1"/>
           <p:nvPr/>
         </p:nvSpPr>
@@ -14771,14 +14600,14 @@
           <a:p>
             <a:pPr/>
             <a:r>
-              <a:t>作为对象一个方法调用</a:t>
-            </a:r>
-          </a:p>
-        </p:txBody>
-      </p:sp>
-      <p:sp>
-        <p:nvSpPr>
-          <p:cNvPr id="458" name="矩形"/>
+              <a:t>函数调用（4种方法）</a:t>
+            </a:r>
+          </a:p>
+        </p:txBody>
+      </p:sp>
+      <p:sp>
+        <p:nvSpPr>
+          <p:cNvPr id="454" name="矩形"/>
           <p:cNvSpPr/>
           <p:nvPr/>
         </p:nvSpPr>
@@ -14818,13 +14647,13 @@
       </p:sp>
       <p:sp>
         <p:nvSpPr>
-          <p:cNvPr id="459" name="- this 指向该对象本身"/>
-          <p:cNvSpPr txBox="1"/>
-          <p:nvPr/>
-        </p:nvSpPr>
-        <p:spPr>
-          <a:xfrm>
-            <a:off x="2543551" y="4927486"/>
+          <p:cNvPr id="455" name="作为一个函数直接调用"/>
+          <p:cNvSpPr txBox="1"/>
+          <p:nvPr/>
+        </p:nvSpPr>
+        <p:spPr>
+          <a:xfrm>
+            <a:off x="3335448" y="5355797"/>
             <a:ext cx="19296898" cy="812801"/>
           </a:xfrm>
           <a:prstGeom prst="rect">
@@ -14857,69 +14686,301 @@
           <a:p>
             <a:pPr/>
             <a:r>
-              <a:t> - this 指向该对象本身</a:t>
-            </a:r>
-          </a:p>
-        </p:txBody>
-      </p:sp>
-      <p:pic>
-        <p:nvPicPr>
-          <p:cNvPr id="460" name="1.png" descr="1.png"/>
-          <p:cNvPicPr>
-            <a:picLocks noChangeAspect="1"/>
-          </p:cNvPicPr>
-          <p:nvPr/>
-        </p:nvPicPr>
-        <p:blipFill>
-          <a:blip r:embed="rId4">
-            <a:extLst/>
-          </a:blip>
-          <a:stretch>
-            <a:fillRect/>
-          </a:stretch>
-        </p:blipFill>
-        <p:spPr>
-          <a:xfrm>
-            <a:off x="14686439" y="6723226"/>
-            <a:ext cx="7662928" cy="4762723"/>
-          </a:xfrm>
-          <a:prstGeom prst="rect">
-            <a:avLst/>
-          </a:prstGeom>
-          <a:ln w="12700">
-            <a:miter lim="400000"/>
-          </a:ln>
-        </p:spPr>
-      </p:pic>
-      <p:pic>
-        <p:nvPicPr>
-          <p:cNvPr id="461" name="1.png" descr="1.png"/>
-          <p:cNvPicPr>
-            <a:picLocks noChangeAspect="1"/>
-          </p:cNvPicPr>
-          <p:nvPr/>
-        </p:nvPicPr>
-        <p:blipFill>
-          <a:blip r:embed="rId5">
-            <a:extLst/>
-          </a:blip>
-          <a:stretch>
-            <a:fillRect/>
-          </a:stretch>
-        </p:blipFill>
-        <p:spPr>
-          <a:xfrm>
-            <a:off x="2604985" y="6628087"/>
-            <a:ext cx="8115301" cy="4953001"/>
-          </a:xfrm>
-          <a:prstGeom prst="rect">
-            <a:avLst/>
-          </a:prstGeom>
-          <a:ln w="12700">
-            <a:miter lim="400000"/>
-          </a:ln>
-        </p:spPr>
-      </p:pic>
+              <a:t>作为一个函数直接调用</a:t>
+            </a:r>
+          </a:p>
+        </p:txBody>
+      </p:sp>
+      <p:sp>
+        <p:nvSpPr>
+          <p:cNvPr id="456" name="圆形"/>
+          <p:cNvSpPr/>
+          <p:nvPr/>
+        </p:nvSpPr>
+        <p:spPr>
+          <a:xfrm>
+            <a:off x="2612859" y="5620313"/>
+            <a:ext cx="283770" cy="283769"/>
+          </a:xfrm>
+          <a:prstGeom prst="ellipse">
+            <a:avLst/>
+          </a:prstGeom>
+          <a:solidFill>
+            <a:srgbClr val="FFFFFF">
+              <a:alpha val="60876"/>
+            </a:srgbClr>
+          </a:solidFill>
+          <a:ln w="12700">
+            <a:miter lim="400000"/>
+          </a:ln>
+        </p:spPr>
+        <p:txBody>
+          <a:bodyPr lIns="50800" tIns="50800" rIns="50800" bIns="50800" anchor="ctr"/>
+          <a:lstStyle/>
+          <a:p>
+            <a:pPr>
+              <a:defRPr b="0" sz="3200">
+                <a:latin typeface="+mn-lt"/>
+                <a:ea typeface="+mn-ea"/>
+                <a:cs typeface="+mn-cs"/>
+                <a:sym typeface="Helvetica Neue Medium"/>
+              </a:defRPr>
+            </a:pPr>
+          </a:p>
+        </p:txBody>
+      </p:sp>
+      <p:sp>
+        <p:nvSpPr>
+          <p:cNvPr id="457" name="圆形"/>
+          <p:cNvSpPr/>
+          <p:nvPr/>
+        </p:nvSpPr>
+        <p:spPr>
+          <a:xfrm>
+            <a:off x="2612859" y="6716115"/>
+            <a:ext cx="283770" cy="283770"/>
+          </a:xfrm>
+          <a:prstGeom prst="ellipse">
+            <a:avLst/>
+          </a:prstGeom>
+          <a:solidFill>
+            <a:srgbClr val="FFFFFF">
+              <a:alpha val="60876"/>
+            </a:srgbClr>
+          </a:solidFill>
+          <a:ln w="12700">
+            <a:miter lim="400000"/>
+          </a:ln>
+        </p:spPr>
+        <p:txBody>
+          <a:bodyPr lIns="50800" tIns="50800" rIns="50800" bIns="50800" anchor="ctr"/>
+          <a:lstStyle/>
+          <a:p>
+            <a:pPr>
+              <a:defRPr b="0" sz="3200">
+                <a:latin typeface="+mn-lt"/>
+                <a:ea typeface="+mn-ea"/>
+                <a:cs typeface="+mn-cs"/>
+                <a:sym typeface="Helvetica Neue Medium"/>
+              </a:defRPr>
+            </a:pPr>
+          </a:p>
+        </p:txBody>
+      </p:sp>
+      <p:sp>
+        <p:nvSpPr>
+          <p:cNvPr id="458" name="作为一个方法，关联到一个对象上"/>
+          <p:cNvSpPr txBox="1"/>
+          <p:nvPr/>
+        </p:nvSpPr>
+        <p:spPr>
+          <a:xfrm>
+            <a:off x="3335448" y="6451600"/>
+            <a:ext cx="19296898" cy="812801"/>
+          </a:xfrm>
+          <a:prstGeom prst="rect">
+            <a:avLst/>
+          </a:prstGeom>
+          <a:ln w="12700">
+            <a:miter lim="400000"/>
+          </a:ln>
+          <a:extLst>
+            <a:ext uri="{C572A759-6A51-4108-AA02-DFA0A04FC94B}">
+              <ma14:wrappingTextBoxFlag xmlns:ma14="http://schemas.microsoft.com/office/mac/drawingml/2011/main" val="1"/>
+            </a:ext>
+          </a:extLst>
+        </p:spPr>
+        <p:txBody>
+          <a:bodyPr lIns="50800" tIns="50800" rIns="50800" bIns="50800" anchor="ctr">
+            <a:spAutoFit/>
+          </a:bodyPr>
+          <a:lstStyle>
+            <a:lvl1pPr algn="l">
+              <a:defRPr sz="4000">
+                <a:solidFill>
+                  <a:srgbClr val="FFFFFF">
+                    <a:alpha val="50000"/>
+                  </a:srgbClr>
+                </a:solidFill>
+              </a:defRPr>
+            </a:lvl1pPr>
+          </a:lstStyle>
+          <a:p>
+            <a:pPr/>
+            <a:r>
+              <a:t>作为一个方法，关联到一个对象上</a:t>
+            </a:r>
+          </a:p>
+        </p:txBody>
+      </p:sp>
+      <p:sp>
+        <p:nvSpPr>
+          <p:cNvPr id="459" name="作为一个构造函数，实例化一个新对象"/>
+          <p:cNvSpPr txBox="1"/>
+          <p:nvPr/>
+        </p:nvSpPr>
+        <p:spPr>
+          <a:xfrm>
+            <a:off x="3335448" y="8969531"/>
+            <a:ext cx="19296898" cy="812801"/>
+          </a:xfrm>
+          <a:prstGeom prst="rect">
+            <a:avLst/>
+          </a:prstGeom>
+          <a:ln w="12700">
+            <a:miter lim="400000"/>
+          </a:ln>
+          <a:extLst>
+            <a:ext uri="{C572A759-6A51-4108-AA02-DFA0A04FC94B}">
+              <ma14:wrappingTextBoxFlag xmlns:ma14="http://schemas.microsoft.com/office/mac/drawingml/2011/main" val="1"/>
+            </a:ext>
+          </a:extLst>
+        </p:spPr>
+        <p:txBody>
+          <a:bodyPr lIns="50800" tIns="50800" rIns="50800" bIns="50800" anchor="ctr">
+            <a:spAutoFit/>
+          </a:bodyPr>
+          <a:lstStyle>
+            <a:lvl1pPr algn="l">
+              <a:defRPr sz="4000">
+                <a:solidFill>
+                  <a:srgbClr val="FFFFFF">
+                    <a:alpha val="50000"/>
+                  </a:srgbClr>
+                </a:solidFill>
+              </a:defRPr>
+            </a:lvl1pPr>
+          </a:lstStyle>
+          <a:p>
+            <a:pPr/>
+            <a:r>
+              <a:t>作为一个构造函数，实例化一个新对象</a:t>
+            </a:r>
+          </a:p>
+        </p:txBody>
+      </p:sp>
+      <p:sp>
+        <p:nvSpPr>
+          <p:cNvPr id="460" name="圆形"/>
+          <p:cNvSpPr/>
+          <p:nvPr/>
+        </p:nvSpPr>
+        <p:spPr>
+          <a:xfrm>
+            <a:off x="2612859" y="8013746"/>
+            <a:ext cx="283770" cy="283770"/>
+          </a:xfrm>
+          <a:prstGeom prst="ellipse">
+            <a:avLst/>
+          </a:prstGeom>
+          <a:solidFill>
+            <a:srgbClr val="FFFFFF">
+              <a:alpha val="60876"/>
+            </a:srgbClr>
+          </a:solidFill>
+          <a:ln w="12700">
+            <a:miter lim="400000"/>
+          </a:ln>
+        </p:spPr>
+        <p:txBody>
+          <a:bodyPr lIns="50800" tIns="50800" rIns="50800" bIns="50800" anchor="ctr"/>
+          <a:lstStyle/>
+          <a:p>
+            <a:pPr>
+              <a:defRPr b="0" sz="3200">
+                <a:latin typeface="+mn-lt"/>
+                <a:ea typeface="+mn-ea"/>
+                <a:cs typeface="+mn-cs"/>
+                <a:sym typeface="Helvetica Neue Medium"/>
+              </a:defRPr>
+            </a:pPr>
+          </a:p>
+        </p:txBody>
+      </p:sp>
+      <p:sp>
+        <p:nvSpPr>
+          <p:cNvPr id="461" name="圆形"/>
+          <p:cNvSpPr/>
+          <p:nvPr/>
+        </p:nvSpPr>
+        <p:spPr>
+          <a:xfrm>
+            <a:off x="2612859" y="9311378"/>
+            <a:ext cx="283770" cy="283769"/>
+          </a:xfrm>
+          <a:prstGeom prst="ellipse">
+            <a:avLst/>
+          </a:prstGeom>
+          <a:solidFill>
+            <a:srgbClr val="FFFFFF">
+              <a:alpha val="60876"/>
+            </a:srgbClr>
+          </a:solidFill>
+          <a:ln w="12700">
+            <a:miter lim="400000"/>
+          </a:ln>
+        </p:spPr>
+        <p:txBody>
+          <a:bodyPr lIns="50800" tIns="50800" rIns="50800" bIns="50800" anchor="ctr"/>
+          <a:lstStyle/>
+          <a:p>
+            <a:pPr>
+              <a:defRPr b="0" sz="3200">
+                <a:latin typeface="+mn-lt"/>
+                <a:ea typeface="+mn-ea"/>
+                <a:cs typeface="+mn-cs"/>
+                <a:sym typeface="Helvetica Neue Medium"/>
+              </a:defRPr>
+            </a:pPr>
+          </a:p>
+        </p:txBody>
+      </p:sp>
+      <p:sp>
+        <p:nvSpPr>
+          <p:cNvPr id="462" name="通过函数的apply 或者 call方法 或者 bind方法"/>
+          <p:cNvSpPr txBox="1"/>
+          <p:nvPr/>
+        </p:nvSpPr>
+        <p:spPr>
+          <a:xfrm>
+            <a:off x="3335448" y="7749230"/>
+            <a:ext cx="19296898" cy="812801"/>
+          </a:xfrm>
+          <a:prstGeom prst="rect">
+            <a:avLst/>
+          </a:prstGeom>
+          <a:ln w="12700">
+            <a:miter lim="400000"/>
+          </a:ln>
+          <a:extLst>
+            <a:ext uri="{C572A759-6A51-4108-AA02-DFA0A04FC94B}">
+              <ma14:wrappingTextBoxFlag xmlns:ma14="http://schemas.microsoft.com/office/mac/drawingml/2011/main" val="1"/>
+            </a:ext>
+          </a:extLst>
+        </p:spPr>
+        <p:txBody>
+          <a:bodyPr lIns="50800" tIns="50800" rIns="50800" bIns="50800" anchor="ctr">
+            <a:spAutoFit/>
+          </a:bodyPr>
+          <a:lstStyle>
+            <a:lvl1pPr algn="l">
+              <a:defRPr sz="4000">
+                <a:solidFill>
+                  <a:srgbClr val="FFFFFF">
+                    <a:alpha val="50000"/>
+                  </a:srgbClr>
+                </a:solidFill>
+              </a:defRPr>
+            </a:lvl1pPr>
+          </a:lstStyle>
+          <a:p>
+            <a:pPr/>
+            <a:r>
+              <a:t>通过函数的apply 或者 call方法 或者 bind方法</a:t>
+            </a:r>
+          </a:p>
+        </p:txBody>
+      </p:sp>
     </p:spTree>
   </p:cSld>
   <p:clrMapOvr>
@@ -14959,7 +15020,7 @@
       </p:grpSpPr>
       <p:sp>
         <p:nvSpPr>
-          <p:cNvPr id="463" name="追梦课堂   临汾首家专业的web前端培训机构                                                          www.zmclass.com"/>
+          <p:cNvPr id="464" name="追梦课堂   临汾首家专业的web前端培训机构                                                          www.zmclass.com"/>
           <p:cNvSpPr txBox="1"/>
           <p:nvPr/>
         </p:nvSpPr>
@@ -15030,7 +15091,7 @@
       </p:sp>
       <p:sp>
         <p:nvSpPr>
-          <p:cNvPr id="464" name="幻灯片编号"/>
+          <p:cNvPr id="465" name="幻灯片编号"/>
           <p:cNvSpPr txBox="1"/>
           <p:nvPr>
             <p:ph type="sldNum" sz="quarter" idx="2"/>
@@ -15057,14 +15118,14 @@
       </p:sp>
       <p:sp>
         <p:nvSpPr>
-          <p:cNvPr id="465" name="从不同的对象中调用同一个函数可能会有不同的 “this” 值"/>
+          <p:cNvPr id="466" name="作为一个函数调用"/>
           <p:cNvSpPr txBox="1"/>
           <p:nvPr/>
         </p:nvSpPr>
         <p:spPr>
           <a:xfrm>
             <a:off x="2276759" y="3470381"/>
-            <a:ext cx="19830482" cy="1168401"/>
+            <a:ext cx="15656269" cy="1168401"/>
           </a:xfrm>
           <a:prstGeom prst="rect">
             <a:avLst/>
@@ -15090,14 +15151,14 @@
           <a:p>
             <a:pPr/>
             <a:r>
-              <a:t> 从不同的对象中调用同一个函数可能会有不同的 “this” 值</a:t>
-            </a:r>
-          </a:p>
-        </p:txBody>
-      </p:sp>
-      <p:sp>
-        <p:nvSpPr>
-          <p:cNvPr id="466" name="矩形"/>
+              <a:t>作为一个函数调用</a:t>
+            </a:r>
+          </a:p>
+        </p:txBody>
+      </p:sp>
+      <p:sp>
+        <p:nvSpPr>
+          <p:cNvPr id="467" name="矩形"/>
           <p:cNvSpPr/>
           <p:nvPr/>
         </p:nvSpPr>
@@ -15137,7 +15198,7 @@
       </p:sp>
       <p:pic>
         <p:nvPicPr>
-          <p:cNvPr id="467" name="1.png" descr="1.png"/>
+          <p:cNvPr id="468" name="1.png" descr="1.png"/>
           <p:cNvPicPr>
             <a:picLocks noChangeAspect="1"/>
           </p:cNvPicPr>
@@ -15153,8 +15214,8 @@
         </p:blipFill>
         <p:spPr>
           <a:xfrm>
-            <a:off x="2485146" y="4858173"/>
-            <a:ext cx="10198101" cy="7505701"/>
+            <a:off x="707295" y="9242000"/>
+            <a:ext cx="6680201" cy="2654301"/>
           </a:xfrm>
           <a:prstGeom prst="rect">
             <a:avLst/>
@@ -15164,6 +15225,156 @@
           </a:ln>
         </p:spPr>
       </p:pic>
+      <p:pic>
+        <p:nvPicPr>
+          <p:cNvPr id="469" name="2.png" descr="2.png"/>
+          <p:cNvPicPr>
+            <a:picLocks noChangeAspect="1"/>
+          </p:cNvPicPr>
+          <p:nvPr/>
+        </p:nvPicPr>
+        <p:blipFill>
+          <a:blip r:embed="rId5">
+            <a:extLst/>
+          </a:blip>
+          <a:stretch>
+            <a:fillRect/>
+          </a:stretch>
+        </p:blipFill>
+        <p:spPr>
+          <a:xfrm>
+            <a:off x="8102058" y="9436137"/>
+            <a:ext cx="7778407" cy="2266025"/>
+          </a:xfrm>
+          <a:prstGeom prst="rect">
+            <a:avLst/>
+          </a:prstGeom>
+          <a:ln w="12700">
+            <a:miter lim="400000"/>
+          </a:ln>
+        </p:spPr>
+      </p:pic>
+      <p:pic>
+        <p:nvPicPr>
+          <p:cNvPr id="470" name="3.png" descr="3.png"/>
+          <p:cNvPicPr>
+            <a:picLocks noChangeAspect="1"/>
+          </p:cNvPicPr>
+          <p:nvPr/>
+        </p:nvPicPr>
+        <p:blipFill>
+          <a:blip r:embed="rId6">
+            <a:extLst/>
+          </a:blip>
+          <a:stretch>
+            <a:fillRect/>
+          </a:stretch>
+        </p:blipFill>
+        <p:spPr>
+          <a:xfrm>
+            <a:off x="16595027" y="9661100"/>
+            <a:ext cx="7607301" cy="1816101"/>
+          </a:xfrm>
+          <a:prstGeom prst="rect">
+            <a:avLst/>
+          </a:prstGeom>
+          <a:ln w="12700">
+            <a:miter lim="400000"/>
+          </a:ln>
+        </p:spPr>
+      </p:pic>
+      <p:sp>
+        <p:nvSpPr>
+          <p:cNvPr id="471" name="- 严格模式下 this 指向undefined"/>
+          <p:cNvSpPr txBox="1"/>
+          <p:nvPr/>
+        </p:nvSpPr>
+        <p:spPr>
+          <a:xfrm>
+            <a:off x="2543551" y="4927486"/>
+            <a:ext cx="19296898" cy="812801"/>
+          </a:xfrm>
+          <a:prstGeom prst="rect">
+            <a:avLst/>
+          </a:prstGeom>
+          <a:ln w="12700">
+            <a:miter lim="400000"/>
+          </a:ln>
+          <a:extLst>
+            <a:ext uri="{C572A759-6A51-4108-AA02-DFA0A04FC94B}">
+              <ma14:wrappingTextBoxFlag xmlns:ma14="http://schemas.microsoft.com/office/mac/drawingml/2011/main" val="1"/>
+            </a:ext>
+          </a:extLst>
+        </p:spPr>
+        <p:txBody>
+          <a:bodyPr lIns="50800" tIns="50800" rIns="50800" bIns="50800" anchor="ctr">
+            <a:spAutoFit/>
+          </a:bodyPr>
+          <a:lstStyle>
+            <a:lvl1pPr algn="l">
+              <a:defRPr sz="4000">
+                <a:solidFill>
+                  <a:srgbClr val="FFFFFF">
+                    <a:alpha val="50000"/>
+                  </a:srgbClr>
+                </a:solidFill>
+              </a:defRPr>
+            </a:lvl1pPr>
+          </a:lstStyle>
+          <a:p>
+            <a:pPr/>
+            <a:r>
+              <a:t> - 严格模式下 this 指向undefined</a:t>
+            </a:r>
+          </a:p>
+        </p:txBody>
+      </p:sp>
+      <p:sp>
+        <p:nvSpPr>
+          <p:cNvPr id="472" name="- 非严格模式下 this 指向window"/>
+          <p:cNvSpPr txBox="1"/>
+          <p:nvPr/>
+        </p:nvSpPr>
+        <p:spPr>
+          <a:xfrm>
+            <a:off x="2543551" y="6225116"/>
+            <a:ext cx="19296898" cy="812801"/>
+          </a:xfrm>
+          <a:prstGeom prst="rect">
+            <a:avLst/>
+          </a:prstGeom>
+          <a:ln w="12700">
+            <a:miter lim="400000"/>
+          </a:ln>
+          <a:extLst>
+            <a:ext uri="{C572A759-6A51-4108-AA02-DFA0A04FC94B}">
+              <ma14:wrappingTextBoxFlag xmlns:ma14="http://schemas.microsoft.com/office/mac/drawingml/2011/main" val="1"/>
+            </a:ext>
+          </a:extLst>
+        </p:spPr>
+        <p:txBody>
+          <a:bodyPr lIns="50800" tIns="50800" rIns="50800" bIns="50800" anchor="ctr">
+            <a:spAutoFit/>
+          </a:bodyPr>
+          <a:lstStyle>
+            <a:lvl1pPr algn="l">
+              <a:defRPr sz="4000">
+                <a:solidFill>
+                  <a:srgbClr val="FFFFFF">
+                    <a:alpha val="50000"/>
+                  </a:srgbClr>
+                </a:solidFill>
+              </a:defRPr>
+            </a:lvl1pPr>
+          </a:lstStyle>
+          <a:p>
+            <a:pPr/>
+            <a:r>
+              <a:t> - 非严格模式下 this 指向window</a:t>
+            </a:r>
+          </a:p>
+        </p:txBody>
+      </p:sp>
     </p:spTree>
   </p:cSld>
   <p:clrMapOvr>
@@ -15203,7 +15414,7 @@
       </p:grpSpPr>
       <p:sp>
         <p:nvSpPr>
-          <p:cNvPr id="469" name="追梦课堂   临汾首家专业的web前端培训机构                                                          www.zmclass.com"/>
+          <p:cNvPr id="474" name="追梦课堂   临汾首家专业的web前端培训机构                                                          www.zmclass.com"/>
           <p:cNvSpPr txBox="1"/>
           <p:nvPr/>
         </p:nvSpPr>
@@ -15274,7 +15485,7 @@
       </p:sp>
       <p:sp>
         <p:nvSpPr>
-          <p:cNvPr id="470" name="幻灯片编号"/>
+          <p:cNvPr id="475" name="幻灯片编号"/>
           <p:cNvSpPr txBox="1"/>
           <p:nvPr>
             <p:ph type="sldNum" sz="quarter" idx="2"/>
@@ -15301,14 +15512,14 @@
       </p:sp>
       <p:sp>
         <p:nvSpPr>
-          <p:cNvPr id="471" name="丢失的this"/>
+          <p:cNvPr id="476" name="作为对象一个方法调用"/>
           <p:cNvSpPr txBox="1"/>
           <p:nvPr/>
         </p:nvSpPr>
         <p:spPr>
           <a:xfrm>
             <a:off x="2276759" y="3470381"/>
-            <a:ext cx="19830482" cy="1168401"/>
+            <a:ext cx="15656269" cy="1168401"/>
           </a:xfrm>
           <a:prstGeom prst="rect">
             <a:avLst/>
@@ -15334,14 +15545,14 @@
           <a:p>
             <a:pPr/>
             <a:r>
-              <a:t>丢失的this</a:t>
-            </a:r>
-          </a:p>
-        </p:txBody>
-      </p:sp>
-      <p:sp>
-        <p:nvSpPr>
-          <p:cNvPr id="472" name="矩形"/>
+              <a:t>作为对象一个方法调用</a:t>
+            </a:r>
+          </a:p>
+        </p:txBody>
+      </p:sp>
+      <p:sp>
+        <p:nvSpPr>
+          <p:cNvPr id="477" name="矩形"/>
           <p:cNvSpPr/>
           <p:nvPr/>
         </p:nvSpPr>
@@ -15379,9 +15590,55 @@
           </a:p>
         </p:txBody>
       </p:sp>
+      <p:sp>
+        <p:nvSpPr>
+          <p:cNvPr id="478" name="- this 指向该对象本身"/>
+          <p:cNvSpPr txBox="1"/>
+          <p:nvPr/>
+        </p:nvSpPr>
+        <p:spPr>
+          <a:xfrm>
+            <a:off x="2543551" y="4927486"/>
+            <a:ext cx="19296898" cy="812801"/>
+          </a:xfrm>
+          <a:prstGeom prst="rect">
+            <a:avLst/>
+          </a:prstGeom>
+          <a:ln w="12700">
+            <a:miter lim="400000"/>
+          </a:ln>
+          <a:extLst>
+            <a:ext uri="{C572A759-6A51-4108-AA02-DFA0A04FC94B}">
+              <ma14:wrappingTextBoxFlag xmlns:ma14="http://schemas.microsoft.com/office/mac/drawingml/2011/main" val="1"/>
+            </a:ext>
+          </a:extLst>
+        </p:spPr>
+        <p:txBody>
+          <a:bodyPr lIns="50800" tIns="50800" rIns="50800" bIns="50800" anchor="ctr">
+            <a:spAutoFit/>
+          </a:bodyPr>
+          <a:lstStyle>
+            <a:lvl1pPr algn="l">
+              <a:defRPr sz="4000">
+                <a:solidFill>
+                  <a:srgbClr val="FFFFFF">
+                    <a:alpha val="50000"/>
+                  </a:srgbClr>
+                </a:solidFill>
+              </a:defRPr>
+            </a:lvl1pPr>
+          </a:lstStyle>
+          <a:p>
+            <a:pPr/>
+            <a:r>
+              <a:t> - this 指向该对象本身</a:t>
+            </a:r>
+          </a:p>
+        </p:txBody>
+      </p:sp>
       <p:pic>
         <p:nvPicPr>
-          <p:cNvPr id="473" name="1.png" descr="1.png"/>
+          <p:cNvPr id="479" name="1.png" descr="1.png"/>
           <p:cNvPicPr>
             <a:picLocks noChangeAspect="1"/>
           </p:cNvPicPr>
@@ -15397,8 +15654,8 @@
         </p:blipFill>
         <p:spPr>
           <a:xfrm>
-            <a:off x="2117689" y="6159923"/>
-            <a:ext cx="6997701" cy="4902201"/>
+            <a:off x="14686439" y="6723226"/>
+            <a:ext cx="7662928" cy="4762723"/>
           </a:xfrm>
           <a:prstGeom prst="rect">
             <a:avLst/>
@@ -15410,7 +15667,7 @@
       </p:pic>
       <p:pic>
         <p:nvPicPr>
-          <p:cNvPr id="474" name="1.png" descr="1.png"/>
+          <p:cNvPr id="480" name="1.png" descr="1.png"/>
           <p:cNvPicPr>
             <a:picLocks noChangeAspect="1"/>
           </p:cNvPicPr>
@@ -15426,8 +15683,8 @@
         </p:blipFill>
         <p:spPr>
           <a:xfrm>
-            <a:off x="14369550" y="5753523"/>
-            <a:ext cx="6604001" cy="5715001"/>
+            <a:off x="2604985" y="6628087"/>
+            <a:ext cx="8115301" cy="4953001"/>
           </a:xfrm>
           <a:prstGeom prst="rect">
             <a:avLst/>
@@ -15476,7 +15733,7 @@
       </p:grpSpPr>
       <p:sp>
         <p:nvSpPr>
-          <p:cNvPr id="476" name="追梦课堂   临汾首家专业的web前端培训机构                                                          www.zmclass.com"/>
+          <p:cNvPr id="482" name="追梦课堂   临汾首家专业的web前端培训机构                                                          www.zmclass.com"/>
           <p:cNvSpPr txBox="1"/>
           <p:nvPr/>
         </p:nvSpPr>
@@ -15547,7 +15804,7 @@
       </p:sp>
       <p:sp>
         <p:nvSpPr>
-          <p:cNvPr id="477" name="幻灯片编号"/>
+          <p:cNvPr id="483" name="幻灯片编号"/>
           <p:cNvSpPr txBox="1"/>
           <p:nvPr>
             <p:ph type="sldNum" sz="quarter" idx="2"/>
@@ -15574,14 +15831,14 @@
       </p:sp>
       <p:sp>
         <p:nvSpPr>
-          <p:cNvPr id="478" name="apply&amp;call&amp;bind  改变this的指向"/>
+          <p:cNvPr id="484" name="从不同的对象中调用同一个函数可能会有不同的 “this” 值"/>
           <p:cNvSpPr txBox="1"/>
           <p:nvPr/>
         </p:nvSpPr>
         <p:spPr>
           <a:xfrm>
             <a:off x="2276759" y="3470381"/>
-            <a:ext cx="15656269" cy="1168401"/>
+            <a:ext cx="19830482" cy="1168401"/>
           </a:xfrm>
           <a:prstGeom prst="rect">
             <a:avLst/>
@@ -15607,14 +15864,14 @@
           <a:p>
             <a:pPr/>
             <a:r>
-              <a:t>apply&amp;call&amp;bind  改变this的指向</a:t>
-            </a:r>
-          </a:p>
-        </p:txBody>
-      </p:sp>
-      <p:sp>
-        <p:nvSpPr>
-          <p:cNvPr id="479" name="矩形"/>
+              <a:t> 从不同的对象中调用同一个函数可能会有不同的 “this” 值</a:t>
+            </a:r>
+          </a:p>
+        </p:txBody>
+      </p:sp>
+      <p:sp>
+        <p:nvSpPr>
+          <p:cNvPr id="485" name="矩形"/>
           <p:cNvSpPr/>
           <p:nvPr/>
         </p:nvSpPr>
@@ -15652,55 +15909,9 @@
           </a:p>
         </p:txBody>
       </p:sp>
-      <p:sp>
-        <p:nvSpPr>
-          <p:cNvPr id="480" name="- 调用函数 可以指定this的指向 和 参数列表"/>
-          <p:cNvSpPr txBox="1"/>
-          <p:nvPr/>
-        </p:nvSpPr>
-        <p:spPr>
-          <a:xfrm>
-            <a:off x="2543551" y="4927486"/>
-            <a:ext cx="19296898" cy="812801"/>
-          </a:xfrm>
-          <a:prstGeom prst="rect">
-            <a:avLst/>
-          </a:prstGeom>
-          <a:ln w="12700">
-            <a:miter lim="400000"/>
-          </a:ln>
-          <a:extLst>
-            <a:ext uri="{C572A759-6A51-4108-AA02-DFA0A04FC94B}">
-              <ma14:wrappingTextBoxFlag xmlns:ma14="http://schemas.microsoft.com/office/mac/drawingml/2011/main" val="1"/>
-            </a:ext>
-          </a:extLst>
-        </p:spPr>
-        <p:txBody>
-          <a:bodyPr lIns="50800" tIns="50800" rIns="50800" bIns="50800" anchor="ctr">
-            <a:spAutoFit/>
-          </a:bodyPr>
-          <a:lstStyle>
-            <a:lvl1pPr algn="l">
-              <a:defRPr sz="4000">
-                <a:solidFill>
-                  <a:srgbClr val="FFFFFF">
-                    <a:alpha val="50000"/>
-                  </a:srgbClr>
-                </a:solidFill>
-              </a:defRPr>
-            </a:lvl1pPr>
-          </a:lstStyle>
-          <a:p>
-            <a:pPr/>
-            <a:r>
-              <a:t> - 调用函数 可以指定this的指向 和 参数列表</a:t>
-            </a:r>
-          </a:p>
-        </p:txBody>
-      </p:sp>
       <p:pic>
         <p:nvPicPr>
-          <p:cNvPr id="481" name="1.png" descr="1.png"/>
+          <p:cNvPr id="486" name="1.png" descr="1.png"/>
           <p:cNvPicPr>
             <a:picLocks noChangeAspect="1"/>
           </p:cNvPicPr>
@@ -15716,8 +15927,8 @@
         </p:blipFill>
         <p:spPr>
           <a:xfrm>
-            <a:off x="2986537" y="6167675"/>
-            <a:ext cx="6866121" cy="5988202"/>
+            <a:off x="2485146" y="4858173"/>
+            <a:ext cx="10198101" cy="7505701"/>
           </a:xfrm>
           <a:prstGeom prst="rect">
             <a:avLst/>
@@ -15727,52 +15938,6 @@
           </a:ln>
         </p:spPr>
       </p:pic>
-      <p:sp>
-        <p:nvSpPr>
-          <p:cNvPr id="482" name="- bind 创建一个新的绑定 的函数"/>
-          <p:cNvSpPr txBox="1"/>
-          <p:nvPr/>
-        </p:nvSpPr>
-        <p:spPr>
-          <a:xfrm>
-            <a:off x="10416643" y="11057084"/>
-            <a:ext cx="19296897" cy="812801"/>
-          </a:xfrm>
-          <a:prstGeom prst="rect">
-            <a:avLst/>
-          </a:prstGeom>
-          <a:ln w="12700">
-            <a:miter lim="400000"/>
-          </a:ln>
-          <a:extLst>
-            <a:ext uri="{C572A759-6A51-4108-AA02-DFA0A04FC94B}">
-              <ma14:wrappingTextBoxFlag xmlns:ma14="http://schemas.microsoft.com/office/mac/drawingml/2011/main" val="1"/>
-            </a:ext>
-          </a:extLst>
-        </p:spPr>
-        <p:txBody>
-          <a:bodyPr lIns="50800" tIns="50800" rIns="50800" bIns="50800" anchor="ctr">
-            <a:spAutoFit/>
-          </a:bodyPr>
-          <a:lstStyle>
-            <a:lvl1pPr algn="l">
-              <a:defRPr sz="4000">
-                <a:solidFill>
-                  <a:srgbClr val="FFFFFF">
-                    <a:alpha val="50000"/>
-                  </a:srgbClr>
-                </a:solidFill>
-              </a:defRPr>
-            </a:lvl1pPr>
-          </a:lstStyle>
-          <a:p>
-            <a:pPr/>
-            <a:r>
-              <a:t> - bind 创建一个新的绑定 的函数</a:t>
-            </a:r>
-          </a:p>
-        </p:txBody>
-      </p:sp>
     </p:spTree>
   </p:cSld>
   <p:clrMapOvr>
@@ -15812,7 +15977,7 @@
       </p:grpSpPr>
       <p:sp>
         <p:nvSpPr>
-          <p:cNvPr id="484" name="追梦课堂   临汾首家专业的web前端培训机构                                                          www.zmclass.com"/>
+          <p:cNvPr id="488" name="追梦课堂   临汾首家专业的web前端培训机构                                                          www.zmclass.com"/>
           <p:cNvSpPr txBox="1"/>
           <p:nvPr/>
         </p:nvSpPr>
@@ -15883,7 +16048,7 @@
       </p:sp>
       <p:sp>
         <p:nvSpPr>
-          <p:cNvPr id="485" name="幻灯片编号"/>
+          <p:cNvPr id="489" name="幻灯片编号"/>
           <p:cNvSpPr txBox="1"/>
           <p:nvPr>
             <p:ph type="sldNum" sz="quarter" idx="2"/>
@@ -15910,14 +16075,14 @@
       </p:sp>
       <p:sp>
         <p:nvSpPr>
-          <p:cNvPr id="486" name="箭头函数的this指向"/>
+          <p:cNvPr id="490" name="丢失的this"/>
           <p:cNvSpPr txBox="1"/>
           <p:nvPr/>
         </p:nvSpPr>
         <p:spPr>
           <a:xfrm>
             <a:off x="2276759" y="3470381"/>
-            <a:ext cx="15656269" cy="1168401"/>
+            <a:ext cx="19830482" cy="1168401"/>
           </a:xfrm>
           <a:prstGeom prst="rect">
             <a:avLst/>
@@ -15943,14 +16108,14 @@
           <a:p>
             <a:pPr/>
             <a:r>
-              <a:t>箭头函数的this指向</a:t>
-            </a:r>
-          </a:p>
-        </p:txBody>
-      </p:sp>
-      <p:sp>
-        <p:nvSpPr>
-          <p:cNvPr id="487" name="矩形"/>
+              <a:t>丢失的this</a:t>
+            </a:r>
+          </a:p>
+        </p:txBody>
+      </p:sp>
+      <p:sp>
+        <p:nvSpPr>
+          <p:cNvPr id="491" name="矩形"/>
           <p:cNvSpPr/>
           <p:nvPr/>
         </p:nvSpPr>
@@ -15988,144 +16153,64 @@
           </a:p>
         </p:txBody>
       </p:sp>
-      <p:sp>
-        <p:nvSpPr>
-          <p:cNvPr id="488" name="- 没有自己的this"/>
-          <p:cNvSpPr txBox="1"/>
-          <p:nvPr/>
-        </p:nvSpPr>
-        <p:spPr>
-          <a:xfrm>
-            <a:off x="2543551" y="4927486"/>
-            <a:ext cx="19296898" cy="812801"/>
-          </a:xfrm>
-          <a:prstGeom prst="rect">
-            <a:avLst/>
-          </a:prstGeom>
-          <a:ln w="12700">
-            <a:miter lim="400000"/>
-          </a:ln>
-          <a:extLst>
-            <a:ext uri="{C572A759-6A51-4108-AA02-DFA0A04FC94B}">
-              <ma14:wrappingTextBoxFlag xmlns:ma14="http://schemas.microsoft.com/office/mac/drawingml/2011/main" val="1"/>
-            </a:ext>
-          </a:extLst>
-        </p:spPr>
-        <p:txBody>
-          <a:bodyPr lIns="50800" tIns="50800" rIns="50800" bIns="50800" anchor="ctr">
-            <a:spAutoFit/>
-          </a:bodyPr>
-          <a:lstStyle>
-            <a:lvl1pPr algn="l">
-              <a:defRPr sz="4000">
-                <a:solidFill>
-                  <a:srgbClr val="FFFFFF">
-                    <a:alpha val="50000"/>
-                  </a:srgbClr>
-                </a:solidFill>
-              </a:defRPr>
-            </a:lvl1pPr>
-          </a:lstStyle>
-          <a:p>
-            <a:pPr/>
-            <a:r>
-              <a:t>- 没有自己的this</a:t>
-            </a:r>
-          </a:p>
-        </p:txBody>
-      </p:sp>
-      <p:sp>
-        <p:nvSpPr>
-          <p:cNvPr id="489" name="- 内置this无法改变"/>
-          <p:cNvSpPr txBox="1"/>
-          <p:nvPr/>
-        </p:nvSpPr>
-        <p:spPr>
-          <a:xfrm>
-            <a:off x="2543551" y="6028990"/>
-            <a:ext cx="19296898" cy="812801"/>
-          </a:xfrm>
-          <a:prstGeom prst="rect">
-            <a:avLst/>
-          </a:prstGeom>
-          <a:ln w="12700">
-            <a:miter lim="400000"/>
-          </a:ln>
-          <a:extLst>
-            <a:ext uri="{C572A759-6A51-4108-AA02-DFA0A04FC94B}">
-              <ma14:wrappingTextBoxFlag xmlns:ma14="http://schemas.microsoft.com/office/mac/drawingml/2011/main" val="1"/>
-            </a:ext>
-          </a:extLst>
-        </p:spPr>
-        <p:txBody>
-          <a:bodyPr lIns="50800" tIns="50800" rIns="50800" bIns="50800" anchor="ctr">
-            <a:spAutoFit/>
-          </a:bodyPr>
-          <a:lstStyle>
-            <a:lvl1pPr algn="l">
-              <a:defRPr sz="4000">
-                <a:solidFill>
-                  <a:srgbClr val="FFFFFF">
-                    <a:alpha val="50000"/>
-                  </a:srgbClr>
-                </a:solidFill>
-              </a:defRPr>
-            </a:lvl1pPr>
-          </a:lstStyle>
-          <a:p>
-            <a:pPr/>
-            <a:r>
-              <a:t>- 内置this无法改变</a:t>
-            </a:r>
-          </a:p>
-        </p:txBody>
-      </p:sp>
-      <p:sp>
-        <p:nvSpPr>
-          <p:cNvPr id="490" name="- 必须通过查找作用域链来决定其值。如果箭头函数 被非箭头函数包含，则this 绑定的是最近一层非箭头函数的this；否则 this的值为 undefined"/>
-          <p:cNvSpPr txBox="1"/>
-          <p:nvPr/>
-        </p:nvSpPr>
-        <p:spPr>
-          <a:xfrm>
-            <a:off x="2543551" y="6938746"/>
-            <a:ext cx="19296898" cy="1538737"/>
-          </a:xfrm>
-          <a:prstGeom prst="rect">
-            <a:avLst/>
-          </a:prstGeom>
-          <a:ln w="12700">
-            <a:miter lim="400000"/>
-          </a:ln>
-          <a:extLst>
-            <a:ext uri="{C572A759-6A51-4108-AA02-DFA0A04FC94B}">
-              <ma14:wrappingTextBoxFlag xmlns:ma14="http://schemas.microsoft.com/office/mac/drawingml/2011/main" val="1"/>
-            </a:ext>
-          </a:extLst>
-        </p:spPr>
-        <p:txBody>
-          <a:bodyPr lIns="50800" tIns="50800" rIns="50800" bIns="50800" anchor="ctr">
-            <a:spAutoFit/>
-          </a:bodyPr>
-          <a:lstStyle>
-            <a:lvl1pPr algn="l">
-              <a:defRPr sz="4000">
-                <a:solidFill>
-                  <a:srgbClr val="FFFFFF">
-                    <a:alpha val="50000"/>
-                  </a:srgbClr>
-                </a:solidFill>
-              </a:defRPr>
-            </a:lvl1pPr>
-          </a:lstStyle>
-          <a:p>
-            <a:pPr/>
-            <a:r>
-              <a:t>- 必须通过查找作用域链来决定其值。如果箭头函数 被非箭头函数包含，则this 绑定的是最近一层非箭头函数的this；否则 this的值为 undefined</a:t>
-            </a:r>
-          </a:p>
-        </p:txBody>
-      </p:sp>
+      <p:pic>
+        <p:nvPicPr>
+          <p:cNvPr id="492" name="1.png" descr="1.png"/>
+          <p:cNvPicPr>
+            <a:picLocks noChangeAspect="1"/>
+          </p:cNvPicPr>
+          <p:nvPr/>
+        </p:nvPicPr>
+        <p:blipFill>
+          <a:blip r:embed="rId4">
+            <a:extLst/>
+          </a:blip>
+          <a:stretch>
+            <a:fillRect/>
+          </a:stretch>
+        </p:blipFill>
+        <p:spPr>
+          <a:xfrm>
+            <a:off x="2117689" y="6159923"/>
+            <a:ext cx="6997701" cy="4902201"/>
+          </a:xfrm>
+          <a:prstGeom prst="rect">
+            <a:avLst/>
+          </a:prstGeom>
+          <a:ln w="12700">
+            <a:miter lim="400000"/>
+          </a:ln>
+        </p:spPr>
+      </p:pic>
+      <p:pic>
+        <p:nvPicPr>
+          <p:cNvPr id="493" name="1.png" descr="1.png"/>
+          <p:cNvPicPr>
+            <a:picLocks noChangeAspect="1"/>
+          </p:cNvPicPr>
+          <p:nvPr/>
+        </p:nvPicPr>
+        <p:blipFill>
+          <a:blip r:embed="rId5">
+            <a:extLst/>
+          </a:blip>
+          <a:stretch>
+            <a:fillRect/>
+          </a:stretch>
+        </p:blipFill>
+        <p:spPr>
+          <a:xfrm>
+            <a:off x="14369550" y="5753523"/>
+            <a:ext cx="6604001" cy="5715001"/>
+          </a:xfrm>
+          <a:prstGeom prst="rect">
+            <a:avLst/>
+          </a:prstGeom>
+          <a:ln w="12700">
+            <a:miter lim="400000"/>
+          </a:ln>
+        </p:spPr>
+      </p:pic>
     </p:spTree>
   </p:cSld>
   <p:clrMapOvr>
@@ -16165,51 +16250,14 @@
       </p:grpSpPr>
       <p:sp>
         <p:nvSpPr>
-          <p:cNvPr id="492" name="Thanks！"/>
-          <p:cNvSpPr txBox="1"/>
-          <p:nvPr>
-            <p:ph type="ctrTitle"/>
-          </p:nvPr>
-        </p:nvSpPr>
-        <p:spPr>
-          <a:xfrm>
-            <a:off x="1778000" y="3147634"/>
-            <a:ext cx="20828000" cy="4648201"/>
-          </a:xfrm>
-          <a:prstGeom prst="rect">
-            <a:avLst/>
-          </a:prstGeom>
-        </p:spPr>
-        <p:txBody>
-          <a:bodyPr/>
-          <a:lstStyle>
-            <a:lvl1pPr>
-              <a:defRPr sz="14300">
-                <a:latin typeface="Helvetica Neue"/>
-                <a:ea typeface="Helvetica Neue"/>
-                <a:cs typeface="Helvetica Neue"/>
-                <a:sym typeface="Helvetica Neue"/>
-              </a:defRPr>
-            </a:lvl1pPr>
-          </a:lstStyle>
-          <a:p>
-            <a:pPr/>
-            <a:r>
-              <a:t>Thanks！</a:t>
-            </a:r>
-          </a:p>
-        </p:txBody>
-      </p:sp>
-      <p:sp>
-        <p:nvSpPr>
-          <p:cNvPr id="493" name="追梦课堂临汾首家专业的web前端培训机构    www.zmclass.com"/>
-          <p:cNvSpPr txBox="1"/>
-          <p:nvPr/>
-        </p:nvSpPr>
-        <p:spPr>
-          <a:xfrm>
-            <a:off x="6367784" y="8165992"/>
-            <a:ext cx="14290971" cy="560449"/>
+          <p:cNvPr id="495" name="追梦课堂   临汾首家专业的web前端培训机构                                                          www.zmclass.com"/>
+          <p:cNvSpPr txBox="1"/>
+          <p:nvPr/>
+        </p:nvSpPr>
+        <p:spPr>
+          <a:xfrm>
+            <a:off x="1821067" y="12583265"/>
+            <a:ext cx="20340389" cy="560450"/>
           </a:xfrm>
           <a:prstGeom prst="rect">
             <a:avLst/>
@@ -16238,14 +16286,24 @@
                   </a:srgbClr>
                 </a:solidFill>
               </a:rPr>
-              <a:t>追梦课堂临汾首家专业的web前端培训机构</a:t>
+              <a:t>追梦课堂   临汾首家专业的web前端培训机构 </a:t>
             </a:r>
             <a:r>
               <a:rPr spc="2250"/>
+              <a:t>              </a:t>
+            </a:r>
+            <a:r>
+              <a:t>                                          </a:t>
+            </a:r>
+            <a:r>
+              <a:rPr sz="1700">
+                <a:solidFill>
+                  <a:srgbClr val="FFFFFF">
+                    <a:alpha val="50000"/>
+                  </a:srgbClr>
+                </a:solidFill>
+              </a:rPr>
               <a:t> </a:t>
-            </a:r>
-            <a:r>
-              <a:t>   </a:t>
             </a:r>
             <a:r>
               <a:rPr sz="1700">
@@ -16263,7 +16321,7 @@
       </p:sp>
       <p:sp>
         <p:nvSpPr>
-          <p:cNvPr id="494" name="幻灯片编号"/>
+          <p:cNvPr id="496" name="幻灯片编号"/>
           <p:cNvSpPr txBox="1"/>
           <p:nvPr>
             <p:ph type="sldNum" sz="quarter" idx="2"/>
@@ -16285,6 +16343,207 @@
           <a:p>
             <a:pPr/>
             <a:fld id="{86CB4B4D-7CA3-9044-876B-883B54F8677D}" type="slidenum"/>
+          </a:p>
+        </p:txBody>
+      </p:sp>
+      <p:sp>
+        <p:nvSpPr>
+          <p:cNvPr id="497" name="apply&amp;call&amp;bind  改变this的指向"/>
+          <p:cNvSpPr txBox="1"/>
+          <p:nvPr/>
+        </p:nvSpPr>
+        <p:spPr>
+          <a:xfrm>
+            <a:off x="2276759" y="3470381"/>
+            <a:ext cx="15656269" cy="1168401"/>
+          </a:xfrm>
+          <a:prstGeom prst="rect">
+            <a:avLst/>
+          </a:prstGeom>
+          <a:ln w="12700">
+            <a:miter lim="400000"/>
+          </a:ln>
+          <a:extLst>
+            <a:ext uri="{C572A759-6A51-4108-AA02-DFA0A04FC94B}">
+              <ma14:wrappingTextBoxFlag xmlns:ma14="http://schemas.microsoft.com/office/mac/drawingml/2011/main" val="1"/>
+            </a:ext>
+          </a:extLst>
+        </p:spPr>
+        <p:txBody>
+          <a:bodyPr lIns="50800" tIns="50800" rIns="50800" bIns="50800" anchor="ctr">
+            <a:spAutoFit/>
+          </a:bodyPr>
+          <a:lstStyle>
+            <a:lvl1pPr algn="l">
+              <a:defRPr sz="6000"/>
+            </a:lvl1pPr>
+          </a:lstStyle>
+          <a:p>
+            <a:pPr/>
+            <a:r>
+              <a:t>apply&amp;call&amp;bind  改变this的指向</a:t>
+            </a:r>
+          </a:p>
+        </p:txBody>
+      </p:sp>
+      <p:sp>
+        <p:nvSpPr>
+          <p:cNvPr id="498" name="矩形"/>
+          <p:cNvSpPr/>
+          <p:nvPr/>
+        </p:nvSpPr>
+        <p:spPr>
+          <a:xfrm>
+            <a:off x="1427881" y="3419581"/>
+            <a:ext cx="283770" cy="1270001"/>
+          </a:xfrm>
+          <a:prstGeom prst="rect">
+            <a:avLst/>
+          </a:prstGeom>
+          <a:solidFill>
+            <a:schemeClr val="accent5">
+              <a:hueOff val="-36178"/>
+              <a:satOff val="6507"/>
+              <a:lumOff val="-23518"/>
+            </a:schemeClr>
+          </a:solidFill>
+          <a:ln w="12700">
+            <a:miter lim="400000"/>
+          </a:ln>
+        </p:spPr>
+        <p:txBody>
+          <a:bodyPr lIns="50800" tIns="50800" rIns="50800" bIns="50800" anchor="ctr"/>
+          <a:lstStyle/>
+          <a:p>
+            <a:pPr>
+              <a:defRPr b="0" sz="3200">
+                <a:latin typeface="+mn-lt"/>
+                <a:ea typeface="+mn-ea"/>
+                <a:cs typeface="+mn-cs"/>
+                <a:sym typeface="Helvetica Neue Medium"/>
+              </a:defRPr>
+            </a:pPr>
+          </a:p>
+        </p:txBody>
+      </p:sp>
+      <p:sp>
+        <p:nvSpPr>
+          <p:cNvPr id="499" name="- 调用函数 可以指定this的指向 和 参数列表"/>
+          <p:cNvSpPr txBox="1"/>
+          <p:nvPr/>
+        </p:nvSpPr>
+        <p:spPr>
+          <a:xfrm>
+            <a:off x="2543551" y="4927486"/>
+            <a:ext cx="19296898" cy="812801"/>
+          </a:xfrm>
+          <a:prstGeom prst="rect">
+            <a:avLst/>
+          </a:prstGeom>
+          <a:ln w="12700">
+            <a:miter lim="400000"/>
+          </a:ln>
+          <a:extLst>
+            <a:ext uri="{C572A759-6A51-4108-AA02-DFA0A04FC94B}">
+              <ma14:wrappingTextBoxFlag xmlns:ma14="http://schemas.microsoft.com/office/mac/drawingml/2011/main" val="1"/>
+            </a:ext>
+          </a:extLst>
+        </p:spPr>
+        <p:txBody>
+          <a:bodyPr lIns="50800" tIns="50800" rIns="50800" bIns="50800" anchor="ctr">
+            <a:spAutoFit/>
+          </a:bodyPr>
+          <a:lstStyle>
+            <a:lvl1pPr algn="l">
+              <a:defRPr sz="4000">
+                <a:solidFill>
+                  <a:srgbClr val="FFFFFF">
+                    <a:alpha val="50000"/>
+                  </a:srgbClr>
+                </a:solidFill>
+              </a:defRPr>
+            </a:lvl1pPr>
+          </a:lstStyle>
+          <a:p>
+            <a:pPr/>
+            <a:r>
+              <a:t> - 调用函数 可以指定this的指向 和 参数列表</a:t>
+            </a:r>
+          </a:p>
+        </p:txBody>
+      </p:sp>
+      <p:pic>
+        <p:nvPicPr>
+          <p:cNvPr id="500" name="1.png" descr="1.png"/>
+          <p:cNvPicPr>
+            <a:picLocks noChangeAspect="1"/>
+          </p:cNvPicPr>
+          <p:nvPr/>
+        </p:nvPicPr>
+        <p:blipFill>
+          <a:blip r:embed="rId4">
+            <a:extLst/>
+          </a:blip>
+          <a:stretch>
+            <a:fillRect/>
+          </a:stretch>
+        </p:blipFill>
+        <p:spPr>
+          <a:xfrm>
+            <a:off x="2986537" y="6167675"/>
+            <a:ext cx="6866121" cy="5988202"/>
+          </a:xfrm>
+          <a:prstGeom prst="rect">
+            <a:avLst/>
+          </a:prstGeom>
+          <a:ln w="12700">
+            <a:miter lim="400000"/>
+          </a:ln>
+        </p:spPr>
+      </p:pic>
+      <p:sp>
+        <p:nvSpPr>
+          <p:cNvPr id="501" name="- bind 创建一个新的绑定 的函数"/>
+          <p:cNvSpPr txBox="1"/>
+          <p:nvPr/>
+        </p:nvSpPr>
+        <p:spPr>
+          <a:xfrm>
+            <a:off x="10416643" y="11057084"/>
+            <a:ext cx="19296897" cy="812801"/>
+          </a:xfrm>
+          <a:prstGeom prst="rect">
+            <a:avLst/>
+          </a:prstGeom>
+          <a:ln w="12700">
+            <a:miter lim="400000"/>
+          </a:ln>
+          <a:extLst>
+            <a:ext uri="{C572A759-6A51-4108-AA02-DFA0A04FC94B}">
+              <ma14:wrappingTextBoxFlag xmlns:ma14="http://schemas.microsoft.com/office/mac/drawingml/2011/main" val="1"/>
+            </a:ext>
+          </a:extLst>
+        </p:spPr>
+        <p:txBody>
+          <a:bodyPr lIns="50800" tIns="50800" rIns="50800" bIns="50800" anchor="ctr">
+            <a:spAutoFit/>
+          </a:bodyPr>
+          <a:lstStyle>
+            <a:lvl1pPr algn="l">
+              <a:defRPr sz="4000">
+                <a:solidFill>
+                  <a:srgbClr val="FFFFFF">
+                    <a:alpha val="50000"/>
+                  </a:srgbClr>
+                </a:solidFill>
+              </a:defRPr>
+            </a:lvl1pPr>
+          </a:lstStyle>
+          <a:p>
+            <a:pPr/>
+            <a:r>
+              <a:t> - bind 创建一个新的绑定 的函数</a:t>
+            </a:r>
           </a:p>
         </p:txBody>
       </p:sp>
@@ -16620,6 +16879,1166 @@
           </a:ln>
         </p:spPr>
       </p:pic>
+    </p:spTree>
+  </p:cSld>
+  <p:clrMapOvr>
+    <a:masterClrMapping/>
+  </p:clrMapOvr>
+  <p:transition xmlns:p14="http://schemas.microsoft.com/office/powerpoint/2010/main" spd="med" advClick="1"/>
+</p:sld>
+</file>
+
+<file path=ppt/slides/slide40.xml><?xml version="1.0" encoding="utf-8"?>
+<p:sld xmlns:a="http://schemas.openxmlformats.org/drawingml/2006/main" xmlns:r="http://schemas.openxmlformats.org/officeDocument/2006/relationships" xmlns:p="http://schemas.openxmlformats.org/presentationml/2006/main" xmlns:m="http://schemas.openxmlformats.org/officeDocument/2006/math" xmlns:a14="http://schemas.microsoft.com/office/drawing/2010/main" showMasterSp="1" showMasterPhAnim="1">
+  <p:cSld>
+    <p:bg>
+      <p:bgPr>
+        <a:blipFill rotWithShape="1">
+          <a:blip r:embed="rId2"/>
+          <a:srcRect l="0" t="0" r="0" b="0"/>
+          <a:stretch>
+            <a:fillRect/>
+          </a:stretch>
+        </a:blipFill>
+      </p:bgPr>
+    </p:bg>
+    <p:spTree>
+      <p:nvGrpSpPr>
+        <p:cNvPr id="1" name=""/>
+        <p:cNvGrpSpPr/>
+        <p:nvPr/>
+      </p:nvGrpSpPr>
+      <p:grpSpPr>
+        <a:xfrm>
+          <a:off x="0" y="0"/>
+          <a:ext cx="0" cy="0"/>
+          <a:chOff x="0" y="0"/>
+          <a:chExt cx="0" cy="0"/>
+        </a:xfrm>
+      </p:grpSpPr>
+      <p:sp>
+        <p:nvSpPr>
+          <p:cNvPr id="503" name="追梦课堂   临汾首家专业的web前端培训机构                                                          www.zmclass.com"/>
+          <p:cNvSpPr txBox="1"/>
+          <p:nvPr/>
+        </p:nvSpPr>
+        <p:spPr>
+          <a:xfrm>
+            <a:off x="1821067" y="12583265"/>
+            <a:ext cx="20340389" cy="560450"/>
+          </a:xfrm>
+          <a:prstGeom prst="rect">
+            <a:avLst/>
+          </a:prstGeom>
+          <a:ln w="12700">
+            <a:miter lim="400000"/>
+          </a:ln>
+          <a:extLst>
+            <a:ext uri="{C572A759-6A51-4108-AA02-DFA0A04FC94B}">
+              <ma14:wrappingTextBoxFlag xmlns:ma14="http://schemas.microsoft.com/office/mac/drawingml/2011/main" val="1"/>
+            </a:ext>
+          </a:extLst>
+        </p:spPr>
+        <p:txBody>
+          <a:bodyPr lIns="50800" tIns="50800" rIns="50800" bIns="50800" anchor="ctr">
+            <a:spAutoFit/>
+          </a:bodyPr>
+          <a:lstStyle/>
+          <a:p>
+            <a:pPr algn="l"/>
+            <a:r>
+              <a:rPr spc="1275" sz="1700">
+                <a:solidFill>
+                  <a:srgbClr val="FFFFFF">
+                    <a:alpha val="43661"/>
+                  </a:srgbClr>
+                </a:solidFill>
+              </a:rPr>
+              <a:t>追梦课堂   临汾首家专业的web前端培训机构 </a:t>
+            </a:r>
+            <a:r>
+              <a:rPr spc="2250"/>
+              <a:t>              </a:t>
+            </a:r>
+            <a:r>
+              <a:t>                                          </a:t>
+            </a:r>
+            <a:r>
+              <a:rPr sz="1700">
+                <a:solidFill>
+                  <a:srgbClr val="FFFFFF">
+                    <a:alpha val="50000"/>
+                  </a:srgbClr>
+                </a:solidFill>
+              </a:rPr>
+              <a:t> </a:t>
+            </a:r>
+            <a:r>
+              <a:rPr sz="1700">
+                <a:solidFill>
+                  <a:srgbClr val="FFFFFF">
+                    <a:alpha val="50000"/>
+                  </a:srgbClr>
+                </a:solidFill>
+                <a:hlinkClick r:id="rId3" invalidUrl="" action="" tgtFrame="" tooltip="" history="1" highlightClick="0" endSnd="0"/>
+              </a:rPr>
+              <a:t>www.zmclass.com</a:t>
+            </a:r>
+          </a:p>
+        </p:txBody>
+      </p:sp>
+      <p:sp>
+        <p:nvSpPr>
+          <p:cNvPr id="504" name="幻灯片编号"/>
+          <p:cNvSpPr txBox="1"/>
+          <p:nvPr>
+            <p:ph type="sldNum" sz="quarter" idx="2"/>
+          </p:nvPr>
+        </p:nvSpPr>
+        <p:spPr>
+          <a:prstGeom prst="rect">
+            <a:avLst/>
+          </a:prstGeom>
+          <a:extLst>
+            <a:ext uri="{C572A759-6A51-4108-AA02-DFA0A04FC94B}">
+              <ma14:wrappingTextBoxFlag xmlns:ma14="http://schemas.microsoft.com/office/mac/drawingml/2011/main" val="1"/>
+            </a:ext>
+          </a:extLst>
+        </p:spPr>
+        <p:txBody>
+          <a:bodyPr/>
+          <a:lstStyle/>
+          <a:p>
+            <a:pPr/>
+            <a:fld id="{86CB4B4D-7CA3-9044-876B-883B54F8677D}" type="slidenum"/>
+          </a:p>
+        </p:txBody>
+      </p:sp>
+      <p:sp>
+        <p:nvSpPr>
+          <p:cNvPr id="505" name="eg"/>
+          <p:cNvSpPr txBox="1"/>
+          <p:nvPr/>
+        </p:nvSpPr>
+        <p:spPr>
+          <a:xfrm>
+            <a:off x="2276759" y="3544932"/>
+            <a:ext cx="15656269" cy="1019298"/>
+          </a:xfrm>
+          <a:prstGeom prst="rect">
+            <a:avLst/>
+          </a:prstGeom>
+          <a:ln w="12700">
+            <a:miter lim="400000"/>
+          </a:ln>
+          <a:extLst>
+            <a:ext uri="{C572A759-6A51-4108-AA02-DFA0A04FC94B}">
+              <ma14:wrappingTextBoxFlag xmlns:ma14="http://schemas.microsoft.com/office/mac/drawingml/2011/main" val="1"/>
+            </a:ext>
+          </a:extLst>
+        </p:spPr>
+        <p:txBody>
+          <a:bodyPr lIns="50800" tIns="50800" rIns="50800" bIns="50800" anchor="ctr">
+            <a:spAutoFit/>
+          </a:bodyPr>
+          <a:lstStyle>
+            <a:lvl1pPr algn="l">
+              <a:defRPr sz="6000"/>
+            </a:lvl1pPr>
+          </a:lstStyle>
+          <a:p>
+            <a:pPr/>
+            <a:r>
+              <a:t>eg</a:t>
+            </a:r>
+          </a:p>
+        </p:txBody>
+      </p:sp>
+      <p:sp>
+        <p:nvSpPr>
+          <p:cNvPr id="506" name="矩形"/>
+          <p:cNvSpPr/>
+          <p:nvPr/>
+        </p:nvSpPr>
+        <p:spPr>
+          <a:xfrm>
+            <a:off x="1427881" y="3419581"/>
+            <a:ext cx="283770" cy="1270001"/>
+          </a:xfrm>
+          <a:prstGeom prst="rect">
+            <a:avLst/>
+          </a:prstGeom>
+          <a:solidFill>
+            <a:schemeClr val="accent5">
+              <a:hueOff val="-36178"/>
+              <a:satOff val="6507"/>
+              <a:lumOff val="-23518"/>
+            </a:schemeClr>
+          </a:solidFill>
+          <a:ln w="12700">
+            <a:miter lim="400000"/>
+          </a:ln>
+        </p:spPr>
+        <p:txBody>
+          <a:bodyPr lIns="50800" tIns="50800" rIns="50800" bIns="50800" anchor="ctr"/>
+          <a:lstStyle/>
+          <a:p>
+            <a:pPr>
+              <a:defRPr b="0" sz="3200">
+                <a:latin typeface="+mn-lt"/>
+                <a:ea typeface="+mn-ea"/>
+                <a:cs typeface="+mn-cs"/>
+                <a:sym typeface="Helvetica Neue Medium"/>
+              </a:defRPr>
+            </a:pPr>
+          </a:p>
+        </p:txBody>
+      </p:sp>
+    </p:spTree>
+  </p:cSld>
+  <p:clrMapOvr>
+    <a:masterClrMapping/>
+  </p:clrMapOvr>
+  <p:transition xmlns:p14="http://schemas.microsoft.com/office/powerpoint/2010/main" spd="med" advClick="1"/>
+</p:sld>
+</file>
+
+<file path=ppt/slides/slide41.xml><?xml version="1.0" encoding="utf-8"?>
+<p:sld xmlns:a="http://schemas.openxmlformats.org/drawingml/2006/main" xmlns:r="http://schemas.openxmlformats.org/officeDocument/2006/relationships" xmlns:p="http://schemas.openxmlformats.org/presentationml/2006/main" xmlns:m="http://schemas.openxmlformats.org/officeDocument/2006/math" xmlns:a14="http://schemas.microsoft.com/office/drawing/2010/main" showMasterSp="1" showMasterPhAnim="1">
+  <p:cSld>
+    <p:bg>
+      <p:bgPr>
+        <a:blipFill rotWithShape="1">
+          <a:blip r:embed="rId2"/>
+          <a:srcRect l="0" t="0" r="0" b="0"/>
+          <a:stretch>
+            <a:fillRect/>
+          </a:stretch>
+        </a:blipFill>
+      </p:bgPr>
+    </p:bg>
+    <p:spTree>
+      <p:nvGrpSpPr>
+        <p:cNvPr id="1" name=""/>
+        <p:cNvGrpSpPr/>
+        <p:nvPr/>
+      </p:nvGrpSpPr>
+      <p:grpSpPr>
+        <a:xfrm>
+          <a:off x="0" y="0"/>
+          <a:ext cx="0" cy="0"/>
+          <a:chOff x="0" y="0"/>
+          <a:chExt cx="0" cy="0"/>
+        </a:xfrm>
+      </p:grpSpPr>
+      <p:sp>
+        <p:nvSpPr>
+          <p:cNvPr id="508" name="追梦课堂   临汾首家专业的web前端培训机构                                                          www.zmclass.com"/>
+          <p:cNvSpPr txBox="1"/>
+          <p:nvPr/>
+        </p:nvSpPr>
+        <p:spPr>
+          <a:xfrm>
+            <a:off x="1821067" y="12583265"/>
+            <a:ext cx="20340389" cy="560450"/>
+          </a:xfrm>
+          <a:prstGeom prst="rect">
+            <a:avLst/>
+          </a:prstGeom>
+          <a:ln w="12700">
+            <a:miter lim="400000"/>
+          </a:ln>
+          <a:extLst>
+            <a:ext uri="{C572A759-6A51-4108-AA02-DFA0A04FC94B}">
+              <ma14:wrappingTextBoxFlag xmlns:ma14="http://schemas.microsoft.com/office/mac/drawingml/2011/main" val="1"/>
+            </a:ext>
+          </a:extLst>
+        </p:spPr>
+        <p:txBody>
+          <a:bodyPr lIns="50800" tIns="50800" rIns="50800" bIns="50800" anchor="ctr">
+            <a:spAutoFit/>
+          </a:bodyPr>
+          <a:lstStyle/>
+          <a:p>
+            <a:pPr algn="l"/>
+            <a:r>
+              <a:rPr spc="1275" sz="1700">
+                <a:solidFill>
+                  <a:srgbClr val="FFFFFF">
+                    <a:alpha val="43661"/>
+                  </a:srgbClr>
+                </a:solidFill>
+              </a:rPr>
+              <a:t>追梦课堂   临汾首家专业的web前端培训机构 </a:t>
+            </a:r>
+            <a:r>
+              <a:rPr spc="2250"/>
+              <a:t>              </a:t>
+            </a:r>
+            <a:r>
+              <a:t>                                          </a:t>
+            </a:r>
+            <a:r>
+              <a:rPr sz="1700">
+                <a:solidFill>
+                  <a:srgbClr val="FFFFFF">
+                    <a:alpha val="50000"/>
+                  </a:srgbClr>
+                </a:solidFill>
+              </a:rPr>
+              <a:t> </a:t>
+            </a:r>
+            <a:r>
+              <a:rPr sz="1700">
+                <a:solidFill>
+                  <a:srgbClr val="FFFFFF">
+                    <a:alpha val="50000"/>
+                  </a:srgbClr>
+                </a:solidFill>
+                <a:hlinkClick r:id="rId3" invalidUrl="" action="" tgtFrame="" tooltip="" history="1" highlightClick="0" endSnd="0"/>
+              </a:rPr>
+              <a:t>www.zmclass.com</a:t>
+            </a:r>
+          </a:p>
+        </p:txBody>
+      </p:sp>
+      <p:sp>
+        <p:nvSpPr>
+          <p:cNvPr id="509" name="幻灯片编号"/>
+          <p:cNvSpPr txBox="1"/>
+          <p:nvPr>
+            <p:ph type="sldNum" sz="quarter" idx="2"/>
+          </p:nvPr>
+        </p:nvSpPr>
+        <p:spPr>
+          <a:prstGeom prst="rect">
+            <a:avLst/>
+          </a:prstGeom>
+          <a:extLst>
+            <a:ext uri="{C572A759-6A51-4108-AA02-DFA0A04FC94B}">
+              <ma14:wrappingTextBoxFlag xmlns:ma14="http://schemas.microsoft.com/office/mac/drawingml/2011/main" val="1"/>
+            </a:ext>
+          </a:extLst>
+        </p:spPr>
+        <p:txBody>
+          <a:bodyPr/>
+          <a:lstStyle/>
+          <a:p>
+            <a:pPr/>
+            <a:fld id="{86CB4B4D-7CA3-9044-876B-883B54F8677D}" type="slidenum"/>
+          </a:p>
+        </p:txBody>
+      </p:sp>
+      <p:sp>
+        <p:nvSpPr>
+          <p:cNvPr id="510" name="方法借用"/>
+          <p:cNvSpPr txBox="1"/>
+          <p:nvPr/>
+        </p:nvSpPr>
+        <p:spPr>
+          <a:xfrm>
+            <a:off x="2276759" y="3470381"/>
+            <a:ext cx="15656269" cy="1168401"/>
+          </a:xfrm>
+          <a:prstGeom prst="rect">
+            <a:avLst/>
+          </a:prstGeom>
+          <a:ln w="12700">
+            <a:miter lim="400000"/>
+          </a:ln>
+          <a:extLst>
+            <a:ext uri="{C572A759-6A51-4108-AA02-DFA0A04FC94B}">
+              <ma14:wrappingTextBoxFlag xmlns:ma14="http://schemas.microsoft.com/office/mac/drawingml/2011/main" val="1"/>
+            </a:ext>
+          </a:extLst>
+        </p:spPr>
+        <p:txBody>
+          <a:bodyPr lIns="50800" tIns="50800" rIns="50800" bIns="50800" anchor="ctr">
+            <a:spAutoFit/>
+          </a:bodyPr>
+          <a:lstStyle>
+            <a:lvl1pPr algn="l">
+              <a:defRPr sz="6000"/>
+            </a:lvl1pPr>
+          </a:lstStyle>
+          <a:p>
+            <a:pPr/>
+            <a:r>
+              <a:t>方法借用</a:t>
+            </a:r>
+          </a:p>
+        </p:txBody>
+      </p:sp>
+      <p:sp>
+        <p:nvSpPr>
+          <p:cNvPr id="511" name="矩形"/>
+          <p:cNvSpPr/>
+          <p:nvPr/>
+        </p:nvSpPr>
+        <p:spPr>
+          <a:xfrm>
+            <a:off x="1427881" y="3419581"/>
+            <a:ext cx="283770" cy="1270001"/>
+          </a:xfrm>
+          <a:prstGeom prst="rect">
+            <a:avLst/>
+          </a:prstGeom>
+          <a:solidFill>
+            <a:schemeClr val="accent5">
+              <a:hueOff val="-36178"/>
+              <a:satOff val="6507"/>
+              <a:lumOff val="-23518"/>
+            </a:schemeClr>
+          </a:solidFill>
+          <a:ln w="12700">
+            <a:miter lim="400000"/>
+          </a:ln>
+        </p:spPr>
+        <p:txBody>
+          <a:bodyPr lIns="50800" tIns="50800" rIns="50800" bIns="50800" anchor="ctr"/>
+          <a:lstStyle/>
+          <a:p>
+            <a:pPr>
+              <a:defRPr b="0" sz="3200">
+                <a:latin typeface="+mn-lt"/>
+                <a:ea typeface="+mn-ea"/>
+                <a:cs typeface="+mn-cs"/>
+                <a:sym typeface="Helvetica Neue Medium"/>
+              </a:defRPr>
+            </a:pPr>
+          </a:p>
+        </p:txBody>
+      </p:sp>
+    </p:spTree>
+  </p:cSld>
+  <p:clrMapOvr>
+    <a:masterClrMapping/>
+  </p:clrMapOvr>
+  <p:transition xmlns:p14="http://schemas.microsoft.com/office/powerpoint/2010/main" spd="med" advClick="1"/>
+</p:sld>
+</file>
+
+<file path=ppt/slides/slide42.xml><?xml version="1.0" encoding="utf-8"?>
+<p:sld xmlns:a="http://schemas.openxmlformats.org/drawingml/2006/main" xmlns:r="http://schemas.openxmlformats.org/officeDocument/2006/relationships" xmlns:p="http://schemas.openxmlformats.org/presentationml/2006/main" xmlns:m="http://schemas.openxmlformats.org/officeDocument/2006/math" xmlns:a14="http://schemas.microsoft.com/office/drawing/2010/main" showMasterSp="1" showMasterPhAnim="1">
+  <p:cSld>
+    <p:bg>
+      <p:bgPr>
+        <a:blipFill rotWithShape="1">
+          <a:blip r:embed="rId2"/>
+          <a:srcRect l="0" t="0" r="0" b="0"/>
+          <a:stretch>
+            <a:fillRect/>
+          </a:stretch>
+        </a:blipFill>
+      </p:bgPr>
+    </p:bg>
+    <p:spTree>
+      <p:nvGrpSpPr>
+        <p:cNvPr id="1" name=""/>
+        <p:cNvGrpSpPr/>
+        <p:nvPr/>
+      </p:nvGrpSpPr>
+      <p:grpSpPr>
+        <a:xfrm>
+          <a:off x="0" y="0"/>
+          <a:ext cx="0" cy="0"/>
+          <a:chOff x="0" y="0"/>
+          <a:chExt cx="0" cy="0"/>
+        </a:xfrm>
+      </p:grpSpPr>
+      <p:sp>
+        <p:nvSpPr>
+          <p:cNvPr id="513" name="追梦课堂   临汾首家专业的web前端培训机构                                                          www.zmclass.com"/>
+          <p:cNvSpPr txBox="1"/>
+          <p:nvPr/>
+        </p:nvSpPr>
+        <p:spPr>
+          <a:xfrm>
+            <a:off x="1821067" y="12583265"/>
+            <a:ext cx="20340389" cy="560450"/>
+          </a:xfrm>
+          <a:prstGeom prst="rect">
+            <a:avLst/>
+          </a:prstGeom>
+          <a:ln w="12700">
+            <a:miter lim="400000"/>
+          </a:ln>
+          <a:extLst>
+            <a:ext uri="{C572A759-6A51-4108-AA02-DFA0A04FC94B}">
+              <ma14:wrappingTextBoxFlag xmlns:ma14="http://schemas.microsoft.com/office/mac/drawingml/2011/main" val="1"/>
+            </a:ext>
+          </a:extLst>
+        </p:spPr>
+        <p:txBody>
+          <a:bodyPr lIns="50800" tIns="50800" rIns="50800" bIns="50800" anchor="ctr">
+            <a:spAutoFit/>
+          </a:bodyPr>
+          <a:lstStyle/>
+          <a:p>
+            <a:pPr algn="l"/>
+            <a:r>
+              <a:rPr spc="1275" sz="1700">
+                <a:solidFill>
+                  <a:srgbClr val="FFFFFF">
+                    <a:alpha val="43661"/>
+                  </a:srgbClr>
+                </a:solidFill>
+              </a:rPr>
+              <a:t>追梦课堂   临汾首家专业的web前端培训机构 </a:t>
+            </a:r>
+            <a:r>
+              <a:rPr spc="2250"/>
+              <a:t>              </a:t>
+            </a:r>
+            <a:r>
+              <a:t>                                          </a:t>
+            </a:r>
+            <a:r>
+              <a:rPr sz="1700">
+                <a:solidFill>
+                  <a:srgbClr val="FFFFFF">
+                    <a:alpha val="50000"/>
+                  </a:srgbClr>
+                </a:solidFill>
+              </a:rPr>
+              <a:t> </a:t>
+            </a:r>
+            <a:r>
+              <a:rPr sz="1700">
+                <a:solidFill>
+                  <a:srgbClr val="FFFFFF">
+                    <a:alpha val="50000"/>
+                  </a:srgbClr>
+                </a:solidFill>
+                <a:hlinkClick r:id="rId3" invalidUrl="" action="" tgtFrame="" tooltip="" history="1" highlightClick="0" endSnd="0"/>
+              </a:rPr>
+              <a:t>www.zmclass.com</a:t>
+            </a:r>
+          </a:p>
+        </p:txBody>
+      </p:sp>
+      <p:sp>
+        <p:nvSpPr>
+          <p:cNvPr id="514" name="幻灯片编号"/>
+          <p:cNvSpPr txBox="1"/>
+          <p:nvPr>
+            <p:ph type="sldNum" sz="quarter" idx="2"/>
+          </p:nvPr>
+        </p:nvSpPr>
+        <p:spPr>
+          <a:prstGeom prst="rect">
+            <a:avLst/>
+          </a:prstGeom>
+          <a:extLst>
+            <a:ext uri="{C572A759-6A51-4108-AA02-DFA0A04FC94B}">
+              <ma14:wrappingTextBoxFlag xmlns:ma14="http://schemas.microsoft.com/office/mac/drawingml/2011/main" val="1"/>
+            </a:ext>
+          </a:extLst>
+        </p:spPr>
+        <p:txBody>
+          <a:bodyPr/>
+          <a:lstStyle/>
+          <a:p>
+            <a:pPr/>
+            <a:fld id="{86CB4B4D-7CA3-9044-876B-883B54F8677D}" type="slidenum"/>
+          </a:p>
+        </p:txBody>
+      </p:sp>
+      <p:sp>
+        <p:nvSpPr>
+          <p:cNvPr id="515" name="箭头函数的this指向"/>
+          <p:cNvSpPr txBox="1"/>
+          <p:nvPr/>
+        </p:nvSpPr>
+        <p:spPr>
+          <a:xfrm>
+            <a:off x="2276759" y="3470381"/>
+            <a:ext cx="15656269" cy="1168401"/>
+          </a:xfrm>
+          <a:prstGeom prst="rect">
+            <a:avLst/>
+          </a:prstGeom>
+          <a:ln w="12700">
+            <a:miter lim="400000"/>
+          </a:ln>
+          <a:extLst>
+            <a:ext uri="{C572A759-6A51-4108-AA02-DFA0A04FC94B}">
+              <ma14:wrappingTextBoxFlag xmlns:ma14="http://schemas.microsoft.com/office/mac/drawingml/2011/main" val="1"/>
+            </a:ext>
+          </a:extLst>
+        </p:spPr>
+        <p:txBody>
+          <a:bodyPr lIns="50800" tIns="50800" rIns="50800" bIns="50800" anchor="ctr">
+            <a:spAutoFit/>
+          </a:bodyPr>
+          <a:lstStyle>
+            <a:lvl1pPr algn="l">
+              <a:defRPr sz="6000"/>
+            </a:lvl1pPr>
+          </a:lstStyle>
+          <a:p>
+            <a:pPr/>
+            <a:r>
+              <a:t>箭头函数的this指向</a:t>
+            </a:r>
+          </a:p>
+        </p:txBody>
+      </p:sp>
+      <p:sp>
+        <p:nvSpPr>
+          <p:cNvPr id="516" name="矩形"/>
+          <p:cNvSpPr/>
+          <p:nvPr/>
+        </p:nvSpPr>
+        <p:spPr>
+          <a:xfrm>
+            <a:off x="1427881" y="3419581"/>
+            <a:ext cx="283770" cy="1270001"/>
+          </a:xfrm>
+          <a:prstGeom prst="rect">
+            <a:avLst/>
+          </a:prstGeom>
+          <a:solidFill>
+            <a:schemeClr val="accent5">
+              <a:hueOff val="-36178"/>
+              <a:satOff val="6507"/>
+              <a:lumOff val="-23518"/>
+            </a:schemeClr>
+          </a:solidFill>
+          <a:ln w="12700">
+            <a:miter lim="400000"/>
+          </a:ln>
+        </p:spPr>
+        <p:txBody>
+          <a:bodyPr lIns="50800" tIns="50800" rIns="50800" bIns="50800" anchor="ctr"/>
+          <a:lstStyle/>
+          <a:p>
+            <a:pPr>
+              <a:defRPr b="0" sz="3200">
+                <a:latin typeface="+mn-lt"/>
+                <a:ea typeface="+mn-ea"/>
+                <a:cs typeface="+mn-cs"/>
+                <a:sym typeface="Helvetica Neue Medium"/>
+              </a:defRPr>
+            </a:pPr>
+          </a:p>
+        </p:txBody>
+      </p:sp>
+      <p:sp>
+        <p:nvSpPr>
+          <p:cNvPr id="517" name="- 没有自己的this"/>
+          <p:cNvSpPr txBox="1"/>
+          <p:nvPr/>
+        </p:nvSpPr>
+        <p:spPr>
+          <a:xfrm>
+            <a:off x="2543551" y="4927486"/>
+            <a:ext cx="19296898" cy="812801"/>
+          </a:xfrm>
+          <a:prstGeom prst="rect">
+            <a:avLst/>
+          </a:prstGeom>
+          <a:ln w="12700">
+            <a:miter lim="400000"/>
+          </a:ln>
+          <a:extLst>
+            <a:ext uri="{C572A759-6A51-4108-AA02-DFA0A04FC94B}">
+              <ma14:wrappingTextBoxFlag xmlns:ma14="http://schemas.microsoft.com/office/mac/drawingml/2011/main" val="1"/>
+            </a:ext>
+          </a:extLst>
+        </p:spPr>
+        <p:txBody>
+          <a:bodyPr lIns="50800" tIns="50800" rIns="50800" bIns="50800" anchor="ctr">
+            <a:spAutoFit/>
+          </a:bodyPr>
+          <a:lstStyle>
+            <a:lvl1pPr algn="l">
+              <a:defRPr sz="4000">
+                <a:solidFill>
+                  <a:srgbClr val="FFFFFF">
+                    <a:alpha val="50000"/>
+                  </a:srgbClr>
+                </a:solidFill>
+              </a:defRPr>
+            </a:lvl1pPr>
+          </a:lstStyle>
+          <a:p>
+            <a:pPr/>
+            <a:r>
+              <a:t>- 没有自己的this</a:t>
+            </a:r>
+          </a:p>
+        </p:txBody>
+      </p:sp>
+      <p:sp>
+        <p:nvSpPr>
+          <p:cNvPr id="518" name="- 内置this无法改变"/>
+          <p:cNvSpPr txBox="1"/>
+          <p:nvPr/>
+        </p:nvSpPr>
+        <p:spPr>
+          <a:xfrm>
+            <a:off x="2543551" y="6028990"/>
+            <a:ext cx="19296898" cy="812801"/>
+          </a:xfrm>
+          <a:prstGeom prst="rect">
+            <a:avLst/>
+          </a:prstGeom>
+          <a:ln w="12700">
+            <a:miter lim="400000"/>
+          </a:ln>
+          <a:extLst>
+            <a:ext uri="{C572A759-6A51-4108-AA02-DFA0A04FC94B}">
+              <ma14:wrappingTextBoxFlag xmlns:ma14="http://schemas.microsoft.com/office/mac/drawingml/2011/main" val="1"/>
+            </a:ext>
+          </a:extLst>
+        </p:spPr>
+        <p:txBody>
+          <a:bodyPr lIns="50800" tIns="50800" rIns="50800" bIns="50800" anchor="ctr">
+            <a:spAutoFit/>
+          </a:bodyPr>
+          <a:lstStyle>
+            <a:lvl1pPr algn="l">
+              <a:defRPr sz="4000">
+                <a:solidFill>
+                  <a:srgbClr val="FFFFFF">
+                    <a:alpha val="50000"/>
+                  </a:srgbClr>
+                </a:solidFill>
+              </a:defRPr>
+            </a:lvl1pPr>
+          </a:lstStyle>
+          <a:p>
+            <a:pPr/>
+            <a:r>
+              <a:t>- 内置this无法改变</a:t>
+            </a:r>
+          </a:p>
+        </p:txBody>
+      </p:sp>
+      <p:sp>
+        <p:nvSpPr>
+          <p:cNvPr id="519" name="- 必须通过查找作用域链来决定其值。如果箭头函数 被非箭头函数包含，则this 绑定的是最近一层非箭头函数的this；否则 this的值为 undefined"/>
+          <p:cNvSpPr txBox="1"/>
+          <p:nvPr/>
+        </p:nvSpPr>
+        <p:spPr>
+          <a:xfrm>
+            <a:off x="2543551" y="6938746"/>
+            <a:ext cx="19296898" cy="1538737"/>
+          </a:xfrm>
+          <a:prstGeom prst="rect">
+            <a:avLst/>
+          </a:prstGeom>
+          <a:ln w="12700">
+            <a:miter lim="400000"/>
+          </a:ln>
+          <a:extLst>
+            <a:ext uri="{C572A759-6A51-4108-AA02-DFA0A04FC94B}">
+              <ma14:wrappingTextBoxFlag xmlns:ma14="http://schemas.microsoft.com/office/mac/drawingml/2011/main" val="1"/>
+            </a:ext>
+          </a:extLst>
+        </p:spPr>
+        <p:txBody>
+          <a:bodyPr lIns="50800" tIns="50800" rIns="50800" bIns="50800" anchor="ctr">
+            <a:spAutoFit/>
+          </a:bodyPr>
+          <a:lstStyle>
+            <a:lvl1pPr algn="l">
+              <a:defRPr sz="4000">
+                <a:solidFill>
+                  <a:srgbClr val="FFFFFF">
+                    <a:alpha val="50000"/>
+                  </a:srgbClr>
+                </a:solidFill>
+              </a:defRPr>
+            </a:lvl1pPr>
+          </a:lstStyle>
+          <a:p>
+            <a:pPr/>
+            <a:r>
+              <a:t>- 必须通过查找作用域链来决定其值。如果箭头函数 被非箭头函数包含，则this 绑定的是最近一层非箭头函数的this；否则 this的值为 undefined</a:t>
+            </a:r>
+          </a:p>
+        </p:txBody>
+      </p:sp>
+    </p:spTree>
+  </p:cSld>
+  <p:clrMapOvr>
+    <a:masterClrMapping/>
+  </p:clrMapOvr>
+  <p:transition xmlns:p14="http://schemas.microsoft.com/office/powerpoint/2010/main" spd="med" advClick="1"/>
+</p:sld>
+</file>
+
+<file path=ppt/slides/slide43.xml><?xml version="1.0" encoding="utf-8"?>
+<p:sld xmlns:a="http://schemas.openxmlformats.org/drawingml/2006/main" xmlns:r="http://schemas.openxmlformats.org/officeDocument/2006/relationships" xmlns:p="http://schemas.openxmlformats.org/presentationml/2006/main" xmlns:m="http://schemas.openxmlformats.org/officeDocument/2006/math" xmlns:a14="http://schemas.microsoft.com/office/drawing/2010/main" showMasterSp="1" showMasterPhAnim="1">
+  <p:cSld>
+    <p:bg>
+      <p:bgPr>
+        <a:blipFill rotWithShape="1">
+          <a:blip r:embed="rId2"/>
+          <a:srcRect l="0" t="0" r="0" b="0"/>
+          <a:stretch>
+            <a:fillRect/>
+          </a:stretch>
+        </a:blipFill>
+      </p:bgPr>
+    </p:bg>
+    <p:spTree>
+      <p:nvGrpSpPr>
+        <p:cNvPr id="1" name=""/>
+        <p:cNvGrpSpPr/>
+        <p:nvPr/>
+      </p:nvGrpSpPr>
+      <p:grpSpPr>
+        <a:xfrm>
+          <a:off x="0" y="0"/>
+          <a:ext cx="0" cy="0"/>
+          <a:chOff x="0" y="0"/>
+          <a:chExt cx="0" cy="0"/>
+        </a:xfrm>
+      </p:grpSpPr>
+      <p:sp>
+        <p:nvSpPr>
+          <p:cNvPr id="521" name="追梦课堂   临汾首家专业的web前端培训机构                                                          www.zmclass.com"/>
+          <p:cNvSpPr txBox="1"/>
+          <p:nvPr/>
+        </p:nvSpPr>
+        <p:spPr>
+          <a:xfrm>
+            <a:off x="1821067" y="12583265"/>
+            <a:ext cx="20340389" cy="560450"/>
+          </a:xfrm>
+          <a:prstGeom prst="rect">
+            <a:avLst/>
+          </a:prstGeom>
+          <a:ln w="12700">
+            <a:miter lim="400000"/>
+          </a:ln>
+          <a:extLst>
+            <a:ext uri="{C572A759-6A51-4108-AA02-DFA0A04FC94B}">
+              <ma14:wrappingTextBoxFlag xmlns:ma14="http://schemas.microsoft.com/office/mac/drawingml/2011/main" val="1"/>
+            </a:ext>
+          </a:extLst>
+        </p:spPr>
+        <p:txBody>
+          <a:bodyPr lIns="50800" tIns="50800" rIns="50800" bIns="50800" anchor="ctr">
+            <a:spAutoFit/>
+          </a:bodyPr>
+          <a:lstStyle/>
+          <a:p>
+            <a:pPr algn="l"/>
+            <a:r>
+              <a:rPr spc="1275" sz="1700">
+                <a:solidFill>
+                  <a:srgbClr val="FFFFFF">
+                    <a:alpha val="43661"/>
+                  </a:srgbClr>
+                </a:solidFill>
+              </a:rPr>
+              <a:t>追梦课堂   临汾首家专业的web前端培训机构 </a:t>
+            </a:r>
+            <a:r>
+              <a:rPr spc="2250"/>
+              <a:t>              </a:t>
+            </a:r>
+            <a:r>
+              <a:t>                                          </a:t>
+            </a:r>
+            <a:r>
+              <a:rPr sz="1700">
+                <a:solidFill>
+                  <a:srgbClr val="FFFFFF">
+                    <a:alpha val="50000"/>
+                  </a:srgbClr>
+                </a:solidFill>
+              </a:rPr>
+              <a:t> </a:t>
+            </a:r>
+            <a:r>
+              <a:rPr sz="1700">
+                <a:solidFill>
+                  <a:srgbClr val="FFFFFF">
+                    <a:alpha val="50000"/>
+                  </a:srgbClr>
+                </a:solidFill>
+                <a:hlinkClick r:id="rId3" invalidUrl="" action="" tgtFrame="" tooltip="" history="1" highlightClick="0" endSnd="0"/>
+              </a:rPr>
+              <a:t>www.zmclass.com</a:t>
+            </a:r>
+          </a:p>
+        </p:txBody>
+      </p:sp>
+      <p:sp>
+        <p:nvSpPr>
+          <p:cNvPr id="522" name="幻灯片编号"/>
+          <p:cNvSpPr txBox="1"/>
+          <p:nvPr>
+            <p:ph type="sldNum" sz="quarter" idx="2"/>
+          </p:nvPr>
+        </p:nvSpPr>
+        <p:spPr>
+          <a:prstGeom prst="rect">
+            <a:avLst/>
+          </a:prstGeom>
+          <a:extLst>
+            <a:ext uri="{C572A759-6A51-4108-AA02-DFA0A04FC94B}">
+              <ma14:wrappingTextBoxFlag xmlns:ma14="http://schemas.microsoft.com/office/mac/drawingml/2011/main" val="1"/>
+            </a:ext>
+          </a:extLst>
+        </p:spPr>
+        <p:txBody>
+          <a:bodyPr/>
+          <a:lstStyle/>
+          <a:p>
+            <a:pPr/>
+            <a:fld id="{86CB4B4D-7CA3-9044-876B-883B54F8677D}" type="slidenum"/>
+          </a:p>
+        </p:txBody>
+      </p:sp>
+      <p:sp>
+        <p:nvSpPr>
+          <p:cNvPr id="523" name="eg"/>
+          <p:cNvSpPr txBox="1"/>
+          <p:nvPr/>
+        </p:nvSpPr>
+        <p:spPr>
+          <a:xfrm>
+            <a:off x="2276759" y="3544932"/>
+            <a:ext cx="15656269" cy="1019298"/>
+          </a:xfrm>
+          <a:prstGeom prst="rect">
+            <a:avLst/>
+          </a:prstGeom>
+          <a:ln w="12700">
+            <a:miter lim="400000"/>
+          </a:ln>
+          <a:extLst>
+            <a:ext uri="{C572A759-6A51-4108-AA02-DFA0A04FC94B}">
+              <ma14:wrappingTextBoxFlag xmlns:ma14="http://schemas.microsoft.com/office/mac/drawingml/2011/main" val="1"/>
+            </a:ext>
+          </a:extLst>
+        </p:spPr>
+        <p:txBody>
+          <a:bodyPr lIns="50800" tIns="50800" rIns="50800" bIns="50800" anchor="ctr">
+            <a:spAutoFit/>
+          </a:bodyPr>
+          <a:lstStyle>
+            <a:lvl1pPr algn="l">
+              <a:defRPr sz="6000"/>
+            </a:lvl1pPr>
+          </a:lstStyle>
+          <a:p>
+            <a:pPr/>
+            <a:r>
+              <a:t>eg</a:t>
+            </a:r>
+          </a:p>
+        </p:txBody>
+      </p:sp>
+      <p:sp>
+        <p:nvSpPr>
+          <p:cNvPr id="524" name="矩形"/>
+          <p:cNvSpPr/>
+          <p:nvPr/>
+        </p:nvSpPr>
+        <p:spPr>
+          <a:xfrm>
+            <a:off x="1427881" y="3419581"/>
+            <a:ext cx="283770" cy="1270001"/>
+          </a:xfrm>
+          <a:prstGeom prst="rect">
+            <a:avLst/>
+          </a:prstGeom>
+          <a:solidFill>
+            <a:schemeClr val="accent5">
+              <a:hueOff val="-36178"/>
+              <a:satOff val="6507"/>
+              <a:lumOff val="-23518"/>
+            </a:schemeClr>
+          </a:solidFill>
+          <a:ln w="12700">
+            <a:miter lim="400000"/>
+          </a:ln>
+        </p:spPr>
+        <p:txBody>
+          <a:bodyPr lIns="50800" tIns="50800" rIns="50800" bIns="50800" anchor="ctr"/>
+          <a:lstStyle/>
+          <a:p>
+            <a:pPr>
+              <a:defRPr b="0" sz="3200">
+                <a:latin typeface="+mn-lt"/>
+                <a:ea typeface="+mn-ea"/>
+                <a:cs typeface="+mn-cs"/>
+                <a:sym typeface="Helvetica Neue Medium"/>
+              </a:defRPr>
+            </a:pPr>
+          </a:p>
+        </p:txBody>
+      </p:sp>
+    </p:spTree>
+  </p:cSld>
+  <p:clrMapOvr>
+    <a:masterClrMapping/>
+  </p:clrMapOvr>
+  <p:transition xmlns:p14="http://schemas.microsoft.com/office/powerpoint/2010/main" spd="med" advClick="1"/>
+</p:sld>
+</file>
+
+<file path=ppt/slides/slide44.xml><?xml version="1.0" encoding="utf-8"?>
+<p:sld xmlns:a="http://schemas.openxmlformats.org/drawingml/2006/main" xmlns:r="http://schemas.openxmlformats.org/officeDocument/2006/relationships" xmlns:p="http://schemas.openxmlformats.org/presentationml/2006/main" xmlns:m="http://schemas.openxmlformats.org/officeDocument/2006/math" xmlns:a14="http://schemas.microsoft.com/office/drawing/2010/main" showMasterSp="1" showMasterPhAnim="1">
+  <p:cSld>
+    <p:bg>
+      <p:bgPr>
+        <a:blipFill rotWithShape="1">
+          <a:blip r:embed="rId2"/>
+          <a:srcRect l="0" t="0" r="0" b="0"/>
+          <a:stretch>
+            <a:fillRect/>
+          </a:stretch>
+        </a:blipFill>
+      </p:bgPr>
+    </p:bg>
+    <p:spTree>
+      <p:nvGrpSpPr>
+        <p:cNvPr id="1" name=""/>
+        <p:cNvGrpSpPr/>
+        <p:nvPr/>
+      </p:nvGrpSpPr>
+      <p:grpSpPr>
+        <a:xfrm>
+          <a:off x="0" y="0"/>
+          <a:ext cx="0" cy="0"/>
+          <a:chOff x="0" y="0"/>
+          <a:chExt cx="0" cy="0"/>
+        </a:xfrm>
+      </p:grpSpPr>
+      <p:sp>
+        <p:nvSpPr>
+          <p:cNvPr id="526" name="Thanks！"/>
+          <p:cNvSpPr txBox="1"/>
+          <p:nvPr>
+            <p:ph type="ctrTitle"/>
+          </p:nvPr>
+        </p:nvSpPr>
+        <p:spPr>
+          <a:xfrm>
+            <a:off x="1778000" y="3147634"/>
+            <a:ext cx="20828000" cy="4648201"/>
+          </a:xfrm>
+          <a:prstGeom prst="rect">
+            <a:avLst/>
+          </a:prstGeom>
+        </p:spPr>
+        <p:txBody>
+          <a:bodyPr/>
+          <a:lstStyle>
+            <a:lvl1pPr>
+              <a:defRPr sz="14300">
+                <a:latin typeface="Helvetica Neue"/>
+                <a:ea typeface="Helvetica Neue"/>
+                <a:cs typeface="Helvetica Neue"/>
+                <a:sym typeface="Helvetica Neue"/>
+              </a:defRPr>
+            </a:lvl1pPr>
+          </a:lstStyle>
+          <a:p>
+            <a:pPr/>
+            <a:r>
+              <a:t>Thanks！</a:t>
+            </a:r>
+          </a:p>
+        </p:txBody>
+      </p:sp>
+      <p:sp>
+        <p:nvSpPr>
+          <p:cNvPr id="527" name="追梦课堂临汾首家专业的web前端培训机构    www.zmclass.com"/>
+          <p:cNvSpPr txBox="1"/>
+          <p:nvPr/>
+        </p:nvSpPr>
+        <p:spPr>
+          <a:xfrm>
+            <a:off x="6367784" y="8165992"/>
+            <a:ext cx="14290971" cy="560449"/>
+          </a:xfrm>
+          <a:prstGeom prst="rect">
+            <a:avLst/>
+          </a:prstGeom>
+          <a:ln w="12700">
+            <a:miter lim="400000"/>
+          </a:ln>
+          <a:extLst>
+            <a:ext uri="{C572A759-6A51-4108-AA02-DFA0A04FC94B}">
+              <ma14:wrappingTextBoxFlag xmlns:ma14="http://schemas.microsoft.com/office/mac/drawingml/2011/main" val="1"/>
+            </a:ext>
+          </a:extLst>
+        </p:spPr>
+        <p:txBody>
+          <a:bodyPr lIns="50800" tIns="50800" rIns="50800" bIns="50800" anchor="ctr">
+            <a:spAutoFit/>
+          </a:bodyPr>
+          <a:lstStyle/>
+          <a:p>
+            <a:pPr algn="l"/>
+            <a:r>
+              <a:rPr spc="1275" sz="1700">
+                <a:solidFill>
+                  <a:srgbClr val="FFFFFF">
+                    <a:alpha val="43661"/>
+                  </a:srgbClr>
+                </a:solidFill>
+              </a:rPr>
+              <a:t>追梦课堂临汾首家专业的web前端培训机构</a:t>
+            </a:r>
+            <a:r>
+              <a:rPr spc="2250"/>
+              <a:t> </a:t>
+            </a:r>
+            <a:r>
+              <a:t>   </a:t>
+            </a:r>
+            <a:r>
+              <a:rPr sz="1700">
+                <a:solidFill>
+                  <a:srgbClr val="FFFFFF">
+                    <a:alpha val="50000"/>
+                  </a:srgbClr>
+                </a:solidFill>
+                <a:hlinkClick r:id="rId3" invalidUrl="" action="" tgtFrame="" tooltip="" history="1" highlightClick="0" endSnd="0"/>
+              </a:rPr>
+              <a:t>www.zmclass.com</a:t>
+            </a:r>
+          </a:p>
+        </p:txBody>
+      </p:sp>
+      <p:sp>
+        <p:nvSpPr>
+          <p:cNvPr id="528" name="幻灯片编号"/>
+          <p:cNvSpPr txBox="1"/>
+          <p:nvPr>
+            <p:ph type="sldNum" sz="quarter" idx="2"/>
+          </p:nvPr>
+        </p:nvSpPr>
+        <p:spPr>
+          <a:prstGeom prst="rect">
+            <a:avLst/>
+          </a:prstGeom>
+          <a:extLst>
+            <a:ext uri="{C572A759-6A51-4108-AA02-DFA0A04FC94B}">
+              <ma14:wrappingTextBoxFlag xmlns:ma14="http://schemas.microsoft.com/office/mac/drawingml/2011/main" val="1"/>
+            </a:ext>
+          </a:extLst>
+        </p:spPr>
+        <p:txBody>
+          <a:bodyPr/>
+          <a:lstStyle/>
+          <a:p>
+            <a:pPr/>
+            <a:fld id="{86CB4B4D-7CA3-9044-876B-883B54F8677D}" type="slidenum"/>
+          </a:p>
+        </p:txBody>
+      </p:sp>
     </p:spTree>
   </p:cSld>
   <p:clrMapOvr>
